--- a/Rasa_slide.pptx
+++ b/Rasa_slide.pptx
@@ -68,7 +68,7 @@
       <p:regular r:id="rId42"/>
     </p:embeddedFont>
     <p:embeddedFont>
-      <p:font typeface="Poppins Medium Bold" panose="020B0604020202020204" charset="0"/>
+      <p:font typeface="Poppins Medium Bold"/>
       <p:regular r:id="rId43"/>
     </p:embeddedFont>
   </p:embeddedFontLst>
@@ -268,7 +268,7 @@
           <a:p>
             <a:fld id="{D937C598-D8B8-47A8-AD5C-1D0F622968CD}" type="datetimeFigureOut">
               <a:rPr lang="en-US" smtClean="0"/>
-              <a:t>7/19/2021</a:t>
+              <a:t>7/24/2021</a:t>
             </a:fld>
             <a:endParaRPr lang="en-US"/>
           </a:p>
@@ -580,29 +580,6 @@
           <a:bodyPr/>
           <a:lstStyle/>
           <a:p>
-            <a:r>
-              <a:rPr lang="en-GB" sz="1800">
-                <a:effectLst/>
-                <a:latin typeface="Times New Roman" panose="02020603050405020304" pitchFamily="18" charset="0"/>
-                <a:ea typeface="Times New Roman" panose="02020603050405020304" pitchFamily="18" charset="0"/>
-              </a:rPr>
-              <a:t>Chatbot là một chương trình máy tính được tạo ra và có khả năng giao tiếp với con người, đặc biệt là qua Internet trên các nền tảng xã hội như Facebook, Zalo, Instagram, …vv</a:t>
-            </a:r>
-            <a:br>
-              <a:rPr lang="en-GB" sz="1800">
-                <a:effectLst/>
-                <a:latin typeface="Times New Roman" panose="02020603050405020304" pitchFamily="18" charset="0"/>
-                <a:ea typeface="Times New Roman" panose="02020603050405020304" pitchFamily="18" charset="0"/>
-              </a:rPr>
-            </a:br>
-            <a:r>
-              <a:rPr lang="en-GB" sz="1800">
-                <a:effectLst/>
-                <a:latin typeface="Times New Roman" panose="02020603050405020304" pitchFamily="18" charset="0"/>
-                <a:ea typeface="Times New Roman" panose="02020603050405020304" pitchFamily="18" charset="0"/>
-              </a:rPr>
-              <a:t>Chương trình này kết hợp với AI để tương tác với người dùng, thay thế nhân viên tương tác và trả lời những thắc mắc của khách hàng đưa ra. Hiện nay Chatbot được ứng dụng rất nhiều trong bán hàng, tư vấn và chăm sóc khách hàng, giải trí, giáo dục, …vv. </a:t>
-            </a:r>
             <a:endParaRPr lang="en-US"/>
           </a:p>
         </p:txBody>
@@ -624,7 +601,7 @@
           <a:p>
             <a:fld id="{40692484-ACCD-4D7E-A97E-23FCAD716C61}" type="slidenum">
               <a:rPr lang="en-US" smtClean="0"/>
-              <a:t>3</a:t>
+              <a:t>2</a:t>
             </a:fld>
             <a:endParaRPr lang="en-US"/>
           </a:p>
@@ -633,7 +610,7 @@
     </p:spTree>
     <p:extLst>
       <p:ext uri="{BB962C8B-B14F-4D97-AF65-F5344CB8AC3E}">
-        <p14:creationId xmlns:p14="http://schemas.microsoft.com/office/powerpoint/2010/main" val="963638802"/>
+        <p14:creationId xmlns:p14="http://schemas.microsoft.com/office/powerpoint/2010/main" val="2319058263"/>
       </p:ext>
     </p:extLst>
   </p:cSld>
@@ -687,10 +664,35 @@
           <a:bodyPr/>
           <a:lstStyle/>
           <a:p>
+            <a:pPr marL="0" marR="0" lvl="0" indent="0" algn="l" defTabSz="914400" rtl="0" eaLnBrk="1" fontAlgn="auto" latinLnBrk="0" hangingPunct="1">
+              <a:lnSpc>
+                <a:spcPct val="100000"/>
+              </a:lnSpc>
+              <a:spcBef>
+                <a:spcPts val="0"/>
+              </a:spcBef>
+              <a:spcAft>
+                <a:spcPts val="0"/>
+              </a:spcAft>
+              <a:buClrTx/>
+              <a:buSzTx/>
+              <a:buFontTx/>
+              <a:buNone/>
+              <a:tabLst/>
+              <a:defRPr/>
+            </a:pPr>
             <a:r>
-              <a:rPr lang="en-US"/>
-              <a:t>Ví dụ cụ thể vài trường hợp cụ thể</a:t>
+              <a:rPr lang="en-US" sz="1800">
+                <a:effectLst/>
+                <a:latin typeface=".VnTime"/>
+                <a:ea typeface="Times New Roman" panose="02020603050405020304" pitchFamily="18" charset="0"/>
+                <a:cs typeface="Times New Roman" panose="02020603050405020304" pitchFamily="18" charset="0"/>
+              </a:rPr>
+              <a:t>File stories.md ta viết một số kịch bản có thể xảy ra khi tương tác với Bot, việc dự tính trước các trường hợp có thể xảy ra trong quá trình nhắn tin sẽ giúp bot xử lý các trường hợp một cách mượn hơn và có vẻ thông minh hơn. Vậy nên cần phải cố gắng tìm thật nhiều các trường hợp mà khách hàng có thể hỏi bot.</a:t>
             </a:r>
+          </a:p>
+          <a:p>
+            <a:endParaRPr lang="en-US"/>
           </a:p>
         </p:txBody>
       </p:sp>
@@ -711,9 +713,156 @@
           <a:p>
             <a:fld id="{40692484-ACCD-4D7E-A97E-23FCAD716C61}" type="slidenum">
               <a:rPr lang="en-US" smtClean="0"/>
+              <a:t>15</a:t>
+            </a:fld>
+            <a:endParaRPr lang="en-US"/>
+          </a:p>
+        </p:txBody>
+      </p:sp>
+    </p:spTree>
+    <p:extLst>
+      <p:ext uri="{BB962C8B-B14F-4D97-AF65-F5344CB8AC3E}">
+        <p14:creationId xmlns:p14="http://schemas.microsoft.com/office/powerpoint/2010/main" val="2311220702"/>
+      </p:ext>
+    </p:extLst>
+  </p:cSld>
+  <p:clrMapOvr>
+    <a:masterClrMapping/>
+  </p:clrMapOvr>
+</p:notes>
+</file>
+
+<file path=ppt/notesSlides/notesSlide11.xml><?xml version="1.0" encoding="utf-8"?>
+<p:notes xmlns:a="http://schemas.openxmlformats.org/drawingml/2006/main" xmlns:r="http://schemas.openxmlformats.org/officeDocument/2006/relationships" xmlns:p="http://schemas.openxmlformats.org/presentationml/2006/main">
+  <p:cSld>
+    <p:spTree>
+      <p:nvGrpSpPr>
+        <p:cNvPr id="1" name=""/>
+        <p:cNvGrpSpPr/>
+        <p:nvPr/>
+      </p:nvGrpSpPr>
+      <p:grpSpPr>
+        <a:xfrm>
+          <a:off x="0" y="0"/>
+          <a:ext cx="0" cy="0"/>
+          <a:chOff x="0" y="0"/>
+          <a:chExt cx="0" cy="0"/>
+        </a:xfrm>
+      </p:grpSpPr>
+      <p:sp>
+        <p:nvSpPr>
+          <p:cNvPr id="2" name="Chỗ dành sẵn cho Hình ảnh của Bản chiếu 1"/>
+          <p:cNvSpPr>
+            <a:spLocks noGrp="1" noRot="1" noChangeAspect="1"/>
+          </p:cNvSpPr>
+          <p:nvPr>
+            <p:ph type="sldImg"/>
+          </p:nvPr>
+        </p:nvSpPr>
+        <p:spPr/>
+      </p:sp>
+      <p:sp>
+        <p:nvSpPr>
+          <p:cNvPr id="3" name="Chỗ dành sẵn cho Ghi chú 2"/>
+          <p:cNvSpPr>
+            <a:spLocks noGrp="1"/>
+          </p:cNvSpPr>
+          <p:nvPr>
+            <p:ph type="body" idx="1"/>
+          </p:nvPr>
+        </p:nvSpPr>
+        <p:spPr/>
+        <p:txBody>
+          <a:bodyPr/>
+          <a:lstStyle/>
+          <a:p>
+            <a:r>
+              <a:rPr lang="en-US"/>
+              <a:t>Ví dụ cụ thể vài trường hợp cụ thể vào chương 3 sau kết luận demo luôn</a:t>
+            </a:r>
+          </a:p>
+        </p:txBody>
+      </p:sp>
+      <p:sp>
+        <p:nvSpPr>
+          <p:cNvPr id="4" name="Chỗ dành sẵn cho Số hiệu Bản chiếu 3"/>
+          <p:cNvSpPr>
+            <a:spLocks noGrp="1"/>
+          </p:cNvSpPr>
+          <p:nvPr>
+            <p:ph type="sldNum" sz="quarter" idx="5"/>
+          </p:nvPr>
+        </p:nvSpPr>
+        <p:spPr/>
+        <p:txBody>
+          <a:bodyPr/>
+          <a:lstStyle/>
+          <a:p>
+            <a:pPr marL="0" marR="0" lvl="0" indent="0" algn="r" defTabSz="914400" rtl="0" eaLnBrk="1" fontAlgn="auto" latinLnBrk="0" hangingPunct="1">
+              <a:lnSpc>
+                <a:spcPct val="100000"/>
+              </a:lnSpc>
+              <a:spcBef>
+                <a:spcPts val="0"/>
+              </a:spcBef>
+              <a:spcAft>
+                <a:spcPts val="0"/>
+              </a:spcAft>
+              <a:buClrTx/>
+              <a:buSzTx/>
+              <a:buFontTx/>
+              <a:buNone/>
+              <a:tabLst/>
+              <a:defRPr/>
+            </a:pPr>
+            <a:fld id="{40692484-ACCD-4D7E-A97E-23FCAD716C61}" type="slidenum">
+              <a:rPr kumimoji="0" lang="en-US" sz="1200" b="0" i="0" u="none" strike="noStrike" kern="1200" cap="none" spc="0" normalizeH="0" baseline="0" noProof="0" smtClean="0">
+                <a:ln>
+                  <a:noFill/>
+                </a:ln>
+                <a:solidFill>
+                  <a:prstClr val="black"/>
+                </a:solidFill>
+                <a:effectLst/>
+                <a:uLnTx/>
+                <a:uFillTx/>
+                <a:latin typeface="Calibri" panose="020F0502020204030204"/>
+                <a:ea typeface="+mn-ea"/>
+                <a:cs typeface="+mn-cs"/>
+              </a:rPr>
+              <a:pPr marL="0" marR="0" lvl="0" indent="0" algn="r" defTabSz="914400" rtl="0" eaLnBrk="1" fontAlgn="auto" latinLnBrk="0" hangingPunct="1">
+                <a:lnSpc>
+                  <a:spcPct val="100000"/>
+                </a:lnSpc>
+                <a:spcBef>
+                  <a:spcPts val="0"/>
+                </a:spcBef>
+                <a:spcAft>
+                  <a:spcPts val="0"/>
+                </a:spcAft>
+                <a:buClrTx/>
+                <a:buSzTx/>
+                <a:buFontTx/>
+                <a:buNone/>
+                <a:tabLst/>
+                <a:defRPr/>
+              </a:pPr>
               <a:t>16</a:t>
             </a:fld>
-            <a:endParaRPr lang="en-US"/>
+            <a:endParaRPr kumimoji="0" lang="en-US" sz="1200" b="0" i="0" u="none" strike="noStrike" kern="1200" cap="none" spc="0" normalizeH="0" baseline="0" noProof="0">
+              <a:ln>
+                <a:noFill/>
+              </a:ln>
+              <a:solidFill>
+                <a:prstClr val="black"/>
+              </a:solidFill>
+              <a:effectLst/>
+              <a:uLnTx/>
+              <a:uFillTx/>
+              <a:latin typeface="Calibri" panose="020F0502020204030204"/>
+              <a:ea typeface="+mn-ea"/>
+              <a:cs typeface="+mn-cs"/>
+            </a:endParaRPr>
           </a:p>
         </p:txBody>
       </p:sp>
@@ -730,7 +879,7 @@
 </p:notes>
 </file>
 
-<file path=ppt/notesSlides/notesSlide11.xml><?xml version="1.0" encoding="utf-8"?>
+<file path=ppt/notesSlides/notesSlide12.xml><?xml version="1.0" encoding="utf-8"?>
 <p:notes xmlns:a="http://schemas.openxmlformats.org/drawingml/2006/main" xmlns:r="http://schemas.openxmlformats.org/officeDocument/2006/relationships" xmlns:p="http://schemas.openxmlformats.org/presentationml/2006/main">
   <p:cSld>
     <p:spTree>
@@ -796,11 +945,71 @@
           <a:bodyPr/>
           <a:lstStyle/>
           <a:p>
+            <a:pPr marL="0" marR="0" lvl="0" indent="0" algn="r" defTabSz="914400" rtl="0" eaLnBrk="1" fontAlgn="auto" latinLnBrk="0" hangingPunct="1">
+              <a:lnSpc>
+                <a:spcPct val="100000"/>
+              </a:lnSpc>
+              <a:spcBef>
+                <a:spcPts val="0"/>
+              </a:spcBef>
+              <a:spcAft>
+                <a:spcPts val="0"/>
+              </a:spcAft>
+              <a:buClrTx/>
+              <a:buSzTx/>
+              <a:buFontTx/>
+              <a:buNone/>
+              <a:tabLst/>
+              <a:defRPr/>
+            </a:pPr>
             <a:fld id="{40692484-ACCD-4D7E-A97E-23FCAD716C61}" type="slidenum">
-              <a:rPr lang="en-US" smtClean="0"/>
+              <a:rPr kumimoji="0" lang="en-US" sz="1200" b="0" i="0" u="none" strike="noStrike" kern="1200" cap="none" spc="0" normalizeH="0" baseline="0" noProof="0" smtClean="0">
+                <a:ln>
+                  <a:noFill/>
+                </a:ln>
+                <a:solidFill>
+                  <a:prstClr val="black"/>
+                </a:solidFill>
+                <a:effectLst/>
+                <a:uLnTx/>
+                <a:uFillTx/>
+                <a:latin typeface="Calibri" panose="020F0502020204030204"/>
+                <a:ea typeface="+mn-ea"/>
+                <a:cs typeface="+mn-cs"/>
+              </a:rPr>
+              <a:pPr marL="0" marR="0" lvl="0" indent="0" algn="r" defTabSz="914400" rtl="0" eaLnBrk="1" fontAlgn="auto" latinLnBrk="0" hangingPunct="1">
+                <a:lnSpc>
+                  <a:spcPct val="100000"/>
+                </a:lnSpc>
+                <a:spcBef>
+                  <a:spcPts val="0"/>
+                </a:spcBef>
+                <a:spcAft>
+                  <a:spcPts val="0"/>
+                </a:spcAft>
+                <a:buClrTx/>
+                <a:buSzTx/>
+                <a:buFontTx/>
+                <a:buNone/>
+                <a:tabLst/>
+                <a:defRPr/>
+              </a:pPr>
               <a:t>17</a:t>
             </a:fld>
-            <a:endParaRPr lang="en-US"/>
+            <a:endParaRPr kumimoji="0" lang="en-US" sz="1200" b="0" i="0" u="none" strike="noStrike" kern="1200" cap="none" spc="0" normalizeH="0" baseline="0" noProof="0">
+              <a:ln>
+                <a:noFill/>
+              </a:ln>
+              <a:solidFill>
+                <a:prstClr val="black"/>
+              </a:solidFill>
+              <a:effectLst/>
+              <a:uLnTx/>
+              <a:uFillTx/>
+              <a:latin typeface="Calibri" panose="020F0502020204030204"/>
+              <a:ea typeface="+mn-ea"/>
+              <a:cs typeface="+mn-cs"/>
+            </a:endParaRPr>
           </a:p>
         </p:txBody>
       </p:sp>
@@ -818,6 +1027,113 @@
 </file>
 
 <file path=ppt/notesSlides/notesSlide2.xml><?xml version="1.0" encoding="utf-8"?>
+<p:notes xmlns:a="http://schemas.openxmlformats.org/drawingml/2006/main" xmlns:r="http://schemas.openxmlformats.org/officeDocument/2006/relationships" xmlns:p="http://schemas.openxmlformats.org/presentationml/2006/main">
+  <p:cSld>
+    <p:spTree>
+      <p:nvGrpSpPr>
+        <p:cNvPr id="1" name=""/>
+        <p:cNvGrpSpPr/>
+        <p:nvPr/>
+      </p:nvGrpSpPr>
+      <p:grpSpPr>
+        <a:xfrm>
+          <a:off x="0" y="0"/>
+          <a:ext cx="0" cy="0"/>
+          <a:chOff x="0" y="0"/>
+          <a:chExt cx="0" cy="0"/>
+        </a:xfrm>
+      </p:grpSpPr>
+      <p:sp>
+        <p:nvSpPr>
+          <p:cNvPr id="2" name="Chỗ dành sẵn cho Hình ảnh của Bản chiếu 1"/>
+          <p:cNvSpPr>
+            <a:spLocks noGrp="1" noRot="1" noChangeAspect="1"/>
+          </p:cNvSpPr>
+          <p:nvPr>
+            <p:ph type="sldImg"/>
+          </p:nvPr>
+        </p:nvSpPr>
+        <p:spPr/>
+      </p:sp>
+      <p:sp>
+        <p:nvSpPr>
+          <p:cNvPr id="3" name="Chỗ dành sẵn cho Ghi chú 2"/>
+          <p:cNvSpPr>
+            <a:spLocks noGrp="1"/>
+          </p:cNvSpPr>
+          <p:nvPr>
+            <p:ph type="body" idx="1"/>
+          </p:nvPr>
+        </p:nvSpPr>
+        <p:spPr/>
+        <p:txBody>
+          <a:bodyPr/>
+          <a:lstStyle/>
+          <a:p>
+            <a:r>
+              <a:rPr lang="en-GB" sz="1800">
+                <a:effectLst/>
+                <a:latin typeface="Times New Roman" panose="02020603050405020304" pitchFamily="18" charset="0"/>
+                <a:ea typeface="Times New Roman" panose="02020603050405020304" pitchFamily="18" charset="0"/>
+              </a:rPr>
+              <a:t>Chatbot là một chương trình máy tính được tạo ra và có khả năng giao tiếp với con người, đặc biệt là qua Internet trên các nền tảng xã hội như Facebook, Zalo, Instagram, …vv</a:t>
+            </a:r>
+            <a:br>
+              <a:rPr lang="en-GB" sz="1800">
+                <a:effectLst/>
+                <a:latin typeface="Times New Roman" panose="02020603050405020304" pitchFamily="18" charset="0"/>
+                <a:ea typeface="Times New Roman" panose="02020603050405020304" pitchFamily="18" charset="0"/>
+              </a:rPr>
+            </a:br>
+            <a:r>
+              <a:rPr lang="en-GB" sz="1800">
+                <a:effectLst/>
+                <a:latin typeface="Times New Roman" panose="02020603050405020304" pitchFamily="18" charset="0"/>
+                <a:ea typeface="Times New Roman" panose="02020603050405020304" pitchFamily="18" charset="0"/>
+              </a:rPr>
+              <a:t>Chương trình này kết hợp với AI để tương tác với người dùng, thay thế nhân viên tương tác và trả lời những thắc mắc của khách hàng đưa ra. Hiện nay Chatbot được ứng dụng rất nhiều trong bán hàng, tư vấn và chăm sóc khách hàng, giải trí, giáo dục, …vv. </a:t>
+            </a:r>
+            <a:endParaRPr lang="en-US"/>
+          </a:p>
+        </p:txBody>
+      </p:sp>
+      <p:sp>
+        <p:nvSpPr>
+          <p:cNvPr id="4" name="Chỗ dành sẵn cho Số hiệu Bản chiếu 3"/>
+          <p:cNvSpPr>
+            <a:spLocks noGrp="1"/>
+          </p:cNvSpPr>
+          <p:nvPr>
+            <p:ph type="sldNum" sz="quarter" idx="5"/>
+          </p:nvPr>
+        </p:nvSpPr>
+        <p:spPr/>
+        <p:txBody>
+          <a:bodyPr/>
+          <a:lstStyle/>
+          <a:p>
+            <a:fld id="{40692484-ACCD-4D7E-A97E-23FCAD716C61}" type="slidenum">
+              <a:rPr lang="en-US" smtClean="0"/>
+              <a:t>3</a:t>
+            </a:fld>
+            <a:endParaRPr lang="en-US"/>
+          </a:p>
+        </p:txBody>
+      </p:sp>
+    </p:spTree>
+    <p:extLst>
+      <p:ext uri="{BB962C8B-B14F-4D97-AF65-F5344CB8AC3E}">
+        <p14:creationId xmlns:p14="http://schemas.microsoft.com/office/powerpoint/2010/main" val="963638802"/>
+      </p:ext>
+    </p:extLst>
+  </p:cSld>
+  <p:clrMapOvr>
+    <a:masterClrMapping/>
+  </p:clrMapOvr>
+</p:notes>
+</file>
+
+<file path=ppt/notesSlides/notesSlide3.xml><?xml version="1.0" encoding="utf-8"?>
 <p:notes xmlns:a="http://schemas.openxmlformats.org/drawingml/2006/main" xmlns:r="http://schemas.openxmlformats.org/officeDocument/2006/relationships" xmlns:p="http://schemas.openxmlformats.org/presentationml/2006/main">
   <p:cSld>
     <p:spTree>
@@ -904,7 +1220,7 @@
 </p:notes>
 </file>
 
-<file path=ppt/notesSlides/notesSlide3.xml><?xml version="1.0" encoding="utf-8"?>
+<file path=ppt/notesSlides/notesSlide4.xml><?xml version="1.0" encoding="utf-8"?>
 <p:notes xmlns:a="http://schemas.openxmlformats.org/drawingml/2006/main" xmlns:r="http://schemas.openxmlformats.org/officeDocument/2006/relationships" xmlns:p="http://schemas.openxmlformats.org/presentationml/2006/main">
   <p:cSld>
     <p:spTree>
@@ -1039,7 +1355,7 @@
 </p:notes>
 </file>
 
-<file path=ppt/notesSlides/notesSlide4.xml><?xml version="1.0" encoding="utf-8"?>
+<file path=ppt/notesSlides/notesSlide5.xml><?xml version="1.0" encoding="utf-8"?>
 <p:notes xmlns:a="http://schemas.openxmlformats.org/drawingml/2006/main" xmlns:r="http://schemas.openxmlformats.org/officeDocument/2006/relationships" xmlns:p="http://schemas.openxmlformats.org/presentationml/2006/main">
   <p:cSld>
     <p:spTree>
@@ -1126,7 +1442,7 @@
 </p:notes>
 </file>
 
-<file path=ppt/notesSlides/notesSlide5.xml><?xml version="1.0" encoding="utf-8"?>
+<file path=ppt/notesSlides/notesSlide6.xml><?xml version="1.0" encoding="utf-8"?>
 <p:notes xmlns:a="http://schemas.openxmlformats.org/drawingml/2006/main" xmlns:r="http://schemas.openxmlformats.org/officeDocument/2006/relationships" xmlns:p="http://schemas.openxmlformats.org/presentationml/2006/main">
   <p:cSld>
     <p:spTree>
@@ -1255,7 +1571,7 @@
 </p:notes>
 </file>
 
-<file path=ppt/notesSlides/notesSlide6.xml><?xml version="1.0" encoding="utf-8"?>
+<file path=ppt/notesSlides/notesSlide7.xml><?xml version="1.0" encoding="utf-8"?>
 <p:notes xmlns:a="http://schemas.openxmlformats.org/drawingml/2006/main" xmlns:r="http://schemas.openxmlformats.org/officeDocument/2006/relationships" xmlns:p="http://schemas.openxmlformats.org/presentationml/2006/main">
   <p:cSld>
     <p:spTree>
@@ -1427,7 +1743,7 @@
 </p:notes>
 </file>
 
-<file path=ppt/notesSlides/notesSlide7.xml><?xml version="1.0" encoding="utf-8"?>
+<file path=ppt/notesSlides/notesSlide8.xml><?xml version="1.0" encoding="utf-8"?>
 <p:notes xmlns:a="http://schemas.openxmlformats.org/drawingml/2006/main" xmlns:r="http://schemas.openxmlformats.org/officeDocument/2006/relationships" xmlns:p="http://schemas.openxmlformats.org/presentationml/2006/main">
   <p:cSld>
     <p:spTree>
@@ -1626,7 +1942,7 @@
 </p:notes>
 </file>
 
-<file path=ppt/notesSlides/notesSlide8.xml><?xml version="1.0" encoding="utf-8"?>
+<file path=ppt/notesSlides/notesSlide9.xml><?xml version="1.0" encoding="utf-8"?>
 <p:notes xmlns:a="http://schemas.openxmlformats.org/drawingml/2006/main" xmlns:r="http://schemas.openxmlformats.org/officeDocument/2006/relationships" xmlns:p="http://schemas.openxmlformats.org/presentationml/2006/main">
   <p:cSld>
     <p:spTree>
@@ -1818,118 +2134,6 @@
 </p:notes>
 </file>
 
-<file path=ppt/notesSlides/notesSlide9.xml><?xml version="1.0" encoding="utf-8"?>
-<p:notes xmlns:a="http://schemas.openxmlformats.org/drawingml/2006/main" xmlns:r="http://schemas.openxmlformats.org/officeDocument/2006/relationships" xmlns:p="http://schemas.openxmlformats.org/presentationml/2006/main">
-  <p:cSld>
-    <p:spTree>
-      <p:nvGrpSpPr>
-        <p:cNvPr id="1" name=""/>
-        <p:cNvGrpSpPr/>
-        <p:nvPr/>
-      </p:nvGrpSpPr>
-      <p:grpSpPr>
-        <a:xfrm>
-          <a:off x="0" y="0"/>
-          <a:ext cx="0" cy="0"/>
-          <a:chOff x="0" y="0"/>
-          <a:chExt cx="0" cy="0"/>
-        </a:xfrm>
-      </p:grpSpPr>
-      <p:sp>
-        <p:nvSpPr>
-          <p:cNvPr id="2" name="Chỗ dành sẵn cho Hình ảnh của Bản chiếu 1"/>
-          <p:cNvSpPr>
-            <a:spLocks noGrp="1" noRot="1" noChangeAspect="1"/>
-          </p:cNvSpPr>
-          <p:nvPr>
-            <p:ph type="sldImg"/>
-          </p:nvPr>
-        </p:nvSpPr>
-        <p:spPr/>
-      </p:sp>
-      <p:sp>
-        <p:nvSpPr>
-          <p:cNvPr id="3" name="Chỗ dành sẵn cho Ghi chú 2"/>
-          <p:cNvSpPr>
-            <a:spLocks noGrp="1"/>
-          </p:cNvSpPr>
-          <p:nvPr>
-            <p:ph type="body" idx="1"/>
-          </p:nvPr>
-        </p:nvSpPr>
-        <p:spPr/>
-        <p:txBody>
-          <a:bodyPr/>
-          <a:lstStyle/>
-          <a:p>
-            <a:pPr marL="0" marR="0" lvl="0" indent="0" algn="l" defTabSz="914400" rtl="0" eaLnBrk="1" fontAlgn="auto" latinLnBrk="0" hangingPunct="1">
-              <a:lnSpc>
-                <a:spcPct val="100000"/>
-              </a:lnSpc>
-              <a:spcBef>
-                <a:spcPts val="0"/>
-              </a:spcBef>
-              <a:spcAft>
-                <a:spcPts val="0"/>
-              </a:spcAft>
-              <a:buClrTx/>
-              <a:buSzTx/>
-              <a:buFontTx/>
-              <a:buNone/>
-              <a:tabLst/>
-              <a:defRPr/>
-            </a:pPr>
-            <a:r>
-              <a:rPr lang="en-US" sz="1800">
-                <a:effectLst/>
-                <a:latin typeface=".VnTime"/>
-                <a:ea typeface="Times New Roman" panose="02020603050405020304" pitchFamily="18" charset="0"/>
-                <a:cs typeface="Times New Roman" panose="02020603050405020304" pitchFamily="18" charset="0"/>
-              </a:rPr>
-              <a:t>File stories.md ta viết một số kịch bản có thể xảy ra khi tương tác với Bot, việc dự tính trước các trường hợp có thể xảy ra trong quá trình nhắn tin sẽ giúp bot xử lý các trường hợp một cách mượn hơn và có vẻ thông minh hơn. Vậy nên cần phải cố gắng tìm thật nhiều các trường hợp mà khách hàng có thể hỏi bot.</a:t>
-            </a:r>
-          </a:p>
-          <a:p>
-            <a:endParaRPr lang="en-US"/>
-          </a:p>
-        </p:txBody>
-      </p:sp>
-      <p:sp>
-        <p:nvSpPr>
-          <p:cNvPr id="4" name="Chỗ dành sẵn cho Số hiệu Bản chiếu 3"/>
-          <p:cNvSpPr>
-            <a:spLocks noGrp="1"/>
-          </p:cNvSpPr>
-          <p:nvPr>
-            <p:ph type="sldNum" sz="quarter" idx="5"/>
-          </p:nvPr>
-        </p:nvSpPr>
-        <p:spPr/>
-        <p:txBody>
-          <a:bodyPr/>
-          <a:lstStyle/>
-          <a:p>
-            <a:fld id="{40692484-ACCD-4D7E-A97E-23FCAD716C61}" type="slidenum">
-              <a:rPr lang="en-US" smtClean="0"/>
-              <a:t>15</a:t>
-            </a:fld>
-            <a:endParaRPr lang="en-US"/>
-          </a:p>
-        </p:txBody>
-      </p:sp>
-    </p:spTree>
-    <p:extLst>
-      <p:ext uri="{BB962C8B-B14F-4D97-AF65-F5344CB8AC3E}">
-        <p14:creationId xmlns:p14="http://schemas.microsoft.com/office/powerpoint/2010/main" val="2311220702"/>
-      </p:ext>
-    </p:extLst>
-  </p:cSld>
-  <p:clrMapOvr>
-    <a:masterClrMapping/>
-  </p:clrMapOvr>
-</p:notes>
-</file>
-
 <file path=ppt/slideLayouts/slideLayout1.xml><?xml version="1.0" encoding="utf-8"?>
 <p:sldLayout xmlns:a="http://schemas.openxmlformats.org/drawingml/2006/main" xmlns:r="http://schemas.openxmlformats.org/officeDocument/2006/relationships" xmlns:p="http://schemas.openxmlformats.org/presentationml/2006/main" type="title" preserve="1">
   <p:cSld name="Title Slide">
@@ -2110,7 +2314,7 @@
             <a:fld id="{1D8BD707-D9CF-40AE-B4C6-C98DA3205C09}" type="datetimeFigureOut">
               <a:rPr lang="en-US" smtClean="0"/>
               <a:pPr/>
-              <a:t>7/19/2021</a:t>
+              <a:t>7/24/2021</a:t>
             </a:fld>
             <a:endParaRPr lang="en-US"/>
           </a:p>
@@ -2275,7 +2479,7 @@
             <a:fld id="{1D8BD707-D9CF-40AE-B4C6-C98DA3205C09}" type="datetimeFigureOut">
               <a:rPr lang="en-US" smtClean="0"/>
               <a:pPr/>
-              <a:t>7/19/2021</a:t>
+              <a:t>7/24/2021</a:t>
             </a:fld>
             <a:endParaRPr lang="en-US"/>
           </a:p>
@@ -2450,7 +2654,7 @@
             <a:fld id="{1D8BD707-D9CF-40AE-B4C6-C98DA3205C09}" type="datetimeFigureOut">
               <a:rPr lang="en-US" smtClean="0"/>
               <a:pPr/>
-              <a:t>7/19/2021</a:t>
+              <a:t>7/24/2021</a:t>
             </a:fld>
             <a:endParaRPr lang="en-US"/>
           </a:p>
@@ -2615,7 +2819,7 @@
             <a:fld id="{1D8BD707-D9CF-40AE-B4C6-C98DA3205C09}" type="datetimeFigureOut">
               <a:rPr lang="en-US" smtClean="0"/>
               <a:pPr/>
-              <a:t>7/19/2021</a:t>
+              <a:t>7/24/2021</a:t>
             </a:fld>
             <a:endParaRPr lang="en-US"/>
           </a:p>
@@ -2857,7 +3061,7 @@
             <a:fld id="{1D8BD707-D9CF-40AE-B4C6-C98DA3205C09}" type="datetimeFigureOut">
               <a:rPr lang="en-US" smtClean="0"/>
               <a:pPr/>
-              <a:t>7/19/2021</a:t>
+              <a:t>7/24/2021</a:t>
             </a:fld>
             <a:endParaRPr lang="en-US"/>
           </a:p>
@@ -3139,7 +3343,7 @@
             <a:fld id="{1D8BD707-D9CF-40AE-B4C6-C98DA3205C09}" type="datetimeFigureOut">
               <a:rPr lang="en-US" smtClean="0"/>
               <a:pPr/>
-              <a:t>7/19/2021</a:t>
+              <a:t>7/24/2021</a:t>
             </a:fld>
             <a:endParaRPr lang="en-US"/>
           </a:p>
@@ -3555,7 +3759,7 @@
             <a:fld id="{1D8BD707-D9CF-40AE-B4C6-C98DA3205C09}" type="datetimeFigureOut">
               <a:rPr lang="en-US" smtClean="0"/>
               <a:pPr/>
-              <a:t>7/19/2021</a:t>
+              <a:t>7/24/2021</a:t>
             </a:fld>
             <a:endParaRPr lang="en-US"/>
           </a:p>
@@ -3669,7 +3873,7 @@
             <a:fld id="{1D8BD707-D9CF-40AE-B4C6-C98DA3205C09}" type="datetimeFigureOut">
               <a:rPr lang="en-US" smtClean="0"/>
               <a:pPr/>
-              <a:t>7/19/2021</a:t>
+              <a:t>7/24/2021</a:t>
             </a:fld>
             <a:endParaRPr lang="en-US"/>
           </a:p>
@@ -3761,7 +3965,7 @@
             <a:fld id="{1D8BD707-D9CF-40AE-B4C6-C98DA3205C09}" type="datetimeFigureOut">
               <a:rPr lang="en-US" smtClean="0"/>
               <a:pPr/>
-              <a:t>7/19/2021</a:t>
+              <a:t>7/24/2021</a:t>
             </a:fld>
             <a:endParaRPr lang="en-US"/>
           </a:p>
@@ -4033,7 +4237,7 @@
             <a:fld id="{1D8BD707-D9CF-40AE-B4C6-C98DA3205C09}" type="datetimeFigureOut">
               <a:rPr lang="en-US" smtClean="0"/>
               <a:pPr/>
-              <a:t>7/19/2021</a:t>
+              <a:t>7/24/2021</a:t>
             </a:fld>
             <a:endParaRPr lang="en-US"/>
           </a:p>
@@ -4282,7 +4486,7 @@
             <a:fld id="{1D8BD707-D9CF-40AE-B4C6-C98DA3205C09}" type="datetimeFigureOut">
               <a:rPr lang="en-US" smtClean="0"/>
               <a:pPr/>
-              <a:t>7/19/2021</a:t>
+              <a:t>7/24/2021</a:t>
             </a:fld>
             <a:endParaRPr lang="en-US"/>
           </a:p>
@@ -4490,7 +4694,7 @@
             <a:fld id="{1D8BD707-D9CF-40AE-B4C6-C98DA3205C09}" type="datetimeFigureOut">
               <a:rPr lang="en-US" smtClean="0"/>
               <a:pPr/>
-              <a:t>7/19/2021</a:t>
+              <a:t>7/24/2021</a:t>
             </a:fld>
             <a:endParaRPr lang="en-US"/>
           </a:p>
@@ -5018,7 +5222,7 @@
         <p:spPr>
           <a:xfrm>
             <a:off x="3352800" y="930751"/>
-            <a:ext cx="11811400" cy="538609"/>
+            <a:ext cx="11811400" cy="511935"/>
           </a:xfrm>
           <a:prstGeom prst="rect">
             <a:avLst/>
@@ -5040,30 +5244,10 @@
                 <a:solidFill>
                   <a:schemeClr val="bg1"/>
                 </a:solidFill>
-                <a:latin typeface="Poppins Light" panose="020B0604020202020204" charset="0"/>
-                <a:cs typeface="Poppins Light" panose="020B0604020202020204" charset="0"/>
-              </a:rPr>
-              <a:t>BÁO </a:t>
-            </a:r>
-            <a:r>
-              <a:rPr lang="en-US" sz="3199" b="1">
-                <a:solidFill>
-                  <a:schemeClr val="bg1"/>
-                </a:solidFill>
                 <a:latin typeface="Abadi" panose="020B0604020104020204" pitchFamily="34" charset="0"/>
                 <a:cs typeface="Poppins Light" panose="020B0604020202020204" charset="0"/>
               </a:rPr>
-              <a:t>CÁO</a:t>
-            </a:r>
-            <a:r>
-              <a:rPr lang="en-US" sz="3199" b="1">
-                <a:solidFill>
-                  <a:schemeClr val="bg1"/>
-                </a:solidFill>
-                <a:latin typeface="Poppins Light" panose="020B0604020202020204" charset="0"/>
-                <a:cs typeface="Poppins Light" panose="020B0604020202020204" charset="0"/>
-              </a:rPr>
-              <a:t> TỔNG KẾT</a:t>
+              <a:t>BÁO CÁO TỔNG KẾT</a:t>
             </a:r>
           </a:p>
         </p:txBody>
@@ -5099,7 +5283,7 @@
                 <a:solidFill>
                   <a:schemeClr val="bg1"/>
                 </a:solidFill>
-                <a:latin typeface="Poppins Light" panose="020B0604020202020204" charset="0"/>
+                <a:latin typeface="Abadi" panose="020B0604020104020204" pitchFamily="34" charset="0"/>
                 <a:cs typeface="Poppins Light" panose="020B0604020202020204" charset="0"/>
               </a:rPr>
               <a:t>ĐỀ TÀI NGHIÊN CỨU KHOA HỌC CỦA SINH VIÊN</a:t>
@@ -5116,7 +5300,7 @@
                 <a:solidFill>
                   <a:schemeClr val="bg1"/>
                 </a:solidFill>
-                <a:latin typeface="Poppins Light" panose="020B0604020202020204" charset="0"/>
+                <a:latin typeface="Abadi" panose="020B0604020104020204" pitchFamily="34" charset="0"/>
                 <a:cs typeface="Poppins Light" panose="020B0604020202020204" charset="0"/>
               </a:rPr>
               <a:t>NĂM</a:t>
@@ -5126,7 +5310,7 @@
                 <a:solidFill>
                   <a:srgbClr val="D0C3F1"/>
                 </a:solidFill>
-                <a:latin typeface="Poppins Light" panose="020B0604020202020204" charset="0"/>
+                <a:latin typeface="Abadi" panose="020B0604020104020204" pitchFamily="34" charset="0"/>
                 <a:cs typeface="Poppins Light" panose="020B0604020202020204" charset="0"/>
               </a:rPr>
               <a:t> </a:t>
@@ -5136,7 +5320,7 @@
                 <a:solidFill>
                   <a:schemeClr val="bg1"/>
                 </a:solidFill>
-                <a:latin typeface="Poppins Light" panose="020B0604020202020204" charset="0"/>
+                <a:latin typeface="Abadi" panose="020B0604020104020204" pitchFamily="34" charset="0"/>
                 <a:cs typeface="Poppins Light" panose="020B0604020202020204" charset="0"/>
               </a:rPr>
               <a:t>2021</a:t>
@@ -5146,7 +5330,7 @@
                 <a:solidFill>
                   <a:srgbClr val="D0C3F1"/>
                 </a:solidFill>
-                <a:latin typeface="Poppins Light" panose="020B0604020202020204" charset="0"/>
+                <a:latin typeface="Abadi" panose="020B0604020104020204" pitchFamily="34" charset="0"/>
                 <a:cs typeface="Poppins Light" panose="020B0604020202020204" charset="0"/>
               </a:rPr>
               <a:t> </a:t>
@@ -5183,7 +5367,6 @@
                     <a:lumMod val="95000"/>
                   </a:schemeClr>
                 </a:solidFill>
-                <a:latin typeface="Poppins Medium Bold Italics"/>
                 <a:cs typeface="Poppins Light" panose="020B0604020202020204" charset="0"/>
               </a:rPr>
               <a:t>NGHIÊN CỨU RASA FRAMEWORK ỨNG DỤNG CHATBOT TƯ VẤN SẢN PHẨM DINH DƯỠNG</a:t>
@@ -5194,7 +5377,7 @@
                   <a:lumMod val="95000"/>
                 </a:schemeClr>
               </a:solidFill>
-              <a:latin typeface="Poppins Light" panose="020B0604020202020204" charset="0"/>
+              <a:latin typeface="Abadi" panose="020B0604020104020204" pitchFamily="34" charset="0"/>
               <a:cs typeface="Poppins Light" panose="020B0604020202020204" charset="0"/>
             </a:endParaRPr>
           </a:p>
@@ -5374,6 +5557,9 @@
   <p:clrMapOvr>
     <a:masterClrMapping/>
   </p:clrMapOvr>
+  <p:transition spd="slow">
+    <p:push/>
+  </p:transition>
 </p:sld>
 </file>
 
@@ -5404,7 +5590,7 @@
       </p:grpSpPr>
       <p:pic>
         <p:nvPicPr>
-          <p:cNvPr id="2" name="Picture 2" hidden="1"/>
+          <p:cNvPr id="2" name="Picture 2"/>
           <p:cNvPicPr>
             <a:picLocks noChangeAspect="1"/>
           </p:cNvPicPr>
@@ -5439,7 +5625,7 @@
       </p:pic>
       <p:pic>
         <p:nvPicPr>
-          <p:cNvPr id="3" name="Picture 3" hidden="1"/>
+          <p:cNvPr id="3" name="Picture 3"/>
           <p:cNvPicPr>
             <a:picLocks noChangeAspect="1"/>
           </p:cNvPicPr>
@@ -5474,7 +5660,7 @@
       </p:pic>
       <p:pic>
         <p:nvPicPr>
-          <p:cNvPr id="4" name="Picture 4" hidden="1"/>
+          <p:cNvPr id="4" name="Picture 4"/>
           <p:cNvPicPr>
             <a:picLocks noChangeAspect="1"/>
           </p:cNvPicPr>
@@ -5509,7 +5695,7 @@
       </p:pic>
       <p:pic>
         <p:nvPicPr>
-          <p:cNvPr id="11" name="Picture 11" hidden="1"/>
+          <p:cNvPr id="11" name="Picture 11"/>
           <p:cNvPicPr>
             <a:picLocks noChangeAspect="1"/>
           </p:cNvPicPr>
@@ -5540,66 +5726,6 @@
           <a:prstGeom prst="rect">
             <a:avLst/>
           </a:prstGeom>
-        </p:spPr>
-      </p:pic>
-      <p:pic>
-        <p:nvPicPr>
-          <p:cNvPr id="1026" name="Hình ảnh 1">
-            <a:extLst>
-              <a:ext uri="{FF2B5EF4-FFF2-40B4-BE49-F238E27FC236}">
-                <a16:creationId xmlns:a16="http://schemas.microsoft.com/office/drawing/2014/main" id="{AB76F9A6-5470-4ED7-A0FD-B9B95327667F}"/>
-              </a:ext>
-            </a:extLst>
-          </p:cNvPr>
-          <p:cNvPicPr>
-            <a:picLocks noChangeAspect="1" noChangeArrowheads="1"/>
-          </p:cNvPicPr>
-          <p:nvPr/>
-        </p:nvPicPr>
-        <p:blipFill>
-          <a:blip r:embed="rId6">
-            <a:extLst>
-              <a:ext uri="{28A0092B-C50C-407E-A947-70E740481C1C}">
-                <a14:useLocalDpi xmlns:a14="http://schemas.microsoft.com/office/drawing/2010/main" val="0"/>
-              </a:ext>
-            </a:extLst>
-          </a:blip>
-          <a:srcRect/>
-          <a:stretch>
-            <a:fillRect/>
-          </a:stretch>
-        </p:blipFill>
-        <p:spPr bwMode="auto">
-          <a:xfrm>
-            <a:off x="1752600" y="1562100"/>
-            <a:ext cx="6369050" cy="6845893"/>
-          </a:xfrm>
-          <a:prstGeom prst="rect">
-            <a:avLst/>
-          </a:prstGeom>
-          <a:noFill/>
-          <a:ln>
-            <a:noFill/>
-          </a:ln>
-          <a:extLst>
-            <a:ext uri="{909E8E84-426E-40DD-AFC4-6F175D3DCCD1}">
-              <a14:hiddenFill xmlns:a14="http://schemas.microsoft.com/office/drawing/2010/main">
-                <a:solidFill>
-                  <a:srgbClr val="FFFFFF"/>
-                </a:solidFill>
-              </a14:hiddenFill>
-            </a:ext>
-            <a:ext uri="{91240B29-F687-4F45-9708-019B960494DF}">
-              <a14:hiddenLine xmlns:a14="http://schemas.microsoft.com/office/drawing/2010/main" w="9525">
-                <a:solidFill>
-                  <a:srgbClr val="000000"/>
-                </a:solidFill>
-                <a:miter lim="800000"/>
-                <a:headEnd/>
-                <a:tailEnd/>
-              </a14:hiddenLine>
-            </a:ext>
-          </a:extLst>
         </p:spPr>
       </p:pic>
       <p:sp>
@@ -5814,11 +5940,379 @@
           </a:p>
         </p:txBody>
       </p:sp>
+      <p:pic>
+        <p:nvPicPr>
+          <p:cNvPr id="2050" name="Picture 2">
+            <a:extLst>
+              <a:ext uri="{FF2B5EF4-FFF2-40B4-BE49-F238E27FC236}">
+                <a16:creationId xmlns:a16="http://schemas.microsoft.com/office/drawing/2014/main" id="{64054363-EC25-4497-B6B1-E8EAC346E8F7}"/>
+              </a:ext>
+            </a:extLst>
+          </p:cNvPr>
+          <p:cNvPicPr>
+            <a:picLocks noChangeAspect="1" noChangeArrowheads="1"/>
+          </p:cNvPicPr>
+          <p:nvPr/>
+        </p:nvPicPr>
+        <p:blipFill rotWithShape="1">
+          <a:blip r:embed="rId6">
+            <a:extLst>
+              <a:ext uri="{28A0092B-C50C-407E-A947-70E740481C1C}">
+                <a14:useLocalDpi xmlns:a14="http://schemas.microsoft.com/office/drawing/2010/main" val="0"/>
+              </a:ext>
+            </a:extLst>
+          </a:blip>
+          <a:srcRect r="54080"/>
+          <a:stretch/>
+        </p:blipFill>
+        <p:spPr bwMode="auto">
+          <a:xfrm>
+            <a:off x="1149853" y="429459"/>
+            <a:ext cx="6255362" cy="9428081"/>
+          </a:xfrm>
+          <a:prstGeom prst="rect">
+            <a:avLst/>
+          </a:prstGeom>
+          <a:noFill/>
+          <a:ln>
+            <a:noFill/>
+          </a:ln>
+          <a:extLst>
+            <a:ext uri="{909E8E84-426E-40DD-AFC4-6F175D3DCCD1}">
+              <a14:hiddenFill xmlns:a14="http://schemas.microsoft.com/office/drawing/2010/main">
+                <a:solidFill>
+                  <a:srgbClr val="FFFFFF"/>
+                </a:solidFill>
+              </a14:hiddenFill>
+            </a:ext>
+            <a:ext uri="{91240B29-F687-4F45-9708-019B960494DF}">
+              <a14:hiddenLine xmlns:a14="http://schemas.microsoft.com/office/drawing/2010/main" w="9525">
+                <a:solidFill>
+                  <a:srgbClr val="000000"/>
+                </a:solidFill>
+                <a:miter lim="800000"/>
+                <a:headEnd/>
+                <a:tailEnd/>
+              </a14:hiddenLine>
+            </a:ext>
+          </a:extLst>
+        </p:spPr>
+      </p:pic>
     </p:spTree>
   </p:cSld>
   <p:clrMapOvr>
     <a:masterClrMapping/>
   </p:clrMapOvr>
+  <p:transition spd="slow">
+    <p:push/>
+  </p:transition>
+  <p:timing>
+    <p:tnLst>
+      <p:par>
+        <p:cTn id="1" dur="indefinite" restart="never" nodeType="tmRoot">
+          <p:childTnLst>
+            <p:seq concurrent="1" nextAc="seek">
+              <p:cTn id="2" dur="indefinite" nodeType="mainSeq">
+                <p:childTnLst>
+                  <p:par>
+                    <p:cTn id="3" fill="hold">
+                      <p:stCondLst>
+                        <p:cond delay="indefinite"/>
+                      </p:stCondLst>
+                      <p:childTnLst>
+                        <p:par>
+                          <p:cTn id="4" fill="hold">
+                            <p:stCondLst>
+                              <p:cond delay="0"/>
+                            </p:stCondLst>
+                            <p:childTnLst>
+                              <p:par>
+                                <p:cTn id="5" presetID="2" presetClass="entr" presetSubtype="8" fill="hold" nodeType="clickEffect">
+                                  <p:stCondLst>
+                                    <p:cond delay="0"/>
+                                  </p:stCondLst>
+                                  <p:childTnLst>
+                                    <p:set>
+                                      <p:cBhvr>
+                                        <p:cTn id="6" dur="1" fill="hold">
+                                          <p:stCondLst>
+                                            <p:cond delay="0"/>
+                                          </p:stCondLst>
+                                        </p:cTn>
+                                        <p:tgtEl>
+                                          <p:spTgt spid="2050"/>
+                                        </p:tgtEl>
+                                        <p:attrNameLst>
+                                          <p:attrName>style.visibility</p:attrName>
+                                        </p:attrNameLst>
+                                      </p:cBhvr>
+                                      <p:to>
+                                        <p:strVal val="visible"/>
+                                      </p:to>
+                                    </p:set>
+                                    <p:anim calcmode="lin" valueType="num">
+                                      <p:cBhvr additive="base">
+                                        <p:cTn id="7" dur="1000" fill="hold"/>
+                                        <p:tgtEl>
+                                          <p:spTgt spid="2050"/>
+                                        </p:tgtEl>
+                                        <p:attrNameLst>
+                                          <p:attrName>ppt_x</p:attrName>
+                                        </p:attrNameLst>
+                                      </p:cBhvr>
+                                      <p:tavLst>
+                                        <p:tav tm="0">
+                                          <p:val>
+                                            <p:strVal val="0-#ppt_w/2"/>
+                                          </p:val>
+                                        </p:tav>
+                                        <p:tav tm="100000">
+                                          <p:val>
+                                            <p:strVal val="#ppt_x"/>
+                                          </p:val>
+                                        </p:tav>
+                                      </p:tavLst>
+                                    </p:anim>
+                                    <p:anim calcmode="lin" valueType="num">
+                                      <p:cBhvr additive="base">
+                                        <p:cTn id="8" dur="1000" fill="hold"/>
+                                        <p:tgtEl>
+                                          <p:spTgt spid="2050"/>
+                                        </p:tgtEl>
+                                        <p:attrNameLst>
+                                          <p:attrName>ppt_y</p:attrName>
+                                        </p:attrNameLst>
+                                      </p:cBhvr>
+                                      <p:tavLst>
+                                        <p:tav tm="0">
+                                          <p:val>
+                                            <p:strVal val="#ppt_y"/>
+                                          </p:val>
+                                        </p:tav>
+                                        <p:tav tm="100000">
+                                          <p:val>
+                                            <p:strVal val="#ppt_y"/>
+                                          </p:val>
+                                        </p:tav>
+                                      </p:tavLst>
+                                    </p:anim>
+                                  </p:childTnLst>
+                                </p:cTn>
+                              </p:par>
+                            </p:childTnLst>
+                          </p:cTn>
+                        </p:par>
+                      </p:childTnLst>
+                    </p:cTn>
+                  </p:par>
+                  <p:par>
+                    <p:cTn id="9" fill="hold">
+                      <p:stCondLst>
+                        <p:cond delay="indefinite"/>
+                      </p:stCondLst>
+                      <p:childTnLst>
+                        <p:par>
+                          <p:cTn id="10" fill="hold">
+                            <p:stCondLst>
+                              <p:cond delay="0"/>
+                            </p:stCondLst>
+                            <p:childTnLst>
+                              <p:par>
+                                <p:cTn id="11" presetID="2" presetClass="entr" presetSubtype="2" fill="hold" grpId="0" nodeType="clickEffect">
+                                  <p:stCondLst>
+                                    <p:cond delay="0"/>
+                                  </p:stCondLst>
+                                  <p:childTnLst>
+                                    <p:set>
+                                      <p:cBhvr>
+                                        <p:cTn id="12" dur="1" fill="hold">
+                                          <p:stCondLst>
+                                            <p:cond delay="0"/>
+                                          </p:stCondLst>
+                                        </p:cTn>
+                                        <p:tgtEl>
+                                          <p:spTgt spid="16"/>
+                                        </p:tgtEl>
+                                        <p:attrNameLst>
+                                          <p:attrName>style.visibility</p:attrName>
+                                        </p:attrNameLst>
+                                      </p:cBhvr>
+                                      <p:to>
+                                        <p:strVal val="visible"/>
+                                      </p:to>
+                                    </p:set>
+                                    <p:anim calcmode="lin" valueType="num">
+                                      <p:cBhvr additive="base">
+                                        <p:cTn id="13" dur="500" fill="hold"/>
+                                        <p:tgtEl>
+                                          <p:spTgt spid="16"/>
+                                        </p:tgtEl>
+                                        <p:attrNameLst>
+                                          <p:attrName>ppt_x</p:attrName>
+                                        </p:attrNameLst>
+                                      </p:cBhvr>
+                                      <p:tavLst>
+                                        <p:tav tm="0">
+                                          <p:val>
+                                            <p:strVal val="1+#ppt_w/2"/>
+                                          </p:val>
+                                        </p:tav>
+                                        <p:tav tm="100000">
+                                          <p:val>
+                                            <p:strVal val="#ppt_x"/>
+                                          </p:val>
+                                        </p:tav>
+                                      </p:tavLst>
+                                    </p:anim>
+                                    <p:anim calcmode="lin" valueType="num">
+                                      <p:cBhvr additive="base">
+                                        <p:cTn id="14" dur="500" fill="hold"/>
+                                        <p:tgtEl>
+                                          <p:spTgt spid="16"/>
+                                        </p:tgtEl>
+                                        <p:attrNameLst>
+                                          <p:attrName>ppt_y</p:attrName>
+                                        </p:attrNameLst>
+                                      </p:cBhvr>
+                                      <p:tavLst>
+                                        <p:tav tm="0">
+                                          <p:val>
+                                            <p:strVal val="#ppt_y"/>
+                                          </p:val>
+                                        </p:tav>
+                                        <p:tav tm="100000">
+                                          <p:val>
+                                            <p:strVal val="#ppt_y"/>
+                                          </p:val>
+                                        </p:tav>
+                                      </p:tavLst>
+                                    </p:anim>
+                                  </p:childTnLst>
+                                </p:cTn>
+                              </p:par>
+                            </p:childTnLst>
+                          </p:cTn>
+                        </p:par>
+                      </p:childTnLst>
+                    </p:cTn>
+                  </p:par>
+                  <p:par>
+                    <p:cTn id="15" fill="hold">
+                      <p:stCondLst>
+                        <p:cond delay="indefinite"/>
+                      </p:stCondLst>
+                      <p:childTnLst>
+                        <p:par>
+                          <p:cTn id="16" fill="hold">
+                            <p:stCondLst>
+                              <p:cond delay="0"/>
+                            </p:stCondLst>
+                            <p:childTnLst>
+                              <p:par>
+                                <p:cTn id="17" presetID="2" presetClass="entr" presetSubtype="4" fill="hold" grpId="0" nodeType="clickEffect">
+                                  <p:stCondLst>
+                                    <p:cond delay="0"/>
+                                  </p:stCondLst>
+                                  <p:childTnLst>
+                                    <p:set>
+                                      <p:cBhvr>
+                                        <p:cTn id="18" dur="1" fill="hold">
+                                          <p:stCondLst>
+                                            <p:cond delay="0"/>
+                                          </p:stCondLst>
+                                        </p:cTn>
+                                        <p:tgtEl>
+                                          <p:spTgt spid="24"/>
+                                        </p:tgtEl>
+                                        <p:attrNameLst>
+                                          <p:attrName>style.visibility</p:attrName>
+                                        </p:attrNameLst>
+                                      </p:cBhvr>
+                                      <p:to>
+                                        <p:strVal val="visible"/>
+                                      </p:to>
+                                    </p:set>
+                                    <p:anim calcmode="lin" valueType="num">
+                                      <p:cBhvr additive="base">
+                                        <p:cTn id="19" dur="500" fill="hold"/>
+                                        <p:tgtEl>
+                                          <p:spTgt spid="24"/>
+                                        </p:tgtEl>
+                                        <p:attrNameLst>
+                                          <p:attrName>ppt_x</p:attrName>
+                                        </p:attrNameLst>
+                                      </p:cBhvr>
+                                      <p:tavLst>
+                                        <p:tav tm="0">
+                                          <p:val>
+                                            <p:strVal val="#ppt_x"/>
+                                          </p:val>
+                                        </p:tav>
+                                        <p:tav tm="100000">
+                                          <p:val>
+                                            <p:strVal val="#ppt_x"/>
+                                          </p:val>
+                                        </p:tav>
+                                      </p:tavLst>
+                                    </p:anim>
+                                    <p:anim calcmode="lin" valueType="num">
+                                      <p:cBhvr additive="base">
+                                        <p:cTn id="20" dur="500" fill="hold"/>
+                                        <p:tgtEl>
+                                          <p:spTgt spid="24"/>
+                                        </p:tgtEl>
+                                        <p:attrNameLst>
+                                          <p:attrName>ppt_y</p:attrName>
+                                        </p:attrNameLst>
+                                      </p:cBhvr>
+                                      <p:tavLst>
+                                        <p:tav tm="0">
+                                          <p:val>
+                                            <p:strVal val="1+#ppt_h/2"/>
+                                          </p:val>
+                                        </p:tav>
+                                        <p:tav tm="100000">
+                                          <p:val>
+                                            <p:strVal val="#ppt_y"/>
+                                          </p:val>
+                                        </p:tav>
+                                      </p:tavLst>
+                                    </p:anim>
+                                  </p:childTnLst>
+                                </p:cTn>
+                              </p:par>
+                            </p:childTnLst>
+                          </p:cTn>
+                        </p:par>
+                      </p:childTnLst>
+                    </p:cTn>
+                  </p:par>
+                </p:childTnLst>
+              </p:cTn>
+              <p:prevCondLst>
+                <p:cond evt="onPrev" delay="0">
+                  <p:tgtEl>
+                    <p:sldTgt/>
+                  </p:tgtEl>
+                </p:cond>
+              </p:prevCondLst>
+              <p:nextCondLst>
+                <p:cond evt="onNext" delay="0">
+                  <p:tgtEl>
+                    <p:sldTgt/>
+                  </p:tgtEl>
+                </p:cond>
+              </p:nextCondLst>
+            </p:seq>
+          </p:childTnLst>
+        </p:cTn>
+      </p:par>
+    </p:tnLst>
+    <p:bldLst>
+      <p:bldP spid="16" grpId="0"/>
+      <p:bldP spid="24" grpId="0"/>
+    </p:bldLst>
+  </p:timing>
 </p:sld>
 </file>
 
@@ -5849,7 +6343,7 @@
       </p:grpSpPr>
       <p:pic>
         <p:nvPicPr>
-          <p:cNvPr id="2" name="Picture 2"/>
+          <p:cNvPr id="2" name="Picture 2" hidden="1"/>
           <p:cNvPicPr>
             <a:picLocks noChangeAspect="1"/>
           </p:cNvPicPr>
@@ -5884,7 +6378,7 @@
       </p:pic>
       <p:pic>
         <p:nvPicPr>
-          <p:cNvPr id="3" name="Picture 3"/>
+          <p:cNvPr id="3" name="Picture 3" hidden="1"/>
           <p:cNvPicPr>
             <a:picLocks noChangeAspect="1"/>
           </p:cNvPicPr>
@@ -6376,7 +6870,7 @@
         </p:nvGrpSpPr>
         <p:grpSpPr>
           <a:xfrm>
-            <a:off x="9528163" y="6567443"/>
+            <a:off x="10482558" y="6673609"/>
             <a:ext cx="8865315" cy="1951648"/>
             <a:chOff x="0" y="-38100"/>
             <a:chExt cx="7006549" cy="1997440"/>
@@ -6479,10 +6973,10 @@
       </p:grpSp>
       <p:pic>
         <p:nvPicPr>
-          <p:cNvPr id="5122" name="Hình ảnh 1">
+          <p:cNvPr id="25" name="Picture 2">
             <a:extLst>
               <a:ext uri="{FF2B5EF4-FFF2-40B4-BE49-F238E27FC236}">
-                <a16:creationId xmlns:a16="http://schemas.microsoft.com/office/drawing/2014/main" id="{5E24FE3D-2255-430A-BDC0-945B1C4CEA47}"/>
+                <a16:creationId xmlns:a16="http://schemas.microsoft.com/office/drawing/2014/main" id="{63ED5127-B01C-44A6-9B79-464CFA3D8E39}"/>
               </a:ext>
             </a:extLst>
           </p:cNvPr>
@@ -6491,124 +6985,28 @@
           </p:cNvPicPr>
           <p:nvPr/>
         </p:nvPicPr>
-        <p:blipFill rotWithShape="1">
+        <p:blipFill>
           <a:blip r:embed="rId7">
             <a:extLst>
-              <a:ext uri="{BEBA8EAE-BF5A-486C-A8C5-ECC9F3942E4B}">
-                <a14:imgProps xmlns:a14="http://schemas.microsoft.com/office/drawing/2010/main">
-                  <a14:imgLayer r:embed="rId8">
-                    <a14:imgEffect>
-                      <a14:backgroundRemoval t="8811" b="85756" l="6930" r="94989">
-                        <a14:foregroundMark x1="6930" y1="41703" x2="24200" y2="44493"/>
-                        <a14:foregroundMark x1="24200" y1="44493" x2="30597" y2="43906"/>
-                        <a14:foregroundMark x1="40085" y1="10132" x2="50320" y2="16593"/>
-                        <a14:foregroundMark x1="39232" y1="8957" x2="49787" y2="11307"/>
-                        <a14:foregroundMark x1="49680" y1="11013" x2="59915" y2="11894"/>
-                        <a14:foregroundMark x1="47015" y1="9545" x2="63753" y2="11307"/>
-                        <a14:foregroundMark x1="87740" y1="48899" x2="89979" y2="54772"/>
-                        <a14:foregroundMark x1="87953" y1="46256" x2="87846" y2="55507"/>
-                        <a14:foregroundMark x1="48721" y1="71659" x2="54797" y2="71072"/>
-                        <a14:foregroundMark x1="54797" y1="71072" x2="57996" y2="77239"/>
-                        <a14:foregroundMark x1="57996" y1="77239" x2="51919" y2="73862"/>
-                        <a14:foregroundMark x1="51919" y1="73862" x2="51706" y2="73128"/>
-                        <a14:foregroundMark x1="18763" y1="69310" x2="18124" y2="75184"/>
-                        <a14:foregroundMark x1="19616" y1="70191" x2="24094" y2="74302"/>
-                        <a14:foregroundMark x1="24094" y1="74302" x2="18870" y2="76652"/>
-                        <a14:foregroundMark x1="23667" y1="68869" x2="16844" y2="67107"/>
-                        <a14:foregroundMark x1="16844" y1="67107" x2="10661" y2="72540"/>
-                        <a14:foregroundMark x1="10661" y1="72540" x2="19936" y2="78267"/>
-                        <a14:foregroundMark x1="27612" y1="69897" x2="21748" y2="78855"/>
-                        <a14:foregroundMark x1="21748" y1="78855" x2="15991" y2="76799"/>
-                        <a14:foregroundMark x1="15991" y1="76799" x2="15672" y2="75624"/>
-                        <a14:foregroundMark x1="32836" y1="74449" x2="39232" y2="76799"/>
-                        <a14:foregroundMark x1="52985" y1="59178" x2="52132" y2="70631"/>
-                        <a14:foregroundMark x1="50426" y1="85903" x2="47974" y2="76652"/>
-                        <a14:foregroundMark x1="88166" y1="45374" x2="88486" y2="56975"/>
-                        <a14:foregroundMark x1="49041" y1="44640" x2="63113" y2="49633"/>
-                        <a14:foregroundMark x1="35501" y1="48164" x2="46482" y2="49780"/>
-                        <a14:foregroundMark x1="68550" y1="41557" x2="78252" y2="44347"/>
-                        <a14:foregroundMark x1="71322" y1="50954" x2="78998" y2="49339"/>
-                        <a14:foregroundMark x1="11301" y1="66520" x2="25053" y2="67695"/>
-                        <a14:foregroundMark x1="25053" y1="67695" x2="28571" y2="75477"/>
-                        <a14:foregroundMark x1="28571" y1="75477" x2="23348" y2="79148"/>
-                        <a14:foregroundMark x1="23348" y1="79148" x2="12367" y2="77680"/>
-                        <a14:foregroundMark x1="12367" y1="77680" x2="12047" y2="67254"/>
-                        <a14:foregroundMark x1="42111" y1="68576" x2="64179" y2="72247"/>
-                        <a14:foregroundMark x1="33369" y1="48311" x2="40085" y2="48899"/>
-                        <a14:foregroundMark x1="39019" y1="51248" x2="39339" y2="47137"/>
-                        <a14:foregroundMark x1="67591" y1="52129" x2="77932" y2="52570"/>
-                        <a14:foregroundMark x1="67271" y1="46696" x2="78998" y2="48164"/>
-                        <a14:foregroundMark x1="78998" y1="48164" x2="80277" y2="48899"/>
-                        <a14:foregroundMark x1="80810" y1="40529" x2="89339" y2="41116"/>
-                        <a14:foregroundMark x1="89339" y1="41116" x2="94456" y2="48164"/>
-                        <a14:foregroundMark x1="94456" y1="48164" x2="94989" y2="55947"/>
-                        <a14:foregroundMark x1="94989" y1="55947" x2="89552" y2="59325"/>
-                        <a14:foregroundMark x1="89552" y1="59325" x2="84648" y2="57562"/>
-                        <a14:foregroundMark x1="84648" y1="57562" x2="79744" y2="41850"/>
-                        <a14:foregroundMark x1="79957" y1="51689" x2="81343" y2="57269"/>
-                        <a14:foregroundMark x1="80597" y1="58443" x2="87953" y2="58590"/>
-                        <a14:foregroundMark x1="40618" y1="10132" x2="61194" y2="9398"/>
-                        <a14:foregroundMark x1="61194" y1="9398" x2="66844" y2="12482"/>
-                        <a14:foregroundMark x1="66844" y1="12482" x2="66844" y2="12482"/>
-                        <a14:foregroundMark x1="55650" y1="68576" x2="64712" y2="69457"/>
-                        <a14:foregroundMark x1="64712" y1="69457" x2="65245" y2="69750"/>
-                        <a14:foregroundMark x1="41684" y1="69016" x2="41365" y2="72247"/>
-                        <a14:foregroundMark x1="19510" y1="66520" x2="29638" y2="67841"/>
-                        <a14:foregroundMark x1="29638" y1="67841" x2="29638" y2="77974"/>
-                        <a14:foregroundMark x1="29638" y1="77974" x2="12154" y2="79001"/>
-                        <a14:foregroundMark x1="12154" y1="79001" x2="11514" y2="66667"/>
-                        <a14:foregroundMark x1="50107" y1="31718" x2="55757" y2="36858"/>
-                        <a14:foregroundMark x1="55757" y1="36858" x2="48827" y2="36123"/>
-                        <a14:foregroundMark x1="48827" y1="36123" x2="49467" y2="32159"/>
-                        <a14:foregroundMark x1="50533" y1="56681" x2="56077" y2="59325"/>
-                        <a14:foregroundMark x1="56077" y1="59325" x2="54904" y2="67401"/>
-                        <a14:foregroundMark x1="54904" y1="67401" x2="49893" y2="62555"/>
-                        <a14:foregroundMark x1="49893" y1="62555" x2="51386" y2="54772"/>
-                        <a14:foregroundMark x1="32836" y1="44347" x2="38060" y2="44934"/>
-                        <a14:foregroundMark x1="38060" y1="44934" x2="39659" y2="52423"/>
-                        <a14:foregroundMark x1="39659" y1="52423" x2="33049" y2="50367"/>
-                        <a14:foregroundMark x1="33049" y1="50367" x2="31557" y2="45228"/>
-                        <a14:foregroundMark x1="36674" y1="44347" x2="42964" y2="45962"/>
-                        <a14:foregroundMark x1="56930" y1="30837" x2="56503" y2="39648"/>
-                        <a14:foregroundMark x1="56503" y1="39648" x2="56290" y2="40382"/>
-                        <a14:foregroundMark x1="29957" y1="72100" x2="41578" y2="72540"/>
-                        <a14:foregroundMark x1="29638" y1="76652" x2="41684" y2="77386"/>
-                        <a14:foregroundMark x1="41684" y1="77386" x2="43177" y2="77239"/>
-                        <a14:foregroundMark x1="63859" y1="41263" x2="74947" y2="41116"/>
-                        <a14:foregroundMark x1="74947" y1="41116" x2="81770" y2="41850"/>
-                        <a14:foregroundMark x1="81770" y1="41850" x2="82196" y2="41703"/>
-                        <a14:foregroundMark x1="64392" y1="53744" x2="80597" y2="54185"/>
-                        <a14:backgroundMark x1="21215" y1="34214" x2="28891" y2="36417"/>
-                        <a14:backgroundMark x1="9915" y1="27019" x2="18230" y2="26579"/>
-                        <a14:backgroundMark x1="18230" y1="26579" x2="31023" y2="30103"/>
-                      </a14:backgroundRemoval>
-                    </a14:imgEffect>
-                  </a14:imgLayer>
-                </a14:imgProps>
-              </a:ext>
               <a:ext uri="{28A0092B-C50C-407E-A947-70E740481C1C}">
                 <a14:useLocalDpi xmlns:a14="http://schemas.microsoft.com/office/drawing/2010/main" val="0"/>
               </a:ext>
             </a:extLst>
           </a:blip>
-          <a:srcRect l="5636" t="7796" r="4183" b="8675"/>
-          <a:stretch/>
+          <a:srcRect/>
+          <a:stretch>
+            <a:fillRect/>
+          </a:stretch>
         </p:blipFill>
         <p:spPr bwMode="auto">
           <a:xfrm>
-            <a:off x="595231" y="409250"/>
-            <a:ext cx="13189777" cy="8903750"/>
+            <a:off x="-289242" y="99914"/>
+            <a:ext cx="14799077" cy="10606186"/>
           </a:xfrm>
           <a:prstGeom prst="rect">
             <a:avLst/>
           </a:prstGeom>
           <a:noFill/>
-          <a:ln>
-            <a:noFill/>
-          </a:ln>
-          <a:effectLst>
-            <a:softEdge rad="0"/>
-          </a:effectLst>
           <a:extLst>
             <a:ext uri="{909E8E84-426E-40DD-AFC4-6F175D3DCCD1}">
               <a14:hiddenFill xmlns:a14="http://schemas.microsoft.com/office/drawing/2010/main">
@@ -6617,19 +7015,63 @@
                 </a:solidFill>
               </a14:hiddenFill>
             </a:ext>
-            <a:ext uri="{91240B29-F687-4F45-9708-019B960494DF}">
-              <a14:hiddenLine xmlns:a14="http://schemas.microsoft.com/office/drawing/2010/main" w="9525">
-                <a:solidFill>
-                  <a:srgbClr val="000000"/>
-                </a:solidFill>
-                <a:miter lim="800000"/>
-                <a:headEnd/>
-                <a:tailEnd/>
-              </a14:hiddenLine>
-            </a:ext>
           </a:extLst>
         </p:spPr>
       </p:pic>
+      <p:sp>
+        <p:nvSpPr>
+          <p:cNvPr id="24" name="Hình chữ nhật: Góc Tròn 23">
+            <a:extLst>
+              <a:ext uri="{FF2B5EF4-FFF2-40B4-BE49-F238E27FC236}">
+                <a16:creationId xmlns:a16="http://schemas.microsoft.com/office/drawing/2014/main" id="{9F597026-B843-4B31-815A-240A9A7C1307}"/>
+              </a:ext>
+            </a:extLst>
+          </p:cNvPr>
+          <p:cNvSpPr/>
+          <p:nvPr/>
+        </p:nvSpPr>
+        <p:spPr>
+          <a:xfrm>
+            <a:off x="5491419" y="6901262"/>
+            <a:ext cx="4529487" cy="2667000"/>
+          </a:xfrm>
+          <a:prstGeom prst="roundRect">
+            <a:avLst/>
+          </a:prstGeom>
+          <a:noFill/>
+          <a:ln w="76200" cap="flat" cmpd="sng" algn="ctr">
+            <a:solidFill>
+              <a:schemeClr val="accent6"/>
+            </a:solidFill>
+            <a:prstDash val="solid"/>
+            <a:round/>
+            <a:headEnd type="none" w="med" len="med"/>
+            <a:tailEnd type="none" w="med" len="med"/>
+          </a:ln>
+        </p:spPr>
+        <p:style>
+          <a:lnRef idx="0">
+            <a:scrgbClr r="0" g="0" b="0"/>
+          </a:lnRef>
+          <a:fillRef idx="0">
+            <a:scrgbClr r="0" g="0" b="0"/>
+          </a:fillRef>
+          <a:effectRef idx="0">
+            <a:scrgbClr r="0" g="0" b="0"/>
+          </a:effectRef>
+          <a:fontRef idx="minor">
+            <a:schemeClr val="accent6"/>
+          </a:fontRef>
+        </p:style>
+        <p:txBody>
+          <a:bodyPr rtlCol="0" anchor="ctr"/>
+          <a:lstStyle/>
+          <a:p>
+            <a:pPr algn="ctr"/>
+            <a:endParaRPr lang="en-US"/>
+          </a:p>
+        </p:txBody>
+      </p:sp>
     </p:spTree>
     <p:extLst>
       <p:ext uri="{BB962C8B-B14F-4D97-AF65-F5344CB8AC3E}">
@@ -6640,6 +7082,315 @@
   <p:clrMapOvr>
     <a:masterClrMapping/>
   </p:clrMapOvr>
+  <p:transition spd="slow">
+    <p:push/>
+  </p:transition>
+  <p:timing>
+    <p:tnLst>
+      <p:par>
+        <p:cTn id="1" dur="indefinite" restart="never" nodeType="tmRoot">
+          <p:childTnLst>
+            <p:seq concurrent="1" nextAc="seek">
+              <p:cTn id="2" dur="indefinite" nodeType="mainSeq">
+                <p:childTnLst>
+                  <p:par>
+                    <p:cTn id="3" fill="hold">
+                      <p:stCondLst>
+                        <p:cond delay="indefinite"/>
+                      </p:stCondLst>
+                      <p:childTnLst>
+                        <p:par>
+                          <p:cTn id="4" fill="hold">
+                            <p:stCondLst>
+                              <p:cond delay="0"/>
+                            </p:stCondLst>
+                            <p:childTnLst>
+                              <p:par>
+                                <p:cTn id="5" presetID="2" presetClass="entr" presetSubtype="8" fill="hold" nodeType="clickEffect">
+                                  <p:stCondLst>
+                                    <p:cond delay="0"/>
+                                  </p:stCondLst>
+                                  <p:childTnLst>
+                                    <p:set>
+                                      <p:cBhvr>
+                                        <p:cTn id="6" dur="1" fill="hold">
+                                          <p:stCondLst>
+                                            <p:cond delay="0"/>
+                                          </p:stCondLst>
+                                        </p:cTn>
+                                        <p:tgtEl>
+                                          <p:spTgt spid="25"/>
+                                        </p:tgtEl>
+                                        <p:attrNameLst>
+                                          <p:attrName>style.visibility</p:attrName>
+                                        </p:attrNameLst>
+                                      </p:cBhvr>
+                                      <p:to>
+                                        <p:strVal val="visible"/>
+                                      </p:to>
+                                    </p:set>
+                                    <p:anim calcmode="lin" valueType="num">
+                                      <p:cBhvr additive="base">
+                                        <p:cTn id="7" dur="500" fill="hold"/>
+                                        <p:tgtEl>
+                                          <p:spTgt spid="25"/>
+                                        </p:tgtEl>
+                                        <p:attrNameLst>
+                                          <p:attrName>ppt_x</p:attrName>
+                                        </p:attrNameLst>
+                                      </p:cBhvr>
+                                      <p:tavLst>
+                                        <p:tav tm="0">
+                                          <p:val>
+                                            <p:strVal val="0-#ppt_w/2"/>
+                                          </p:val>
+                                        </p:tav>
+                                        <p:tav tm="100000">
+                                          <p:val>
+                                            <p:strVal val="#ppt_x"/>
+                                          </p:val>
+                                        </p:tav>
+                                      </p:tavLst>
+                                    </p:anim>
+                                    <p:anim calcmode="lin" valueType="num">
+                                      <p:cBhvr additive="base">
+                                        <p:cTn id="8" dur="500" fill="hold"/>
+                                        <p:tgtEl>
+                                          <p:spTgt spid="25"/>
+                                        </p:tgtEl>
+                                        <p:attrNameLst>
+                                          <p:attrName>ppt_y</p:attrName>
+                                        </p:attrNameLst>
+                                      </p:cBhvr>
+                                      <p:tavLst>
+                                        <p:tav tm="0">
+                                          <p:val>
+                                            <p:strVal val="#ppt_y"/>
+                                          </p:val>
+                                        </p:tav>
+                                        <p:tav tm="100000">
+                                          <p:val>
+                                            <p:strVal val="#ppt_y"/>
+                                          </p:val>
+                                        </p:tav>
+                                      </p:tavLst>
+                                    </p:anim>
+                                  </p:childTnLst>
+                                </p:cTn>
+                              </p:par>
+                            </p:childTnLst>
+                          </p:cTn>
+                        </p:par>
+                      </p:childTnLst>
+                    </p:cTn>
+                  </p:par>
+                  <p:par>
+                    <p:cTn id="9" fill="hold">
+                      <p:stCondLst>
+                        <p:cond delay="indefinite"/>
+                      </p:stCondLst>
+                      <p:childTnLst>
+                        <p:par>
+                          <p:cTn id="10" fill="hold">
+                            <p:stCondLst>
+                              <p:cond delay="0"/>
+                            </p:stCondLst>
+                            <p:childTnLst>
+                              <p:par>
+                                <p:cTn id="11" presetID="2" presetClass="entr" presetSubtype="4" fill="hold" grpId="0" nodeType="clickEffect">
+                                  <p:stCondLst>
+                                    <p:cond delay="0"/>
+                                  </p:stCondLst>
+                                  <p:childTnLst>
+                                    <p:set>
+                                      <p:cBhvr>
+                                        <p:cTn id="12" dur="1" fill="hold">
+                                          <p:stCondLst>
+                                            <p:cond delay="0"/>
+                                          </p:stCondLst>
+                                        </p:cTn>
+                                        <p:tgtEl>
+                                          <p:spTgt spid="24"/>
+                                        </p:tgtEl>
+                                        <p:attrNameLst>
+                                          <p:attrName>style.visibility</p:attrName>
+                                        </p:attrNameLst>
+                                      </p:cBhvr>
+                                      <p:to>
+                                        <p:strVal val="visible"/>
+                                      </p:to>
+                                    </p:set>
+                                    <p:anim calcmode="lin" valueType="num">
+                                      <p:cBhvr additive="base">
+                                        <p:cTn id="13" dur="500" fill="hold"/>
+                                        <p:tgtEl>
+                                          <p:spTgt spid="24"/>
+                                        </p:tgtEl>
+                                        <p:attrNameLst>
+                                          <p:attrName>ppt_x</p:attrName>
+                                        </p:attrNameLst>
+                                      </p:cBhvr>
+                                      <p:tavLst>
+                                        <p:tav tm="0">
+                                          <p:val>
+                                            <p:strVal val="#ppt_x"/>
+                                          </p:val>
+                                        </p:tav>
+                                        <p:tav tm="100000">
+                                          <p:val>
+                                            <p:strVal val="#ppt_x"/>
+                                          </p:val>
+                                        </p:tav>
+                                      </p:tavLst>
+                                    </p:anim>
+                                    <p:anim calcmode="lin" valueType="num">
+                                      <p:cBhvr additive="base">
+                                        <p:cTn id="14" dur="500" fill="hold"/>
+                                        <p:tgtEl>
+                                          <p:spTgt spid="24"/>
+                                        </p:tgtEl>
+                                        <p:attrNameLst>
+                                          <p:attrName>ppt_y</p:attrName>
+                                        </p:attrNameLst>
+                                      </p:cBhvr>
+                                      <p:tavLst>
+                                        <p:tav tm="0">
+                                          <p:val>
+                                            <p:strVal val="1+#ppt_h/2"/>
+                                          </p:val>
+                                        </p:tav>
+                                        <p:tav tm="100000">
+                                          <p:val>
+                                            <p:strVal val="#ppt_y"/>
+                                          </p:val>
+                                        </p:tav>
+                                      </p:tavLst>
+                                    </p:anim>
+                                  </p:childTnLst>
+                                </p:cTn>
+                              </p:par>
+                            </p:childTnLst>
+                          </p:cTn>
+                        </p:par>
+                      </p:childTnLst>
+                    </p:cTn>
+                  </p:par>
+                  <p:par>
+                    <p:cTn id="15" fill="hold">
+                      <p:stCondLst>
+                        <p:cond delay="indefinite"/>
+                      </p:stCondLst>
+                      <p:childTnLst>
+                        <p:par>
+                          <p:cTn id="16" fill="hold">
+                            <p:stCondLst>
+                              <p:cond delay="0"/>
+                            </p:stCondLst>
+                            <p:childTnLst>
+                              <p:par>
+                                <p:cTn id="17" presetID="2" presetClass="entr" presetSubtype="4" fill="hold" nodeType="clickEffect">
+                                  <p:stCondLst>
+                                    <p:cond delay="0"/>
+                                  </p:stCondLst>
+                                  <p:childTnLst>
+                                    <p:set>
+                                      <p:cBhvr>
+                                        <p:cTn id="18" dur="1" fill="hold">
+                                          <p:stCondLst>
+                                            <p:cond delay="0"/>
+                                          </p:stCondLst>
+                                        </p:cTn>
+                                        <p:tgtEl>
+                                          <p:spTgt spid="19"/>
+                                        </p:tgtEl>
+                                        <p:attrNameLst>
+                                          <p:attrName>style.visibility</p:attrName>
+                                        </p:attrNameLst>
+                                      </p:cBhvr>
+                                      <p:to>
+                                        <p:strVal val="visible"/>
+                                      </p:to>
+                                    </p:set>
+                                    <p:anim calcmode="lin" valueType="num">
+                                      <p:cBhvr additive="base">
+                                        <p:cTn id="19" dur="500" fill="hold"/>
+                                        <p:tgtEl>
+                                          <p:spTgt spid="19"/>
+                                        </p:tgtEl>
+                                        <p:attrNameLst>
+                                          <p:attrName>ppt_x</p:attrName>
+                                        </p:attrNameLst>
+                                      </p:cBhvr>
+                                      <p:tavLst>
+                                        <p:tav tm="0">
+                                          <p:val>
+                                            <p:strVal val="#ppt_x"/>
+                                          </p:val>
+                                        </p:tav>
+                                        <p:tav tm="100000">
+                                          <p:val>
+                                            <p:strVal val="#ppt_x"/>
+                                          </p:val>
+                                        </p:tav>
+                                      </p:tavLst>
+                                    </p:anim>
+                                    <p:anim calcmode="lin" valueType="num">
+                                      <p:cBhvr additive="base">
+                                        <p:cTn id="20" dur="500" fill="hold"/>
+                                        <p:tgtEl>
+                                          <p:spTgt spid="19"/>
+                                        </p:tgtEl>
+                                        <p:attrNameLst>
+                                          <p:attrName>ppt_y</p:attrName>
+                                        </p:attrNameLst>
+                                      </p:cBhvr>
+                                      <p:tavLst>
+                                        <p:tav tm="0">
+                                          <p:val>
+                                            <p:strVal val="1+#ppt_h/2"/>
+                                          </p:val>
+                                        </p:tav>
+                                        <p:tav tm="100000">
+                                          <p:val>
+                                            <p:strVal val="#ppt_y"/>
+                                          </p:val>
+                                        </p:tav>
+                                      </p:tavLst>
+                                    </p:anim>
+                                  </p:childTnLst>
+                                </p:cTn>
+                              </p:par>
+                            </p:childTnLst>
+                          </p:cTn>
+                        </p:par>
+                      </p:childTnLst>
+                    </p:cTn>
+                  </p:par>
+                </p:childTnLst>
+              </p:cTn>
+              <p:prevCondLst>
+                <p:cond evt="onPrev" delay="0">
+                  <p:tgtEl>
+                    <p:sldTgt/>
+                  </p:tgtEl>
+                </p:cond>
+              </p:prevCondLst>
+              <p:nextCondLst>
+                <p:cond evt="onNext" delay="0">
+                  <p:tgtEl>
+                    <p:sldTgt/>
+                  </p:tgtEl>
+                </p:cond>
+              </p:nextCondLst>
+            </p:seq>
+          </p:childTnLst>
+        </p:cTn>
+      </p:par>
+    </p:tnLst>
+    <p:bldLst>
+      <p:bldP spid="24" grpId="0" animBg="1"/>
+    </p:bldLst>
+  </p:timing>
 </p:sld>
 </file>
 
@@ -6984,7 +7735,7 @@
                   </a:solidFill>
                   <a:latin typeface="Abadi" panose="020B0604020104020204" pitchFamily="34" charset="0"/>
                 </a:rPr>
-                <a:t>Là nhưng tương tác giữa người dung và Bot, được xác định và ghi lại.</a:t>
+                <a:t>Là nhưng tương tác giữa người dung và Bot, được xác định và ghi lại để dạy cho Bot</a:t>
               </a:r>
             </a:p>
           </p:txBody>
@@ -6995,6 +7746,221 @@
   <p:clrMapOvr>
     <a:masterClrMapping/>
   </p:clrMapOvr>
+  <p:transition spd="slow">
+    <p:push/>
+  </p:transition>
+  <p:timing>
+    <p:tnLst>
+      <p:par>
+        <p:cTn id="1" dur="indefinite" restart="never" nodeType="tmRoot">
+          <p:childTnLst>
+            <p:seq concurrent="1" nextAc="seek">
+              <p:cTn id="2" dur="indefinite" nodeType="mainSeq">
+                <p:childTnLst>
+                  <p:par>
+                    <p:cTn id="3" fill="hold">
+                      <p:stCondLst>
+                        <p:cond delay="indefinite"/>
+                      </p:stCondLst>
+                      <p:childTnLst>
+                        <p:par>
+                          <p:cTn id="4" fill="hold">
+                            <p:stCondLst>
+                              <p:cond delay="0"/>
+                            </p:stCondLst>
+                            <p:childTnLst>
+                              <p:par>
+                                <p:cTn id="5" presetID="2" presetClass="entr" presetSubtype="8" fill="hold" nodeType="clickEffect">
+                                  <p:stCondLst>
+                                    <p:cond delay="0"/>
+                                  </p:stCondLst>
+                                  <p:childTnLst>
+                                    <p:set>
+                                      <p:cBhvr>
+                                        <p:cTn id="6" dur="1" fill="hold">
+                                          <p:stCondLst>
+                                            <p:cond delay="0"/>
+                                          </p:stCondLst>
+                                        </p:cTn>
+                                        <p:tgtEl>
+                                          <p:spTgt spid="6"/>
+                                        </p:tgtEl>
+                                        <p:attrNameLst>
+                                          <p:attrName>style.visibility</p:attrName>
+                                        </p:attrNameLst>
+                                      </p:cBhvr>
+                                      <p:to>
+                                        <p:strVal val="visible"/>
+                                      </p:to>
+                                    </p:set>
+                                    <p:anim calcmode="lin" valueType="num">
+                                      <p:cBhvr additive="base">
+                                        <p:cTn id="7" dur="500" fill="hold"/>
+                                        <p:tgtEl>
+                                          <p:spTgt spid="6"/>
+                                        </p:tgtEl>
+                                        <p:attrNameLst>
+                                          <p:attrName>ppt_x</p:attrName>
+                                        </p:attrNameLst>
+                                      </p:cBhvr>
+                                      <p:tavLst>
+                                        <p:tav tm="0">
+                                          <p:val>
+                                            <p:strVal val="0-#ppt_w/2"/>
+                                          </p:val>
+                                        </p:tav>
+                                        <p:tav tm="100000">
+                                          <p:val>
+                                            <p:strVal val="#ppt_x"/>
+                                          </p:val>
+                                        </p:tav>
+                                      </p:tavLst>
+                                    </p:anim>
+                                    <p:anim calcmode="lin" valueType="num">
+                                      <p:cBhvr additive="base">
+                                        <p:cTn id="8" dur="500" fill="hold"/>
+                                        <p:tgtEl>
+                                          <p:spTgt spid="6"/>
+                                        </p:tgtEl>
+                                        <p:attrNameLst>
+                                          <p:attrName>ppt_y</p:attrName>
+                                        </p:attrNameLst>
+                                      </p:cBhvr>
+                                      <p:tavLst>
+                                        <p:tav tm="0">
+                                          <p:val>
+                                            <p:strVal val="#ppt_y"/>
+                                          </p:val>
+                                        </p:tav>
+                                        <p:tav tm="100000">
+                                          <p:val>
+                                            <p:strVal val="#ppt_y"/>
+                                          </p:val>
+                                        </p:tav>
+                                      </p:tavLst>
+                                    </p:anim>
+                                  </p:childTnLst>
+                                </p:cTn>
+                              </p:par>
+                            </p:childTnLst>
+                          </p:cTn>
+                        </p:par>
+                      </p:childTnLst>
+                    </p:cTn>
+                  </p:par>
+                  <p:par>
+                    <p:cTn id="9" fill="hold">
+                      <p:stCondLst>
+                        <p:cond delay="indefinite"/>
+                      </p:stCondLst>
+                      <p:childTnLst>
+                        <p:par>
+                          <p:cTn id="10" fill="hold">
+                            <p:stCondLst>
+                              <p:cond delay="0"/>
+                            </p:stCondLst>
+                            <p:childTnLst>
+                              <p:par>
+                                <p:cTn id="11" presetID="2" presetClass="entr" presetSubtype="2" fill="hold" nodeType="clickEffect">
+                                  <p:stCondLst>
+                                    <p:cond delay="0"/>
+                                  </p:stCondLst>
+                                  <p:childTnLst>
+                                    <p:set>
+                                      <p:cBhvr>
+                                        <p:cTn id="12" dur="1" fill="hold">
+                                          <p:stCondLst>
+                                            <p:cond delay="0"/>
+                                          </p:stCondLst>
+                                        </p:cTn>
+                                        <p:tgtEl>
+                                          <p:spTgt spid="9"/>
+                                        </p:tgtEl>
+                                        <p:attrNameLst>
+                                          <p:attrName>style.visibility</p:attrName>
+                                        </p:attrNameLst>
+                                      </p:cBhvr>
+                                      <p:to>
+                                        <p:strVal val="visible"/>
+                                      </p:to>
+                                    </p:set>
+                                    <p:anim calcmode="lin" valueType="num">
+                                      <p:cBhvr additive="base">
+                                        <p:cTn id="13" dur="500" fill="hold"/>
+                                        <p:tgtEl>
+                                          <p:spTgt spid="9"/>
+                                        </p:tgtEl>
+                                        <p:attrNameLst>
+                                          <p:attrName>ppt_x</p:attrName>
+                                        </p:attrNameLst>
+                                      </p:cBhvr>
+                                      <p:tavLst>
+                                        <p:tav tm="0">
+                                          <p:val>
+                                            <p:strVal val="1+#ppt_w/2"/>
+                                          </p:val>
+                                        </p:tav>
+                                        <p:tav tm="100000">
+                                          <p:val>
+                                            <p:strVal val="#ppt_x"/>
+                                          </p:val>
+                                        </p:tav>
+                                      </p:tavLst>
+                                    </p:anim>
+                                    <p:anim calcmode="lin" valueType="num">
+                                      <p:cBhvr additive="base">
+                                        <p:cTn id="14" dur="500" fill="hold"/>
+                                        <p:tgtEl>
+                                          <p:spTgt spid="9"/>
+                                        </p:tgtEl>
+                                        <p:attrNameLst>
+                                          <p:attrName>ppt_y</p:attrName>
+                                        </p:attrNameLst>
+                                      </p:cBhvr>
+                                      <p:tavLst>
+                                        <p:tav tm="0">
+                                          <p:val>
+                                            <p:strVal val="#ppt_y"/>
+                                          </p:val>
+                                        </p:tav>
+                                        <p:tav tm="100000">
+                                          <p:val>
+                                            <p:strVal val="#ppt_y"/>
+                                          </p:val>
+                                        </p:tav>
+                                      </p:tavLst>
+                                    </p:anim>
+                                  </p:childTnLst>
+                                </p:cTn>
+                              </p:par>
+                            </p:childTnLst>
+                          </p:cTn>
+                        </p:par>
+                      </p:childTnLst>
+                    </p:cTn>
+                  </p:par>
+                </p:childTnLst>
+              </p:cTn>
+              <p:prevCondLst>
+                <p:cond evt="onPrev" delay="0">
+                  <p:tgtEl>
+                    <p:sldTgt/>
+                  </p:tgtEl>
+                </p:cond>
+              </p:prevCondLst>
+              <p:nextCondLst>
+                <p:cond evt="onNext" delay="0">
+                  <p:tgtEl>
+                    <p:sldTgt/>
+                  </p:tgtEl>
+                </p:cond>
+              </p:nextCondLst>
+            </p:seq>
+          </p:childTnLst>
+        </p:cTn>
+      </p:par>
+    </p:tnLst>
+  </p:timing>
 </p:sld>
 </file>
 
@@ -7025,7 +7991,7 @@
       </p:grpSpPr>
       <p:pic>
         <p:nvPicPr>
-          <p:cNvPr id="2" name="Picture 2" hidden="1"/>
+          <p:cNvPr id="2" name="Picture 2"/>
           <p:cNvPicPr>
             <a:picLocks noChangeAspect="1"/>
           </p:cNvPicPr>
@@ -7060,7 +8026,7 @@
       </p:pic>
       <p:pic>
         <p:nvPicPr>
-          <p:cNvPr id="3" name="Picture 3" hidden="1"/>
+          <p:cNvPr id="3" name="Picture 3"/>
           <p:cNvPicPr>
             <a:picLocks noChangeAspect="1"/>
           </p:cNvPicPr>
@@ -7095,7 +8061,544 @@
       </p:pic>
       <p:pic>
         <p:nvPicPr>
-          <p:cNvPr id="4" name="Picture 4" hidden="1"/>
+          <p:cNvPr id="4" name="Picture 4"/>
+          <p:cNvPicPr>
+            <a:picLocks noChangeAspect="1"/>
+          </p:cNvPicPr>
+          <p:nvPr/>
+        </p:nvPicPr>
+        <p:blipFill>
+          <a:blip r:embed="rId5">
+            <a:alphaModFix amt="80000"/>
+            <a:extLst>
+              <a:ext uri="{28A0092B-C50C-407E-A947-70E740481C1C}">
+                <a14:useLocalDpi xmlns:a14="http://schemas.microsoft.com/office/drawing/2010/main" val="0"/>
+              </a:ext>
+              <a:ext uri="{96DAC541-7B7A-43D3-8B79-37D633B846F1}">
+                <asvg:svgBlip xmlns:asvg="http://schemas.microsoft.com/office/drawing/2016/SVG/main" r:embed="rId6"/>
+              </a:ext>
+            </a:extLst>
+          </a:blip>
+          <a:srcRect b="47897"/>
+          <a:stretch>
+            <a:fillRect/>
+          </a:stretch>
+        </p:blipFill>
+        <p:spPr>
+          <a:xfrm rot="10800000">
+            <a:off x="-3382135" y="7443700"/>
+            <a:ext cx="9170872" cy="5149802"/>
+          </a:xfrm>
+          <a:prstGeom prst="rect">
+            <a:avLst/>
+          </a:prstGeom>
+        </p:spPr>
+      </p:pic>
+      <p:sp>
+        <p:nvSpPr>
+          <p:cNvPr id="7" name="TextBox 7"/>
+          <p:cNvSpPr txBox="1"/>
+          <p:nvPr/>
+        </p:nvSpPr>
+        <p:spPr>
+          <a:xfrm>
+            <a:off x="11610975" y="3086100"/>
+            <a:ext cx="6677025" cy="1050544"/>
+          </a:xfrm>
+          <a:prstGeom prst="rect">
+            <a:avLst/>
+          </a:prstGeom>
+        </p:spPr>
+        <p:txBody>
+          <a:bodyPr wrap="square" lIns="0" tIns="0" rIns="0" bIns="0" rtlCol="0" anchor="t">
+            <a:spAutoFit/>
+          </a:bodyPr>
+          <a:lstStyle/>
+          <a:p>
+            <a:pPr marL="0" marR="0" lvl="0" indent="0" algn="l" defTabSz="914400" rtl="0" eaLnBrk="1" fontAlgn="auto" latinLnBrk="0" hangingPunct="1">
+              <a:lnSpc>
+                <a:spcPts val="4159"/>
+              </a:lnSpc>
+              <a:spcBef>
+                <a:spcPts val="0"/>
+              </a:spcBef>
+              <a:spcAft>
+                <a:spcPts val="0"/>
+              </a:spcAft>
+              <a:buClrTx/>
+              <a:buSzTx/>
+              <a:buFontTx/>
+              <a:buNone/>
+              <a:tabLst/>
+              <a:defRPr/>
+            </a:pPr>
+            <a:r>
+              <a:rPr kumimoji="0" lang="en-US" sz="3199" b="0" i="0" u="none" strike="noStrike" kern="1200" cap="none" spc="319" normalizeH="0" baseline="0" noProof="0">
+                <a:ln>
+                  <a:noFill/>
+                </a:ln>
+                <a:solidFill>
+                  <a:srgbClr val="D0C3F1"/>
+                </a:solidFill>
+                <a:effectLst/>
+                <a:uLnTx/>
+                <a:uFillTx/>
+                <a:latin typeface="Abadi" panose="020B0604020104020204" pitchFamily="34" charset="0"/>
+                <a:ea typeface="+mn-ea"/>
+                <a:cs typeface="+mn-cs"/>
+              </a:rPr>
+              <a:t>Xây dựng file Actions để  xử lý dữ liệu trong Rasa Core</a:t>
+            </a:r>
+          </a:p>
+        </p:txBody>
+      </p:sp>
+      <p:sp>
+        <p:nvSpPr>
+          <p:cNvPr id="8" name="TextBox 8" hidden="1"/>
+          <p:cNvSpPr txBox="1"/>
+          <p:nvPr/>
+        </p:nvSpPr>
+        <p:spPr>
+          <a:xfrm>
+            <a:off x="1143000" y="36684"/>
+            <a:ext cx="8953900" cy="535781"/>
+          </a:xfrm>
+          <a:prstGeom prst="rect">
+            <a:avLst/>
+          </a:prstGeom>
+        </p:spPr>
+        <p:txBody>
+          <a:bodyPr lIns="0" tIns="0" rIns="0" bIns="0" rtlCol="0" anchor="t">
+            <a:spAutoFit/>
+          </a:bodyPr>
+          <a:lstStyle/>
+          <a:p>
+            <a:pPr marL="0" marR="0" lvl="0" indent="0" algn="l" defTabSz="914400" rtl="0" eaLnBrk="1" fontAlgn="auto" latinLnBrk="0" hangingPunct="1">
+              <a:lnSpc>
+                <a:spcPts val="4320"/>
+              </a:lnSpc>
+              <a:spcBef>
+                <a:spcPts val="0"/>
+              </a:spcBef>
+              <a:spcAft>
+                <a:spcPts val="0"/>
+              </a:spcAft>
+              <a:buClrTx/>
+              <a:buSzTx/>
+              <a:buFontTx/>
+              <a:buNone/>
+              <a:tabLst/>
+              <a:defRPr/>
+            </a:pPr>
+            <a:r>
+              <a:rPr kumimoji="0" lang="en-US" sz="3600" b="0" i="0" u="none" strike="noStrike" kern="1200" cap="none" spc="252" normalizeH="0" baseline="0" noProof="0">
+                <a:ln>
+                  <a:noFill/>
+                </a:ln>
+                <a:solidFill>
+                  <a:srgbClr val="D0C3F1"/>
+                </a:solidFill>
+                <a:effectLst/>
+                <a:uLnTx/>
+                <a:uFillTx/>
+                <a:latin typeface="Poppins Bold Italics"/>
+                <a:ea typeface="+mn-ea"/>
+                <a:cs typeface="+mn-cs"/>
+              </a:rPr>
+              <a:t>FIGHT AGAINST FAST FASHION</a:t>
+            </a:r>
+          </a:p>
+        </p:txBody>
+      </p:sp>
+      <p:pic>
+        <p:nvPicPr>
+          <p:cNvPr id="3074" name="Hình ảnh 1">
+            <a:extLst>
+              <a:ext uri="{FF2B5EF4-FFF2-40B4-BE49-F238E27FC236}">
+                <a16:creationId xmlns:a16="http://schemas.microsoft.com/office/drawing/2014/main" id="{DF8A541B-F650-44ED-B92A-92834971C403}"/>
+              </a:ext>
+            </a:extLst>
+          </p:cNvPr>
+          <p:cNvPicPr>
+            <a:picLocks noChangeAspect="1" noChangeArrowheads="1"/>
+          </p:cNvPicPr>
+          <p:nvPr/>
+        </p:nvPicPr>
+        <p:blipFill>
+          <a:blip r:embed="rId7">
+            <a:extLst>
+              <a:ext uri="{28A0092B-C50C-407E-A947-70E740481C1C}">
+                <a14:useLocalDpi xmlns:a14="http://schemas.microsoft.com/office/drawing/2010/main" val="0"/>
+              </a:ext>
+            </a:extLst>
+          </a:blip>
+          <a:srcRect b="4852"/>
+          <a:stretch>
+            <a:fillRect/>
+          </a:stretch>
+        </p:blipFill>
+        <p:spPr bwMode="auto">
+          <a:xfrm>
+            <a:off x="229650" y="495300"/>
+            <a:ext cx="11124150" cy="9448800"/>
+          </a:xfrm>
+          <a:prstGeom prst="rect">
+            <a:avLst/>
+          </a:prstGeom>
+          <a:noFill/>
+          <a:ln>
+            <a:noFill/>
+          </a:ln>
+          <a:extLst>
+            <a:ext uri="{909E8E84-426E-40DD-AFC4-6F175D3DCCD1}">
+              <a14:hiddenFill xmlns:a14="http://schemas.microsoft.com/office/drawing/2010/main">
+                <a:solidFill>
+                  <a:srgbClr val="FFFFFF"/>
+                </a:solidFill>
+              </a14:hiddenFill>
+            </a:ext>
+            <a:ext uri="{91240B29-F687-4F45-9708-019B960494DF}">
+              <a14:hiddenLine xmlns:a14="http://schemas.microsoft.com/office/drawing/2010/main" w="9525">
+                <a:solidFill>
+                  <a:srgbClr val="000000"/>
+                </a:solidFill>
+                <a:miter lim="800000"/>
+                <a:headEnd/>
+                <a:tailEnd/>
+              </a14:hiddenLine>
+            </a:ext>
+          </a:extLst>
+        </p:spPr>
+      </p:pic>
+    </p:spTree>
+    <p:extLst>
+      <p:ext uri="{BB962C8B-B14F-4D97-AF65-F5344CB8AC3E}">
+        <p14:creationId xmlns:p14="http://schemas.microsoft.com/office/powerpoint/2010/main" val="1131455088"/>
+      </p:ext>
+    </p:extLst>
+  </p:cSld>
+  <p:clrMapOvr>
+    <a:masterClrMapping/>
+  </p:clrMapOvr>
+  <p:transition spd="slow">
+    <p:push/>
+  </p:transition>
+  <p:timing>
+    <p:tnLst>
+      <p:par>
+        <p:cTn id="1" dur="indefinite" restart="never" nodeType="tmRoot">
+          <p:childTnLst>
+            <p:seq concurrent="1" nextAc="seek">
+              <p:cTn id="2" dur="indefinite" nodeType="mainSeq">
+                <p:childTnLst>
+                  <p:par>
+                    <p:cTn id="3" fill="hold">
+                      <p:stCondLst>
+                        <p:cond delay="indefinite"/>
+                      </p:stCondLst>
+                      <p:childTnLst>
+                        <p:par>
+                          <p:cTn id="4" fill="hold">
+                            <p:stCondLst>
+                              <p:cond delay="0"/>
+                            </p:stCondLst>
+                            <p:childTnLst>
+                              <p:par>
+                                <p:cTn id="5" presetID="2" presetClass="entr" presetSubtype="8" fill="hold" nodeType="clickEffect">
+                                  <p:stCondLst>
+                                    <p:cond delay="0"/>
+                                  </p:stCondLst>
+                                  <p:childTnLst>
+                                    <p:set>
+                                      <p:cBhvr>
+                                        <p:cTn id="6" dur="1" fill="hold">
+                                          <p:stCondLst>
+                                            <p:cond delay="0"/>
+                                          </p:stCondLst>
+                                        </p:cTn>
+                                        <p:tgtEl>
+                                          <p:spTgt spid="3074"/>
+                                        </p:tgtEl>
+                                        <p:attrNameLst>
+                                          <p:attrName>style.visibility</p:attrName>
+                                        </p:attrNameLst>
+                                      </p:cBhvr>
+                                      <p:to>
+                                        <p:strVal val="visible"/>
+                                      </p:to>
+                                    </p:set>
+                                    <p:anim calcmode="lin" valueType="num">
+                                      <p:cBhvr additive="base">
+                                        <p:cTn id="7" dur="500" fill="hold"/>
+                                        <p:tgtEl>
+                                          <p:spTgt spid="3074"/>
+                                        </p:tgtEl>
+                                        <p:attrNameLst>
+                                          <p:attrName>ppt_x</p:attrName>
+                                        </p:attrNameLst>
+                                      </p:cBhvr>
+                                      <p:tavLst>
+                                        <p:tav tm="0">
+                                          <p:val>
+                                            <p:strVal val="0-#ppt_w/2"/>
+                                          </p:val>
+                                        </p:tav>
+                                        <p:tav tm="100000">
+                                          <p:val>
+                                            <p:strVal val="#ppt_x"/>
+                                          </p:val>
+                                        </p:tav>
+                                      </p:tavLst>
+                                    </p:anim>
+                                    <p:anim calcmode="lin" valueType="num">
+                                      <p:cBhvr additive="base">
+                                        <p:cTn id="8" dur="500" fill="hold"/>
+                                        <p:tgtEl>
+                                          <p:spTgt spid="3074"/>
+                                        </p:tgtEl>
+                                        <p:attrNameLst>
+                                          <p:attrName>ppt_y</p:attrName>
+                                        </p:attrNameLst>
+                                      </p:cBhvr>
+                                      <p:tavLst>
+                                        <p:tav tm="0">
+                                          <p:val>
+                                            <p:strVal val="#ppt_y"/>
+                                          </p:val>
+                                        </p:tav>
+                                        <p:tav tm="100000">
+                                          <p:val>
+                                            <p:strVal val="#ppt_y"/>
+                                          </p:val>
+                                        </p:tav>
+                                      </p:tavLst>
+                                    </p:anim>
+                                  </p:childTnLst>
+                                </p:cTn>
+                              </p:par>
+                            </p:childTnLst>
+                          </p:cTn>
+                        </p:par>
+                      </p:childTnLst>
+                    </p:cTn>
+                  </p:par>
+                  <p:par>
+                    <p:cTn id="9" fill="hold">
+                      <p:stCondLst>
+                        <p:cond delay="indefinite"/>
+                      </p:stCondLst>
+                      <p:childTnLst>
+                        <p:par>
+                          <p:cTn id="10" fill="hold">
+                            <p:stCondLst>
+                              <p:cond delay="0"/>
+                            </p:stCondLst>
+                            <p:childTnLst>
+                              <p:par>
+                                <p:cTn id="11" presetID="2" presetClass="entr" presetSubtype="2" fill="hold" grpId="0" nodeType="clickEffect">
+                                  <p:stCondLst>
+                                    <p:cond delay="0"/>
+                                  </p:stCondLst>
+                                  <p:childTnLst>
+                                    <p:set>
+                                      <p:cBhvr>
+                                        <p:cTn id="12" dur="1" fill="hold">
+                                          <p:stCondLst>
+                                            <p:cond delay="0"/>
+                                          </p:stCondLst>
+                                        </p:cTn>
+                                        <p:tgtEl>
+                                          <p:spTgt spid="7"/>
+                                        </p:tgtEl>
+                                        <p:attrNameLst>
+                                          <p:attrName>style.visibility</p:attrName>
+                                        </p:attrNameLst>
+                                      </p:cBhvr>
+                                      <p:to>
+                                        <p:strVal val="visible"/>
+                                      </p:to>
+                                    </p:set>
+                                    <p:anim calcmode="lin" valueType="num">
+                                      <p:cBhvr additive="base">
+                                        <p:cTn id="13" dur="500" fill="hold"/>
+                                        <p:tgtEl>
+                                          <p:spTgt spid="7"/>
+                                        </p:tgtEl>
+                                        <p:attrNameLst>
+                                          <p:attrName>ppt_x</p:attrName>
+                                        </p:attrNameLst>
+                                      </p:cBhvr>
+                                      <p:tavLst>
+                                        <p:tav tm="0">
+                                          <p:val>
+                                            <p:strVal val="1+#ppt_w/2"/>
+                                          </p:val>
+                                        </p:tav>
+                                        <p:tav tm="100000">
+                                          <p:val>
+                                            <p:strVal val="#ppt_x"/>
+                                          </p:val>
+                                        </p:tav>
+                                      </p:tavLst>
+                                    </p:anim>
+                                    <p:anim calcmode="lin" valueType="num">
+                                      <p:cBhvr additive="base">
+                                        <p:cTn id="14" dur="500" fill="hold"/>
+                                        <p:tgtEl>
+                                          <p:spTgt spid="7"/>
+                                        </p:tgtEl>
+                                        <p:attrNameLst>
+                                          <p:attrName>ppt_y</p:attrName>
+                                        </p:attrNameLst>
+                                      </p:cBhvr>
+                                      <p:tavLst>
+                                        <p:tav tm="0">
+                                          <p:val>
+                                            <p:strVal val="#ppt_y"/>
+                                          </p:val>
+                                        </p:tav>
+                                        <p:tav tm="100000">
+                                          <p:val>
+                                            <p:strVal val="#ppt_y"/>
+                                          </p:val>
+                                        </p:tav>
+                                      </p:tavLst>
+                                    </p:anim>
+                                  </p:childTnLst>
+                                </p:cTn>
+                              </p:par>
+                            </p:childTnLst>
+                          </p:cTn>
+                        </p:par>
+                      </p:childTnLst>
+                    </p:cTn>
+                  </p:par>
+                </p:childTnLst>
+              </p:cTn>
+              <p:prevCondLst>
+                <p:cond evt="onPrev" delay="0">
+                  <p:tgtEl>
+                    <p:sldTgt/>
+                  </p:tgtEl>
+                </p:cond>
+              </p:prevCondLst>
+              <p:nextCondLst>
+                <p:cond evt="onNext" delay="0">
+                  <p:tgtEl>
+                    <p:sldTgt/>
+                  </p:tgtEl>
+                </p:cond>
+              </p:nextCondLst>
+            </p:seq>
+          </p:childTnLst>
+        </p:cTn>
+      </p:par>
+    </p:tnLst>
+    <p:bldLst>
+      <p:bldP spid="7" grpId="0"/>
+    </p:bldLst>
+  </p:timing>
+</p:sld>
+</file>
+
+<file path=ppt/slides/slide14.xml><?xml version="1.0" encoding="utf-8"?>
+<p:sld xmlns:a="http://schemas.openxmlformats.org/drawingml/2006/main" xmlns:r="http://schemas.openxmlformats.org/officeDocument/2006/relationships" xmlns:p="http://schemas.openxmlformats.org/presentationml/2006/main">
+  <p:cSld>
+    <p:bg>
+      <p:bgPr>
+        <a:solidFill>
+          <a:srgbClr val="4E2780"/>
+        </a:solidFill>
+        <a:effectLst/>
+      </p:bgPr>
+    </p:bg>
+    <p:spTree>
+      <p:nvGrpSpPr>
+        <p:cNvPr id="1" name=""/>
+        <p:cNvGrpSpPr/>
+        <p:nvPr/>
+      </p:nvGrpSpPr>
+      <p:grpSpPr>
+        <a:xfrm>
+          <a:off x="0" y="0"/>
+          <a:ext cx="0" cy="0"/>
+          <a:chOff x="0" y="0"/>
+          <a:chExt cx="0" cy="0"/>
+        </a:xfrm>
+      </p:grpSpPr>
+      <p:pic>
+        <p:nvPicPr>
+          <p:cNvPr id="2" name="Picture 2"/>
+          <p:cNvPicPr>
+            <a:picLocks noChangeAspect="1"/>
+          </p:cNvPicPr>
+          <p:nvPr/>
+        </p:nvPicPr>
+        <p:blipFill>
+          <a:blip r:embed="rId3">
+            <a:alphaModFix amt="80000"/>
+            <a:extLst>
+              <a:ext uri="{28A0092B-C50C-407E-A947-70E740481C1C}">
+                <a14:useLocalDpi xmlns:a14="http://schemas.microsoft.com/office/drawing/2010/main" val="0"/>
+              </a:ext>
+              <a:ext uri="{96DAC541-7B7A-43D3-8B79-37D633B846F1}">
+                <asvg:svgBlip xmlns:asvg="http://schemas.microsoft.com/office/drawing/2016/SVG/main" r:embed="rId4"/>
+              </a:ext>
+            </a:extLst>
+          </a:blip>
+          <a:srcRect/>
+          <a:stretch>
+            <a:fillRect/>
+          </a:stretch>
+        </p:blipFill>
+        <p:spPr>
+          <a:xfrm rot="-2700000">
+            <a:off x="7543701" y="-952598"/>
+            <a:ext cx="15452423" cy="15452423"/>
+          </a:xfrm>
+          <a:prstGeom prst="rect">
+            <a:avLst/>
+          </a:prstGeom>
+        </p:spPr>
+      </p:pic>
+      <p:pic>
+        <p:nvPicPr>
+          <p:cNvPr id="3" name="Picture 3"/>
+          <p:cNvPicPr>
+            <a:picLocks noChangeAspect="1"/>
+          </p:cNvPicPr>
+          <p:nvPr/>
+        </p:nvPicPr>
+        <p:blipFill>
+          <a:blip r:embed="rId3">
+            <a:alphaModFix amt="80000"/>
+            <a:extLst>
+              <a:ext uri="{28A0092B-C50C-407E-A947-70E740481C1C}">
+                <a14:useLocalDpi xmlns:a14="http://schemas.microsoft.com/office/drawing/2010/main" val="0"/>
+              </a:ext>
+              <a:ext uri="{96DAC541-7B7A-43D3-8B79-37D633B846F1}">
+                <asvg:svgBlip xmlns:asvg="http://schemas.microsoft.com/office/drawing/2016/SVG/main" r:embed="rId4"/>
+              </a:ext>
+            </a:extLst>
+          </a:blip>
+          <a:srcRect/>
+          <a:stretch>
+            <a:fillRect/>
+          </a:stretch>
+        </p:blipFill>
+        <p:spPr>
+          <a:xfrm rot="14189353">
+            <a:off x="-2606026" y="-2582234"/>
+            <a:ext cx="9867859" cy="9867859"/>
+          </a:xfrm>
+          <a:prstGeom prst="rect">
+            <a:avLst/>
+          </a:prstGeom>
+        </p:spPr>
+      </p:pic>
+      <p:pic>
+        <p:nvPicPr>
+          <p:cNvPr id="4" name="Picture 4"/>
           <p:cNvPicPr>
             <a:picLocks noChangeAspect="1"/>
           </p:cNvPicPr>
@@ -7246,299 +8749,10 @@
       </p:sp>
       <p:pic>
         <p:nvPicPr>
-          <p:cNvPr id="6" name="Hình ảnh 5">
+          <p:cNvPr id="4098" name="Hình ảnh 1">
             <a:extLst>
               <a:ext uri="{FF2B5EF4-FFF2-40B4-BE49-F238E27FC236}">
-                <a16:creationId xmlns:a16="http://schemas.microsoft.com/office/drawing/2014/main" id="{3D4ED10C-B3AF-43ED-9DD8-C17F732177E9}"/>
-              </a:ext>
-            </a:extLst>
-          </p:cNvPr>
-          <p:cNvPicPr>
-            <a:picLocks noChangeAspect="1"/>
-          </p:cNvPicPr>
-          <p:nvPr/>
-        </p:nvPicPr>
-        <p:blipFill>
-          <a:blip r:embed="rId7"/>
-          <a:stretch>
-            <a:fillRect/>
-          </a:stretch>
-        </p:blipFill>
-        <p:spPr>
-          <a:xfrm>
-            <a:off x="1371600" y="4110734"/>
-            <a:ext cx="9134475" cy="1771650"/>
-          </a:xfrm>
-          <a:prstGeom prst="rect">
-            <a:avLst/>
-          </a:prstGeom>
-        </p:spPr>
-      </p:pic>
-    </p:spTree>
-    <p:extLst>
-      <p:ext uri="{BB962C8B-B14F-4D97-AF65-F5344CB8AC3E}">
-        <p14:creationId xmlns:p14="http://schemas.microsoft.com/office/powerpoint/2010/main" val="1131455088"/>
-      </p:ext>
-    </p:extLst>
-  </p:cSld>
-  <p:clrMapOvr>
-    <a:masterClrMapping/>
-  </p:clrMapOvr>
-</p:sld>
-</file>
-
-<file path=ppt/slides/slide14.xml><?xml version="1.0" encoding="utf-8"?>
-<p:sld xmlns:a="http://schemas.openxmlformats.org/drawingml/2006/main" xmlns:r="http://schemas.openxmlformats.org/officeDocument/2006/relationships" xmlns:p="http://schemas.openxmlformats.org/presentationml/2006/main">
-  <p:cSld>
-    <p:bg>
-      <p:bgPr>
-        <a:solidFill>
-          <a:srgbClr val="4E2780"/>
-        </a:solidFill>
-        <a:effectLst/>
-      </p:bgPr>
-    </p:bg>
-    <p:spTree>
-      <p:nvGrpSpPr>
-        <p:cNvPr id="1" name=""/>
-        <p:cNvGrpSpPr/>
-        <p:nvPr/>
-      </p:nvGrpSpPr>
-      <p:grpSpPr>
-        <a:xfrm>
-          <a:off x="0" y="0"/>
-          <a:ext cx="0" cy="0"/>
-          <a:chOff x="0" y="0"/>
-          <a:chExt cx="0" cy="0"/>
-        </a:xfrm>
-      </p:grpSpPr>
-      <p:pic>
-        <p:nvPicPr>
-          <p:cNvPr id="2" name="Picture 2" hidden="1"/>
-          <p:cNvPicPr>
-            <a:picLocks noChangeAspect="1"/>
-          </p:cNvPicPr>
-          <p:nvPr/>
-        </p:nvPicPr>
-        <p:blipFill>
-          <a:blip r:embed="rId3">
-            <a:alphaModFix amt="80000"/>
-            <a:extLst>
-              <a:ext uri="{28A0092B-C50C-407E-A947-70E740481C1C}">
-                <a14:useLocalDpi xmlns:a14="http://schemas.microsoft.com/office/drawing/2010/main" val="0"/>
-              </a:ext>
-              <a:ext uri="{96DAC541-7B7A-43D3-8B79-37D633B846F1}">
-                <asvg:svgBlip xmlns:asvg="http://schemas.microsoft.com/office/drawing/2016/SVG/main" r:embed="rId4"/>
-              </a:ext>
-            </a:extLst>
-          </a:blip>
-          <a:srcRect/>
-          <a:stretch>
-            <a:fillRect/>
-          </a:stretch>
-        </p:blipFill>
-        <p:spPr>
-          <a:xfrm rot="-2700000">
-            <a:off x="7543701" y="-952598"/>
-            <a:ext cx="15452423" cy="15452423"/>
-          </a:xfrm>
-          <a:prstGeom prst="rect">
-            <a:avLst/>
-          </a:prstGeom>
-        </p:spPr>
-      </p:pic>
-      <p:pic>
-        <p:nvPicPr>
-          <p:cNvPr id="3" name="Picture 3" hidden="1"/>
-          <p:cNvPicPr>
-            <a:picLocks noChangeAspect="1"/>
-          </p:cNvPicPr>
-          <p:nvPr/>
-        </p:nvPicPr>
-        <p:blipFill>
-          <a:blip r:embed="rId3">
-            <a:alphaModFix amt="80000"/>
-            <a:extLst>
-              <a:ext uri="{28A0092B-C50C-407E-A947-70E740481C1C}">
-                <a14:useLocalDpi xmlns:a14="http://schemas.microsoft.com/office/drawing/2010/main" val="0"/>
-              </a:ext>
-              <a:ext uri="{96DAC541-7B7A-43D3-8B79-37D633B846F1}">
-                <asvg:svgBlip xmlns:asvg="http://schemas.microsoft.com/office/drawing/2016/SVG/main" r:embed="rId4"/>
-              </a:ext>
-            </a:extLst>
-          </a:blip>
-          <a:srcRect/>
-          <a:stretch>
-            <a:fillRect/>
-          </a:stretch>
-        </p:blipFill>
-        <p:spPr>
-          <a:xfrm rot="14189353">
-            <a:off x="-2606026" y="-2582234"/>
-            <a:ext cx="9867859" cy="9867859"/>
-          </a:xfrm>
-          <a:prstGeom prst="rect">
-            <a:avLst/>
-          </a:prstGeom>
-        </p:spPr>
-      </p:pic>
-      <p:pic>
-        <p:nvPicPr>
-          <p:cNvPr id="4" name="Picture 4" hidden="1"/>
-          <p:cNvPicPr>
-            <a:picLocks noChangeAspect="1"/>
-          </p:cNvPicPr>
-          <p:nvPr/>
-        </p:nvPicPr>
-        <p:blipFill>
-          <a:blip r:embed="rId5">
-            <a:alphaModFix amt="80000"/>
-            <a:extLst>
-              <a:ext uri="{28A0092B-C50C-407E-A947-70E740481C1C}">
-                <a14:useLocalDpi xmlns:a14="http://schemas.microsoft.com/office/drawing/2010/main" val="0"/>
-              </a:ext>
-              <a:ext uri="{96DAC541-7B7A-43D3-8B79-37D633B846F1}">
-                <asvg:svgBlip xmlns:asvg="http://schemas.microsoft.com/office/drawing/2016/SVG/main" r:embed="rId6"/>
-              </a:ext>
-            </a:extLst>
-          </a:blip>
-          <a:srcRect b="47897"/>
-          <a:stretch>
-            <a:fillRect/>
-          </a:stretch>
-        </p:blipFill>
-        <p:spPr>
-          <a:xfrm rot="10800000">
-            <a:off x="-3382135" y="7443700"/>
-            <a:ext cx="9170872" cy="5149802"/>
-          </a:xfrm>
-          <a:prstGeom prst="rect">
-            <a:avLst/>
-          </a:prstGeom>
-        </p:spPr>
-      </p:pic>
-      <p:sp>
-        <p:nvSpPr>
-          <p:cNvPr id="7" name="TextBox 7"/>
-          <p:cNvSpPr txBox="1"/>
-          <p:nvPr/>
-        </p:nvSpPr>
-        <p:spPr>
-          <a:xfrm>
-            <a:off x="11286186" y="3060190"/>
-            <a:ext cx="6677025" cy="1050544"/>
-          </a:xfrm>
-          <a:prstGeom prst="rect">
-            <a:avLst/>
-          </a:prstGeom>
-        </p:spPr>
-        <p:txBody>
-          <a:bodyPr wrap="square" lIns="0" tIns="0" rIns="0" bIns="0" rtlCol="0" anchor="t">
-            <a:spAutoFit/>
-          </a:bodyPr>
-          <a:lstStyle/>
-          <a:p>
-            <a:pPr marL="0" marR="0" lvl="0" indent="0" algn="l" defTabSz="914400" rtl="0" eaLnBrk="1" fontAlgn="auto" latinLnBrk="0" hangingPunct="1">
-              <a:lnSpc>
-                <a:spcPts val="4159"/>
-              </a:lnSpc>
-              <a:spcBef>
-                <a:spcPts val="0"/>
-              </a:spcBef>
-              <a:spcAft>
-                <a:spcPts val="0"/>
-              </a:spcAft>
-              <a:buClrTx/>
-              <a:buSzTx/>
-              <a:buFontTx/>
-              <a:buNone/>
-              <a:tabLst/>
-              <a:defRPr/>
-            </a:pPr>
-            <a:r>
-              <a:rPr kumimoji="0" lang="en-US" sz="3199" b="0" i="0" u="none" strike="noStrike" kern="1200" cap="none" spc="319" normalizeH="0" baseline="0" noProof="0">
-                <a:ln>
-                  <a:noFill/>
-                </a:ln>
-                <a:solidFill>
-                  <a:srgbClr val="D0C3F1"/>
-                </a:solidFill>
-                <a:effectLst/>
-                <a:uLnTx/>
-                <a:uFillTx/>
-                <a:latin typeface="Abadi" panose="020B0604020104020204" pitchFamily="34" charset="0"/>
-                <a:ea typeface="+mn-ea"/>
-                <a:cs typeface="+mn-cs"/>
-              </a:rPr>
-              <a:t>Xây dựng file Actions để  xử lý dữ liệu trong Rasa Core</a:t>
-            </a:r>
-          </a:p>
-        </p:txBody>
-      </p:sp>
-      <p:sp>
-        <p:nvSpPr>
-          <p:cNvPr id="8" name="TextBox 8" hidden="1"/>
-          <p:cNvSpPr txBox="1"/>
-          <p:nvPr/>
-        </p:nvSpPr>
-        <p:spPr>
-          <a:xfrm>
-            <a:off x="1143000" y="36684"/>
-            <a:ext cx="8953900" cy="535781"/>
-          </a:xfrm>
-          <a:prstGeom prst="rect">
-            <a:avLst/>
-          </a:prstGeom>
-        </p:spPr>
-        <p:txBody>
-          <a:bodyPr lIns="0" tIns="0" rIns="0" bIns="0" rtlCol="0" anchor="t">
-            <a:spAutoFit/>
-          </a:bodyPr>
-          <a:lstStyle/>
-          <a:p>
-            <a:pPr marL="0" marR="0" lvl="0" indent="0" algn="l" defTabSz="914400" rtl="0" eaLnBrk="1" fontAlgn="auto" latinLnBrk="0" hangingPunct="1">
-              <a:lnSpc>
-                <a:spcPts val="4320"/>
-              </a:lnSpc>
-              <a:spcBef>
-                <a:spcPts val="0"/>
-              </a:spcBef>
-              <a:spcAft>
-                <a:spcPts val="0"/>
-              </a:spcAft>
-              <a:buClrTx/>
-              <a:buSzTx/>
-              <a:buFontTx/>
-              <a:buNone/>
-              <a:tabLst/>
-              <a:defRPr/>
-            </a:pPr>
-            <a:r>
-              <a:rPr kumimoji="0" lang="en-US" sz="3600" b="0" i="0" u="none" strike="noStrike" kern="1200" cap="none" spc="252" normalizeH="0" baseline="0" noProof="0">
-                <a:ln>
-                  <a:noFill/>
-                </a:ln>
-                <a:solidFill>
-                  <a:srgbClr val="D0C3F1"/>
-                </a:solidFill>
-                <a:effectLst/>
-                <a:uLnTx/>
-                <a:uFillTx/>
-                <a:latin typeface="Poppins Bold Italics"/>
-                <a:ea typeface="+mn-ea"/>
-                <a:cs typeface="+mn-cs"/>
-              </a:rPr>
-              <a:t>FIGHT AGAINST FAST FASHION</a:t>
-            </a:r>
-          </a:p>
-        </p:txBody>
-      </p:sp>
-      <p:pic>
-        <p:nvPicPr>
-          <p:cNvPr id="1027" name="Picture 3">
-            <a:extLst>
-              <a:ext uri="{FF2B5EF4-FFF2-40B4-BE49-F238E27FC236}">
-                <a16:creationId xmlns:a16="http://schemas.microsoft.com/office/drawing/2014/main" id="{09C6E846-C8D5-4DAB-965C-7F5840CDE4AC}"/>
+                <a16:creationId xmlns:a16="http://schemas.microsoft.com/office/drawing/2014/main" id="{63230AD3-1F8E-45C5-896C-F82E809CEED8}"/>
               </a:ext>
             </a:extLst>
           </p:cNvPr>
@@ -7562,8 +8776,8 @@
         </p:blipFill>
         <p:spPr bwMode="auto">
           <a:xfrm>
-            <a:off x="3200400" y="723900"/>
-            <a:ext cx="7284943" cy="8915400"/>
+            <a:off x="442752" y="723900"/>
+            <a:ext cx="10510783" cy="9027429"/>
           </a:xfrm>
           <a:prstGeom prst="rect">
             <a:avLst/>
@@ -7603,6 +8817,224 @@
   <p:clrMapOvr>
     <a:masterClrMapping/>
   </p:clrMapOvr>
+  <p:transition spd="slow">
+    <p:push/>
+  </p:transition>
+  <p:timing>
+    <p:tnLst>
+      <p:par>
+        <p:cTn id="1" dur="indefinite" restart="never" nodeType="tmRoot">
+          <p:childTnLst>
+            <p:seq concurrent="1" nextAc="seek">
+              <p:cTn id="2" dur="indefinite" nodeType="mainSeq">
+                <p:childTnLst>
+                  <p:par>
+                    <p:cTn id="3" fill="hold">
+                      <p:stCondLst>
+                        <p:cond delay="indefinite"/>
+                      </p:stCondLst>
+                      <p:childTnLst>
+                        <p:par>
+                          <p:cTn id="4" fill="hold">
+                            <p:stCondLst>
+                              <p:cond delay="0"/>
+                            </p:stCondLst>
+                            <p:childTnLst>
+                              <p:par>
+                                <p:cTn id="5" presetID="2" presetClass="entr" presetSubtype="8" fill="hold" nodeType="clickEffect">
+                                  <p:stCondLst>
+                                    <p:cond delay="0"/>
+                                  </p:stCondLst>
+                                  <p:childTnLst>
+                                    <p:set>
+                                      <p:cBhvr>
+                                        <p:cTn id="6" dur="1" fill="hold">
+                                          <p:stCondLst>
+                                            <p:cond delay="0"/>
+                                          </p:stCondLst>
+                                        </p:cTn>
+                                        <p:tgtEl>
+                                          <p:spTgt spid="4098"/>
+                                        </p:tgtEl>
+                                        <p:attrNameLst>
+                                          <p:attrName>style.visibility</p:attrName>
+                                        </p:attrNameLst>
+                                      </p:cBhvr>
+                                      <p:to>
+                                        <p:strVal val="visible"/>
+                                      </p:to>
+                                    </p:set>
+                                    <p:anim calcmode="lin" valueType="num">
+                                      <p:cBhvr additive="base">
+                                        <p:cTn id="7" dur="500" fill="hold"/>
+                                        <p:tgtEl>
+                                          <p:spTgt spid="4098"/>
+                                        </p:tgtEl>
+                                        <p:attrNameLst>
+                                          <p:attrName>ppt_x</p:attrName>
+                                        </p:attrNameLst>
+                                      </p:cBhvr>
+                                      <p:tavLst>
+                                        <p:tav tm="0">
+                                          <p:val>
+                                            <p:strVal val="0-#ppt_w/2"/>
+                                          </p:val>
+                                        </p:tav>
+                                        <p:tav tm="100000">
+                                          <p:val>
+                                            <p:strVal val="#ppt_x"/>
+                                          </p:val>
+                                        </p:tav>
+                                      </p:tavLst>
+                                    </p:anim>
+                                    <p:anim calcmode="lin" valueType="num">
+                                      <p:cBhvr additive="base">
+                                        <p:cTn id="8" dur="500" fill="hold"/>
+                                        <p:tgtEl>
+                                          <p:spTgt spid="4098"/>
+                                        </p:tgtEl>
+                                        <p:attrNameLst>
+                                          <p:attrName>ppt_y</p:attrName>
+                                        </p:attrNameLst>
+                                      </p:cBhvr>
+                                      <p:tavLst>
+                                        <p:tav tm="0">
+                                          <p:val>
+                                            <p:strVal val="#ppt_y"/>
+                                          </p:val>
+                                        </p:tav>
+                                        <p:tav tm="100000">
+                                          <p:val>
+                                            <p:strVal val="#ppt_y"/>
+                                          </p:val>
+                                        </p:tav>
+                                      </p:tavLst>
+                                    </p:anim>
+                                  </p:childTnLst>
+                                </p:cTn>
+                              </p:par>
+                            </p:childTnLst>
+                          </p:cTn>
+                        </p:par>
+                      </p:childTnLst>
+                    </p:cTn>
+                  </p:par>
+                  <p:par>
+                    <p:cTn id="9" fill="hold">
+                      <p:stCondLst>
+                        <p:cond delay="indefinite"/>
+                      </p:stCondLst>
+                      <p:childTnLst>
+                        <p:par>
+                          <p:cTn id="10" fill="hold">
+                            <p:stCondLst>
+                              <p:cond delay="0"/>
+                            </p:stCondLst>
+                            <p:childTnLst>
+                              <p:par>
+                                <p:cTn id="11" presetID="2" presetClass="entr" presetSubtype="2" fill="hold" grpId="0" nodeType="clickEffect">
+                                  <p:stCondLst>
+                                    <p:cond delay="0"/>
+                                  </p:stCondLst>
+                                  <p:childTnLst>
+                                    <p:set>
+                                      <p:cBhvr>
+                                        <p:cTn id="12" dur="1" fill="hold">
+                                          <p:stCondLst>
+                                            <p:cond delay="0"/>
+                                          </p:stCondLst>
+                                        </p:cTn>
+                                        <p:tgtEl>
+                                          <p:spTgt spid="7"/>
+                                        </p:tgtEl>
+                                        <p:attrNameLst>
+                                          <p:attrName>style.visibility</p:attrName>
+                                        </p:attrNameLst>
+                                      </p:cBhvr>
+                                      <p:to>
+                                        <p:strVal val="visible"/>
+                                      </p:to>
+                                    </p:set>
+                                    <p:anim calcmode="lin" valueType="num">
+                                      <p:cBhvr additive="base">
+                                        <p:cTn id="13" dur="500" fill="hold"/>
+                                        <p:tgtEl>
+                                          <p:spTgt spid="7"/>
+                                        </p:tgtEl>
+                                        <p:attrNameLst>
+                                          <p:attrName>ppt_x</p:attrName>
+                                        </p:attrNameLst>
+                                      </p:cBhvr>
+                                      <p:tavLst>
+                                        <p:tav tm="0">
+                                          <p:val>
+                                            <p:strVal val="1+#ppt_w/2"/>
+                                          </p:val>
+                                        </p:tav>
+                                        <p:tav tm="100000">
+                                          <p:val>
+                                            <p:strVal val="#ppt_x"/>
+                                          </p:val>
+                                        </p:tav>
+                                      </p:tavLst>
+                                    </p:anim>
+                                    <p:anim calcmode="lin" valueType="num">
+                                      <p:cBhvr additive="base">
+                                        <p:cTn id="14" dur="500" fill="hold"/>
+                                        <p:tgtEl>
+                                          <p:spTgt spid="7"/>
+                                        </p:tgtEl>
+                                        <p:attrNameLst>
+                                          <p:attrName>ppt_y</p:attrName>
+                                        </p:attrNameLst>
+                                      </p:cBhvr>
+                                      <p:tavLst>
+                                        <p:tav tm="0">
+                                          <p:val>
+                                            <p:strVal val="#ppt_y"/>
+                                          </p:val>
+                                        </p:tav>
+                                        <p:tav tm="100000">
+                                          <p:val>
+                                            <p:strVal val="#ppt_y"/>
+                                          </p:val>
+                                        </p:tav>
+                                      </p:tavLst>
+                                    </p:anim>
+                                  </p:childTnLst>
+                                </p:cTn>
+                              </p:par>
+                            </p:childTnLst>
+                          </p:cTn>
+                        </p:par>
+                      </p:childTnLst>
+                    </p:cTn>
+                  </p:par>
+                </p:childTnLst>
+              </p:cTn>
+              <p:prevCondLst>
+                <p:cond evt="onPrev" delay="0">
+                  <p:tgtEl>
+                    <p:sldTgt/>
+                  </p:tgtEl>
+                </p:cond>
+              </p:prevCondLst>
+              <p:nextCondLst>
+                <p:cond evt="onNext" delay="0">
+                  <p:tgtEl>
+                    <p:sldTgt/>
+                  </p:tgtEl>
+                </p:cond>
+              </p:nextCondLst>
+            </p:seq>
+          </p:childTnLst>
+        </p:cTn>
+      </p:par>
+    </p:tnLst>
+    <p:bldLst>
+      <p:bldP spid="7" grpId="0"/>
+    </p:bldLst>
+  </p:timing>
 </p:sld>
 </file>
 
@@ -7841,8 +9273,8 @@
         </p:blipFill>
         <p:spPr bwMode="auto">
           <a:xfrm>
-            <a:off x="3980566" y="1097491"/>
-            <a:ext cx="6248400" cy="8092018"/>
+            <a:off x="1371600" y="266701"/>
+            <a:ext cx="8155863" cy="9753600"/>
           </a:xfrm>
           <a:prstGeom prst="rect">
             <a:avLst/>
@@ -7877,6 +9309,224 @@
   <p:clrMapOvr>
     <a:masterClrMapping/>
   </p:clrMapOvr>
+  <p:transition spd="slow">
+    <p:push/>
+  </p:transition>
+  <p:timing>
+    <p:tnLst>
+      <p:par>
+        <p:cTn id="1" dur="indefinite" restart="never" nodeType="tmRoot">
+          <p:childTnLst>
+            <p:seq concurrent="1" nextAc="seek">
+              <p:cTn id="2" dur="indefinite" nodeType="mainSeq">
+                <p:childTnLst>
+                  <p:par>
+                    <p:cTn id="3" fill="hold">
+                      <p:stCondLst>
+                        <p:cond delay="indefinite"/>
+                      </p:stCondLst>
+                      <p:childTnLst>
+                        <p:par>
+                          <p:cTn id="4" fill="hold">
+                            <p:stCondLst>
+                              <p:cond delay="0"/>
+                            </p:stCondLst>
+                            <p:childTnLst>
+                              <p:par>
+                                <p:cTn id="5" presetID="2" presetClass="entr" presetSubtype="8" fill="hold" nodeType="clickEffect">
+                                  <p:stCondLst>
+                                    <p:cond delay="0"/>
+                                  </p:stCondLst>
+                                  <p:childTnLst>
+                                    <p:set>
+                                      <p:cBhvr>
+                                        <p:cTn id="6" dur="1" fill="hold">
+                                          <p:stCondLst>
+                                            <p:cond delay="0"/>
+                                          </p:stCondLst>
+                                        </p:cTn>
+                                        <p:tgtEl>
+                                          <p:spTgt spid="2050"/>
+                                        </p:tgtEl>
+                                        <p:attrNameLst>
+                                          <p:attrName>style.visibility</p:attrName>
+                                        </p:attrNameLst>
+                                      </p:cBhvr>
+                                      <p:to>
+                                        <p:strVal val="visible"/>
+                                      </p:to>
+                                    </p:set>
+                                    <p:anim calcmode="lin" valueType="num">
+                                      <p:cBhvr additive="base">
+                                        <p:cTn id="7" dur="1000" fill="hold"/>
+                                        <p:tgtEl>
+                                          <p:spTgt spid="2050"/>
+                                        </p:tgtEl>
+                                        <p:attrNameLst>
+                                          <p:attrName>ppt_x</p:attrName>
+                                        </p:attrNameLst>
+                                      </p:cBhvr>
+                                      <p:tavLst>
+                                        <p:tav tm="0">
+                                          <p:val>
+                                            <p:strVal val="0-#ppt_w/2"/>
+                                          </p:val>
+                                        </p:tav>
+                                        <p:tav tm="100000">
+                                          <p:val>
+                                            <p:strVal val="#ppt_x"/>
+                                          </p:val>
+                                        </p:tav>
+                                      </p:tavLst>
+                                    </p:anim>
+                                    <p:anim calcmode="lin" valueType="num">
+                                      <p:cBhvr additive="base">
+                                        <p:cTn id="8" dur="1000" fill="hold"/>
+                                        <p:tgtEl>
+                                          <p:spTgt spid="2050"/>
+                                        </p:tgtEl>
+                                        <p:attrNameLst>
+                                          <p:attrName>ppt_y</p:attrName>
+                                        </p:attrNameLst>
+                                      </p:cBhvr>
+                                      <p:tavLst>
+                                        <p:tav tm="0">
+                                          <p:val>
+                                            <p:strVal val="#ppt_y"/>
+                                          </p:val>
+                                        </p:tav>
+                                        <p:tav tm="100000">
+                                          <p:val>
+                                            <p:strVal val="#ppt_y"/>
+                                          </p:val>
+                                        </p:tav>
+                                      </p:tavLst>
+                                    </p:anim>
+                                  </p:childTnLst>
+                                </p:cTn>
+                              </p:par>
+                            </p:childTnLst>
+                          </p:cTn>
+                        </p:par>
+                      </p:childTnLst>
+                    </p:cTn>
+                  </p:par>
+                  <p:par>
+                    <p:cTn id="9" fill="hold">
+                      <p:stCondLst>
+                        <p:cond delay="indefinite"/>
+                      </p:stCondLst>
+                      <p:childTnLst>
+                        <p:par>
+                          <p:cTn id="10" fill="hold">
+                            <p:stCondLst>
+                              <p:cond delay="0"/>
+                            </p:stCondLst>
+                            <p:childTnLst>
+                              <p:par>
+                                <p:cTn id="11" presetID="2" presetClass="entr" presetSubtype="2" fill="hold" grpId="0" nodeType="clickEffect">
+                                  <p:stCondLst>
+                                    <p:cond delay="0"/>
+                                  </p:stCondLst>
+                                  <p:childTnLst>
+                                    <p:set>
+                                      <p:cBhvr>
+                                        <p:cTn id="12" dur="1" fill="hold">
+                                          <p:stCondLst>
+                                            <p:cond delay="0"/>
+                                          </p:stCondLst>
+                                        </p:cTn>
+                                        <p:tgtEl>
+                                          <p:spTgt spid="7"/>
+                                        </p:tgtEl>
+                                        <p:attrNameLst>
+                                          <p:attrName>style.visibility</p:attrName>
+                                        </p:attrNameLst>
+                                      </p:cBhvr>
+                                      <p:to>
+                                        <p:strVal val="visible"/>
+                                      </p:to>
+                                    </p:set>
+                                    <p:anim calcmode="lin" valueType="num">
+                                      <p:cBhvr additive="base">
+                                        <p:cTn id="13" dur="750" fill="hold"/>
+                                        <p:tgtEl>
+                                          <p:spTgt spid="7"/>
+                                        </p:tgtEl>
+                                        <p:attrNameLst>
+                                          <p:attrName>ppt_x</p:attrName>
+                                        </p:attrNameLst>
+                                      </p:cBhvr>
+                                      <p:tavLst>
+                                        <p:tav tm="0">
+                                          <p:val>
+                                            <p:strVal val="1+#ppt_w/2"/>
+                                          </p:val>
+                                        </p:tav>
+                                        <p:tav tm="100000">
+                                          <p:val>
+                                            <p:strVal val="#ppt_x"/>
+                                          </p:val>
+                                        </p:tav>
+                                      </p:tavLst>
+                                    </p:anim>
+                                    <p:anim calcmode="lin" valueType="num">
+                                      <p:cBhvr additive="base">
+                                        <p:cTn id="14" dur="750" fill="hold"/>
+                                        <p:tgtEl>
+                                          <p:spTgt spid="7"/>
+                                        </p:tgtEl>
+                                        <p:attrNameLst>
+                                          <p:attrName>ppt_y</p:attrName>
+                                        </p:attrNameLst>
+                                      </p:cBhvr>
+                                      <p:tavLst>
+                                        <p:tav tm="0">
+                                          <p:val>
+                                            <p:strVal val="#ppt_y"/>
+                                          </p:val>
+                                        </p:tav>
+                                        <p:tav tm="100000">
+                                          <p:val>
+                                            <p:strVal val="#ppt_y"/>
+                                          </p:val>
+                                        </p:tav>
+                                      </p:tavLst>
+                                    </p:anim>
+                                  </p:childTnLst>
+                                </p:cTn>
+                              </p:par>
+                            </p:childTnLst>
+                          </p:cTn>
+                        </p:par>
+                      </p:childTnLst>
+                    </p:cTn>
+                  </p:par>
+                </p:childTnLst>
+              </p:cTn>
+              <p:prevCondLst>
+                <p:cond evt="onPrev" delay="0">
+                  <p:tgtEl>
+                    <p:sldTgt/>
+                  </p:tgtEl>
+                </p:cond>
+              </p:prevCondLst>
+              <p:nextCondLst>
+                <p:cond evt="onNext" delay="0">
+                  <p:tgtEl>
+                    <p:sldTgt/>
+                  </p:tgtEl>
+                </p:cond>
+              </p:nextCondLst>
+            </p:seq>
+          </p:childTnLst>
+        </p:cTn>
+      </p:par>
+    </p:tnLst>
+    <p:bldLst>
+      <p:bldP spid="7" grpId="0"/>
+    </p:bldLst>
+  </p:timing>
 </p:sld>
 </file>
 
@@ -8080,17 +9730,37 @@
             </a:bodyPr>
             <a:lstStyle/>
             <a:p>
-              <a:pPr algn="ctr">
+              <a:pPr marL="0" marR="0" lvl="0" indent="0" algn="ctr" defTabSz="914400" rtl="0" eaLnBrk="1" fontAlgn="auto" latinLnBrk="0" hangingPunct="1">
                 <a:lnSpc>
                   <a:spcPts val="4320"/>
                 </a:lnSpc>
+                <a:spcBef>
+                  <a:spcPts val="0"/>
+                </a:spcBef>
+                <a:spcAft>
+                  <a:spcPts val="0"/>
+                </a:spcAft>
+                <a:buClrTx/>
+                <a:buSzTx/>
+                <a:buFontTx/>
+                <a:buNone/>
+                <a:tabLst/>
+                <a:defRPr/>
               </a:pPr>
               <a:r>
-                <a:rPr lang="en-US" sz="3600" spc="252">
+                <a:rPr kumimoji="0" lang="en-US" sz="3600" b="0" i="0" u="none" strike="noStrike" kern="1200" cap="none" spc="252" normalizeH="0" baseline="0" noProof="0">
+                  <a:ln>
+                    <a:noFill/>
+                  </a:ln>
                   <a:solidFill>
                     <a:srgbClr val="D0C3F1"/>
                   </a:solidFill>
+                  <a:effectLst/>
+                  <a:uLnTx/>
+                  <a:uFillTx/>
                   <a:latin typeface="Poppins Bold Italics"/>
+                  <a:ea typeface="+mn-ea"/>
+                  <a:cs typeface="+mn-cs"/>
                 </a:rPr>
                 <a:t>WE VALUE TRANSPARENCY.</a:t>
               </a:r>
@@ -8118,17 +9788,37 @@
             </a:bodyPr>
             <a:lstStyle/>
             <a:p>
-              <a:pPr algn="ctr">
+              <a:pPr marL="0" marR="0" lvl="0" indent="0" algn="ctr" defTabSz="914400" rtl="0" eaLnBrk="1" fontAlgn="auto" latinLnBrk="0" hangingPunct="1">
                 <a:lnSpc>
                   <a:spcPts val="4500"/>
                 </a:lnSpc>
+                <a:spcBef>
+                  <a:spcPts val="0"/>
+                </a:spcBef>
+                <a:spcAft>
+                  <a:spcPts val="0"/>
+                </a:spcAft>
+                <a:buClrTx/>
+                <a:buSzTx/>
+                <a:buFontTx/>
+                <a:buNone/>
+                <a:tabLst/>
+                <a:defRPr/>
               </a:pPr>
               <a:r>
-                <a:rPr lang="en-US" sz="2800">
+                <a:rPr kumimoji="0" lang="en-US" sz="2800" b="0" i="0" u="none" strike="noStrike" kern="1200" cap="none" spc="0" normalizeH="0" baseline="0" noProof="0">
+                  <a:ln>
+                    <a:noFill/>
+                  </a:ln>
                   <a:solidFill>
                     <a:srgbClr val="D0C3F1"/>
                   </a:solidFill>
+                  <a:effectLst/>
+                  <a:uLnTx/>
+                  <a:uFillTx/>
                   <a:latin typeface="Poppins Light"/>
+                  <a:ea typeface="+mn-ea"/>
+                  <a:cs typeface="+mn-cs"/>
                 </a:rPr>
                 <a:t>Presentations are communication tools that can be used as demonstrations, lectures, speeches, reports, and more.</a:t>
               </a:r>
@@ -8141,6 +9831,9 @@
   <p:clrMapOvr>
     <a:masterClrMapping/>
   </p:clrMapOvr>
+  <p:transition spd="slow">
+    <p:push/>
+  </p:transition>
 </p:sld>
 </file>
 
@@ -8330,17 +10023,37 @@
           </a:bodyPr>
           <a:lstStyle/>
           <a:p>
-            <a:pPr algn="ctr">
+            <a:pPr marL="0" marR="0" lvl="0" indent="0" algn="ctr" defTabSz="914400" rtl="0" eaLnBrk="1" fontAlgn="auto" latinLnBrk="0" hangingPunct="1">
               <a:lnSpc>
                 <a:spcPts val="4500"/>
               </a:lnSpc>
+              <a:spcBef>
+                <a:spcPts val="0"/>
+              </a:spcBef>
+              <a:spcAft>
+                <a:spcPts val="0"/>
+              </a:spcAft>
+              <a:buClrTx/>
+              <a:buSzTx/>
+              <a:buFontTx/>
+              <a:buNone/>
+              <a:tabLst/>
+              <a:defRPr/>
             </a:pPr>
             <a:r>
-              <a:rPr lang="en-US" sz="3000">
+              <a:rPr kumimoji="0" lang="en-US" sz="3000" b="0" i="0" u="none" strike="noStrike" kern="1200" cap="none" spc="0" normalizeH="0" baseline="0" noProof="0">
+                <a:ln>
+                  <a:noFill/>
+                </a:ln>
                 <a:solidFill>
                   <a:srgbClr val="D0C3F1"/>
                 </a:solidFill>
+                <a:effectLst/>
+                <a:uLnTx/>
+                <a:uFillTx/>
                 <a:latin typeface="Poppins Light"/>
+                <a:ea typeface="+mn-ea"/>
+                <a:cs typeface="+mn-cs"/>
               </a:rPr>
               <a:t>Cool</a:t>
             </a:r>
@@ -8603,17 +10316,37 @@
           </a:bodyPr>
           <a:lstStyle/>
           <a:p>
-            <a:pPr algn="ctr">
+            <a:pPr marL="0" marR="0" lvl="0" indent="0" algn="ctr" defTabSz="914400" rtl="0" eaLnBrk="1" fontAlgn="auto" latinLnBrk="0" hangingPunct="1">
               <a:lnSpc>
                 <a:spcPts val="4500"/>
               </a:lnSpc>
+              <a:spcBef>
+                <a:spcPts val="0"/>
+              </a:spcBef>
+              <a:spcAft>
+                <a:spcPts val="0"/>
+              </a:spcAft>
+              <a:buClrTx/>
+              <a:buSzTx/>
+              <a:buFontTx/>
+              <a:buNone/>
+              <a:tabLst/>
+              <a:defRPr/>
             </a:pPr>
             <a:r>
-              <a:rPr lang="en-US" sz="3000">
+              <a:rPr kumimoji="0" lang="en-US" sz="3000" b="0" i="0" u="none" strike="noStrike" kern="1200" cap="none" spc="0" normalizeH="0" baseline="0" noProof="0">
+                <a:ln>
+                  <a:noFill/>
+                </a:ln>
                 <a:solidFill>
                   <a:srgbClr val="D0C3F1"/>
                 </a:solidFill>
+                <a:effectLst/>
+                <a:uLnTx/>
+                <a:uFillTx/>
                 <a:latin typeface="Poppins Light"/>
+                <a:ea typeface="+mn-ea"/>
+                <a:cs typeface="+mn-cs"/>
               </a:rPr>
               <a:t>Chic</a:t>
             </a:r>
@@ -8790,17 +10523,37 @@
           </a:bodyPr>
           <a:lstStyle/>
           <a:p>
-            <a:pPr algn="ctr">
+            <a:pPr marL="0" marR="0" lvl="0" indent="0" algn="ctr" defTabSz="914400" rtl="0" eaLnBrk="1" fontAlgn="auto" latinLnBrk="0" hangingPunct="1">
               <a:lnSpc>
                 <a:spcPts val="4500"/>
               </a:lnSpc>
+              <a:spcBef>
+                <a:spcPts val="0"/>
+              </a:spcBef>
+              <a:spcAft>
+                <a:spcPts val="0"/>
+              </a:spcAft>
+              <a:buClrTx/>
+              <a:buSzTx/>
+              <a:buFontTx/>
+              <a:buNone/>
+              <a:tabLst/>
+              <a:defRPr/>
             </a:pPr>
             <a:r>
-              <a:rPr lang="en-US" sz="3000">
+              <a:rPr kumimoji="0" lang="en-US" sz="3000" b="0" i="0" u="none" strike="noStrike" kern="1200" cap="none" spc="0" normalizeH="0" baseline="0" noProof="0">
+                <a:ln>
+                  <a:noFill/>
+                </a:ln>
                 <a:solidFill>
                   <a:srgbClr val="D0C3F1"/>
                 </a:solidFill>
+                <a:effectLst/>
+                <a:uLnTx/>
+                <a:uFillTx/>
                 <a:latin typeface="Poppins Light"/>
+                <a:ea typeface="+mn-ea"/>
+                <a:cs typeface="+mn-cs"/>
               </a:rPr>
               <a:t>Effortless</a:t>
             </a:r>
@@ -8891,17 +10644,37 @@
           </a:bodyPr>
           <a:lstStyle/>
           <a:p>
-            <a:pPr algn="ctr">
+            <a:pPr marL="0" marR="0" lvl="0" indent="0" algn="ctr" defTabSz="914400" rtl="0" eaLnBrk="1" fontAlgn="auto" latinLnBrk="0" hangingPunct="1">
               <a:lnSpc>
                 <a:spcPts val="4500"/>
               </a:lnSpc>
+              <a:spcBef>
+                <a:spcPts val="0"/>
+              </a:spcBef>
+              <a:spcAft>
+                <a:spcPts val="0"/>
+              </a:spcAft>
+              <a:buClrTx/>
+              <a:buSzTx/>
+              <a:buFontTx/>
+              <a:buNone/>
+              <a:tabLst/>
+              <a:defRPr/>
             </a:pPr>
             <a:r>
-              <a:rPr lang="en-US" sz="3000">
+              <a:rPr kumimoji="0" lang="en-US" sz="3000" b="0" i="0" u="none" strike="noStrike" kern="1200" cap="none" spc="0" normalizeH="0" baseline="0" noProof="0">
+                <a:ln>
+                  <a:noFill/>
+                </a:ln>
                 <a:solidFill>
                   <a:srgbClr val="D0C3F1"/>
                 </a:solidFill>
+                <a:effectLst/>
+                <a:uLnTx/>
+                <a:uFillTx/>
                 <a:latin typeface="Poppins Light"/>
+                <a:ea typeface="+mn-ea"/>
+                <a:cs typeface="+mn-cs"/>
               </a:rPr>
               <a:t>Confident</a:t>
             </a:r>
@@ -9078,17 +10851,37 @@
           </a:bodyPr>
           <a:lstStyle/>
           <a:p>
-            <a:pPr>
+            <a:pPr marL="0" marR="0" lvl="0" indent="0" algn="l" defTabSz="914400" rtl="0" eaLnBrk="1" fontAlgn="auto" latinLnBrk="0" hangingPunct="1">
               <a:lnSpc>
                 <a:spcPts val="7039"/>
               </a:lnSpc>
+              <a:spcBef>
+                <a:spcPts val="0"/>
+              </a:spcBef>
+              <a:spcAft>
+                <a:spcPts val="0"/>
+              </a:spcAft>
+              <a:buClrTx/>
+              <a:buSzTx/>
+              <a:buFontTx/>
+              <a:buNone/>
+              <a:tabLst/>
+              <a:defRPr/>
             </a:pPr>
             <a:r>
-              <a:rPr lang="en-US" sz="6399" spc="-191">
+              <a:rPr kumimoji="0" lang="en-US" sz="6399" b="0" i="0" u="none" strike="noStrike" kern="1200" cap="none" spc="-191" normalizeH="0" baseline="0" noProof="0">
+                <a:ln>
+                  <a:noFill/>
+                </a:ln>
                 <a:solidFill>
                   <a:srgbClr val="D0C3F1"/>
                 </a:solidFill>
+                <a:effectLst/>
+                <a:uLnTx/>
+                <a:uFillTx/>
                 <a:latin typeface="Poppins Bold Bold Italics"/>
+                <a:ea typeface="+mn-ea"/>
+                <a:cs typeface="+mn-cs"/>
               </a:rPr>
               <a:t>IT'S ALL ABOUT YOU</a:t>
             </a:r>
@@ -9100,6 +10893,9 @@
   <p:clrMapOvr>
     <a:masterClrMapping/>
   </p:clrMapOvr>
+  <p:transition spd="slow">
+    <p:push/>
+  </p:transition>
 </p:sld>
 </file>
 
@@ -9303,17 +11099,37 @@
             </a:bodyPr>
             <a:lstStyle/>
             <a:p>
-              <a:pPr algn="r">
+              <a:pPr marL="0" marR="0" lvl="0" indent="0" algn="r" defTabSz="914400" rtl="0" eaLnBrk="1" fontAlgn="auto" latinLnBrk="0" hangingPunct="1">
                 <a:lnSpc>
                   <a:spcPts val="4320"/>
                 </a:lnSpc>
+                <a:spcBef>
+                  <a:spcPts val="0"/>
+                </a:spcBef>
+                <a:spcAft>
+                  <a:spcPts val="0"/>
+                </a:spcAft>
+                <a:buClrTx/>
+                <a:buSzTx/>
+                <a:buFontTx/>
+                <a:buNone/>
+                <a:tabLst/>
+                <a:defRPr/>
               </a:pPr>
               <a:r>
-                <a:rPr lang="en-US" sz="3600" spc="252">
+                <a:rPr kumimoji="0" lang="en-US" sz="3600" b="0" i="0" u="none" strike="noStrike" kern="1200" cap="none" spc="252" normalizeH="0" baseline="0" noProof="0">
+                  <a:ln>
+                    <a:noFill/>
+                  </a:ln>
                   <a:solidFill>
                     <a:srgbClr val="D0C3F1"/>
                   </a:solidFill>
+                  <a:effectLst/>
+                  <a:uLnTx/>
+                  <a:uFillTx/>
                   <a:latin typeface="Poppins Bold Italics"/>
+                  <a:ea typeface="+mn-ea"/>
+                  <a:cs typeface="+mn-cs"/>
                 </a:rPr>
                 <a:t>WASTE RECYCLED ANNUALLY</a:t>
               </a:r>
@@ -9341,17 +11157,37 @@
             </a:bodyPr>
             <a:lstStyle/>
             <a:p>
-              <a:pPr algn="r">
+              <a:pPr marL="0" marR="0" lvl="0" indent="0" algn="r" defTabSz="914400" rtl="0" eaLnBrk="1" fontAlgn="auto" latinLnBrk="0" hangingPunct="1">
                 <a:lnSpc>
                   <a:spcPts val="4500"/>
                 </a:lnSpc>
+                <a:spcBef>
+                  <a:spcPts val="0"/>
+                </a:spcBef>
+                <a:spcAft>
+                  <a:spcPts val="0"/>
+                </a:spcAft>
+                <a:buClrTx/>
+                <a:buSzTx/>
+                <a:buFontTx/>
+                <a:buNone/>
+                <a:tabLst/>
+                <a:defRPr/>
               </a:pPr>
               <a:r>
-                <a:rPr lang="en-US" sz="3000">
+                <a:rPr kumimoji="0" lang="en-US" sz="3000" b="0" i="0" u="none" strike="noStrike" kern="1200" cap="none" spc="0" normalizeH="0" baseline="0" noProof="0">
+                  <a:ln>
+                    <a:noFill/>
+                  </a:ln>
                   <a:solidFill>
                     <a:srgbClr val="D0C3F1"/>
                   </a:solidFill>
+                  <a:effectLst/>
+                  <a:uLnTx/>
+                  <a:uFillTx/>
                   <a:latin typeface="Poppins Light"/>
+                  <a:ea typeface="+mn-ea"/>
+                  <a:cs typeface="+mn-cs"/>
                 </a:rPr>
                 <a:t>Presentations are communication tools that can be used as demonstrations.</a:t>
               </a:r>
@@ -9379,17 +11215,37 @@
             </a:bodyPr>
             <a:lstStyle/>
             <a:p>
-              <a:pPr algn="r">
+              <a:pPr marL="0" marR="0" lvl="0" indent="0" algn="r" defTabSz="914400" rtl="0" eaLnBrk="1" fontAlgn="auto" latinLnBrk="0" hangingPunct="1">
                 <a:lnSpc>
                   <a:spcPts val="7039"/>
                 </a:lnSpc>
+                <a:spcBef>
+                  <a:spcPts val="0"/>
+                </a:spcBef>
+                <a:spcAft>
+                  <a:spcPts val="0"/>
+                </a:spcAft>
+                <a:buClrTx/>
+                <a:buSzTx/>
+                <a:buFontTx/>
+                <a:buNone/>
+                <a:tabLst/>
+                <a:defRPr/>
               </a:pPr>
               <a:r>
-                <a:rPr lang="en-US" sz="6399" spc="-191">
+                <a:rPr kumimoji="0" lang="en-US" sz="6399" b="0" i="0" u="none" strike="noStrike" kern="1200" cap="none" spc="-191" normalizeH="0" baseline="0" noProof="0">
+                  <a:ln>
+                    <a:noFill/>
+                  </a:ln>
                   <a:solidFill>
                     <a:srgbClr val="D0C3F1"/>
                   </a:solidFill>
+                  <a:effectLst/>
+                  <a:uLnTx/>
+                  <a:uFillTx/>
                   <a:latin typeface="Poppins Bold Bold Italics"/>
+                  <a:ea typeface="+mn-ea"/>
+                  <a:cs typeface="+mn-cs"/>
                 </a:rPr>
                 <a:t>2.5 TONS</a:t>
               </a:r>
@@ -9402,6 +11258,9 @@
   <p:clrMapOvr>
     <a:masterClrMapping/>
   </p:clrMapOvr>
+  <p:transition spd="slow">
+    <p:push/>
+  </p:transition>
 </p:sld>
 </file>
 
@@ -9605,17 +11464,37 @@
             </a:bodyPr>
             <a:lstStyle/>
             <a:p>
-              <a:pPr algn="ctr">
+              <a:pPr marL="0" marR="0" lvl="0" indent="0" algn="ctr" defTabSz="914400" rtl="0" eaLnBrk="1" fontAlgn="auto" latinLnBrk="0" hangingPunct="1">
                 <a:lnSpc>
                   <a:spcPts val="4159"/>
                 </a:lnSpc>
+                <a:spcBef>
+                  <a:spcPts val="0"/>
+                </a:spcBef>
+                <a:spcAft>
+                  <a:spcPts val="0"/>
+                </a:spcAft>
+                <a:buClrTx/>
+                <a:buSzTx/>
+                <a:buFontTx/>
+                <a:buNone/>
+                <a:tabLst/>
+                <a:defRPr/>
               </a:pPr>
               <a:r>
-                <a:rPr lang="en-US" sz="3199" spc="319">
+                <a:rPr kumimoji="0" lang="en-US" sz="3199" b="0" i="0" u="none" strike="noStrike" kern="1200" cap="none" spc="319" normalizeH="0" baseline="0" noProof="0">
+                  <a:ln>
+                    <a:noFill/>
+                  </a:ln>
                   <a:solidFill>
                     <a:srgbClr val="D0C3F1"/>
                   </a:solidFill>
+                  <a:effectLst/>
+                  <a:uLnTx/>
+                  <a:uFillTx/>
                   <a:latin typeface="Poppins Light Bold"/>
+                  <a:ea typeface="+mn-ea"/>
+                  <a:cs typeface="+mn-cs"/>
                 </a:rPr>
                 <a:t>SOURCING AND RECYCLING</a:t>
               </a:r>
@@ -9643,17 +11522,37 @@
             </a:bodyPr>
             <a:lstStyle/>
             <a:p>
-              <a:pPr algn="ctr">
+              <a:pPr marL="0" marR="0" lvl="0" indent="0" algn="ctr" defTabSz="914400" rtl="0" eaLnBrk="1" fontAlgn="auto" latinLnBrk="0" hangingPunct="1">
                 <a:lnSpc>
                   <a:spcPts val="3900"/>
                 </a:lnSpc>
+                <a:spcBef>
+                  <a:spcPts val="0"/>
+                </a:spcBef>
+                <a:spcAft>
+                  <a:spcPts val="0"/>
+                </a:spcAft>
+                <a:buClrTx/>
+                <a:buSzTx/>
+                <a:buFontTx/>
+                <a:buNone/>
+                <a:tabLst/>
+                <a:defRPr/>
               </a:pPr>
               <a:r>
-                <a:rPr lang="en-US" sz="2600">
+                <a:rPr kumimoji="0" lang="en-US" sz="2600" b="0" i="0" u="none" strike="noStrike" kern="1200" cap="none" spc="0" normalizeH="0" baseline="0" noProof="0">
+                  <a:ln>
+                    <a:noFill/>
+                  </a:ln>
                   <a:solidFill>
                     <a:srgbClr val="D0C3F1"/>
                   </a:solidFill>
+                  <a:effectLst/>
+                  <a:uLnTx/>
+                  <a:uFillTx/>
                   <a:latin typeface="Poppins Light"/>
+                  <a:ea typeface="+mn-ea"/>
+                  <a:cs typeface="+mn-cs"/>
                 </a:rPr>
                 <a:t>Presentations are communication tools.</a:t>
               </a:r>
@@ -9696,17 +11595,37 @@
             </a:bodyPr>
             <a:lstStyle/>
             <a:p>
-              <a:pPr algn="ctr">
+              <a:pPr marL="0" marR="0" lvl="0" indent="0" algn="ctr" defTabSz="914400" rtl="0" eaLnBrk="1" fontAlgn="auto" latinLnBrk="0" hangingPunct="1">
                 <a:lnSpc>
                   <a:spcPts val="4159"/>
                 </a:lnSpc>
+                <a:spcBef>
+                  <a:spcPts val="0"/>
+                </a:spcBef>
+                <a:spcAft>
+                  <a:spcPts val="0"/>
+                </a:spcAft>
+                <a:buClrTx/>
+                <a:buSzTx/>
+                <a:buFontTx/>
+                <a:buNone/>
+                <a:tabLst/>
+                <a:defRPr/>
               </a:pPr>
               <a:r>
-                <a:rPr lang="en-US" sz="3199" spc="319">
+                <a:rPr kumimoji="0" lang="en-US" sz="3199" b="0" i="0" u="none" strike="noStrike" kern="1200" cap="none" spc="319" normalizeH="0" baseline="0" noProof="0">
+                  <a:ln>
+                    <a:noFill/>
+                  </a:ln>
                   <a:solidFill>
                     <a:srgbClr val="D0C3F1"/>
                   </a:solidFill>
+                  <a:effectLst/>
+                  <a:uLnTx/>
+                  <a:uFillTx/>
                   <a:latin typeface="Poppins Light Bold"/>
+                  <a:ea typeface="+mn-ea"/>
+                  <a:cs typeface="+mn-cs"/>
                 </a:rPr>
                 <a:t>CUTTING AND SEWING</a:t>
               </a:r>
@@ -9734,17 +11653,37 @@
             </a:bodyPr>
             <a:lstStyle/>
             <a:p>
-              <a:pPr algn="ctr">
+              <a:pPr marL="0" marR="0" lvl="0" indent="0" algn="ctr" defTabSz="914400" rtl="0" eaLnBrk="1" fontAlgn="auto" latinLnBrk="0" hangingPunct="1">
                 <a:lnSpc>
                   <a:spcPts val="3900"/>
                 </a:lnSpc>
+                <a:spcBef>
+                  <a:spcPts val="0"/>
+                </a:spcBef>
+                <a:spcAft>
+                  <a:spcPts val="0"/>
+                </a:spcAft>
+                <a:buClrTx/>
+                <a:buSzTx/>
+                <a:buFontTx/>
+                <a:buNone/>
+                <a:tabLst/>
+                <a:defRPr/>
               </a:pPr>
               <a:r>
-                <a:rPr lang="en-US" sz="2600">
+                <a:rPr kumimoji="0" lang="en-US" sz="2600" b="0" i="0" u="none" strike="noStrike" kern="1200" cap="none" spc="0" normalizeH="0" baseline="0" noProof="0">
+                  <a:ln>
+                    <a:noFill/>
+                  </a:ln>
                   <a:solidFill>
                     <a:srgbClr val="D0C3F1"/>
                   </a:solidFill>
+                  <a:effectLst/>
+                  <a:uLnTx/>
+                  <a:uFillTx/>
                   <a:latin typeface="Poppins Light"/>
+                  <a:ea typeface="+mn-ea"/>
+                  <a:cs typeface="+mn-cs"/>
                 </a:rPr>
                 <a:t>Presentations are communication tools.</a:t>
               </a:r>
@@ -9787,17 +11726,37 @@
             </a:bodyPr>
             <a:lstStyle/>
             <a:p>
-              <a:pPr algn="ctr">
+              <a:pPr marL="0" marR="0" lvl="0" indent="0" algn="ctr" defTabSz="914400" rtl="0" eaLnBrk="1" fontAlgn="auto" latinLnBrk="0" hangingPunct="1">
                 <a:lnSpc>
                   <a:spcPts val="4159"/>
                 </a:lnSpc>
+                <a:spcBef>
+                  <a:spcPts val="0"/>
+                </a:spcBef>
+                <a:spcAft>
+                  <a:spcPts val="0"/>
+                </a:spcAft>
+                <a:buClrTx/>
+                <a:buSzTx/>
+                <a:buFontTx/>
+                <a:buNone/>
+                <a:tabLst/>
+                <a:defRPr/>
               </a:pPr>
               <a:r>
-                <a:rPr lang="en-US" sz="3199" spc="319">
+                <a:rPr kumimoji="0" lang="en-US" sz="3199" b="0" i="0" u="none" strike="noStrike" kern="1200" cap="none" spc="319" normalizeH="0" baseline="0" noProof="0">
+                  <a:ln>
+                    <a:noFill/>
+                  </a:ln>
                   <a:solidFill>
                     <a:srgbClr val="D0C3F1"/>
                   </a:solidFill>
+                  <a:effectLst/>
+                  <a:uLnTx/>
+                  <a:uFillTx/>
                   <a:latin typeface="Poppins Light Bold"/>
+                  <a:ea typeface="+mn-ea"/>
+                  <a:cs typeface="+mn-cs"/>
                 </a:rPr>
                 <a:t>PACKAGING</a:t>
               </a:r>
@@ -9825,17 +11784,37 @@
             </a:bodyPr>
             <a:lstStyle/>
             <a:p>
-              <a:pPr algn="ctr">
+              <a:pPr marL="0" marR="0" lvl="0" indent="0" algn="ctr" defTabSz="914400" rtl="0" eaLnBrk="1" fontAlgn="auto" latinLnBrk="0" hangingPunct="1">
                 <a:lnSpc>
                   <a:spcPts val="3900"/>
                 </a:lnSpc>
+                <a:spcBef>
+                  <a:spcPts val="0"/>
+                </a:spcBef>
+                <a:spcAft>
+                  <a:spcPts val="0"/>
+                </a:spcAft>
+                <a:buClrTx/>
+                <a:buSzTx/>
+                <a:buFontTx/>
+                <a:buNone/>
+                <a:tabLst/>
+                <a:defRPr/>
               </a:pPr>
               <a:r>
-                <a:rPr lang="en-US" sz="2600">
+                <a:rPr kumimoji="0" lang="en-US" sz="2600" b="0" i="0" u="none" strike="noStrike" kern="1200" cap="none" spc="0" normalizeH="0" baseline="0" noProof="0">
+                  <a:ln>
+                    <a:noFill/>
+                  </a:ln>
                   <a:solidFill>
                     <a:srgbClr val="D0C3F1"/>
                   </a:solidFill>
+                  <a:effectLst/>
+                  <a:uLnTx/>
+                  <a:uFillTx/>
                   <a:latin typeface="Poppins Light"/>
+                  <a:ea typeface="+mn-ea"/>
+                  <a:cs typeface="+mn-cs"/>
                 </a:rPr>
                 <a:t>Presentations are communication tools.</a:t>
               </a:r>
@@ -9848,6 +11827,9 @@
   <p:clrMapOvr>
     <a:masterClrMapping/>
   </p:clrMapOvr>
+  <p:transition spd="slow">
+    <p:push/>
+  </p:transition>
 </p:sld>
 </file>
 
@@ -9885,14 +11867,14 @@
           <p:nvPr/>
         </p:nvPicPr>
         <p:blipFill>
-          <a:blip r:embed="rId2">
+          <a:blip r:embed="rId3">
             <a:alphaModFix amt="80000"/>
             <a:extLst>
               <a:ext uri="{28A0092B-C50C-407E-A947-70E740481C1C}">
                 <a14:useLocalDpi xmlns:a14="http://schemas.microsoft.com/office/drawing/2010/main" val="0"/>
               </a:ext>
               <a:ext uri="{96DAC541-7B7A-43D3-8B79-37D633B846F1}">
-                <asvg:svgBlip xmlns:asvg="http://schemas.microsoft.com/office/drawing/2016/SVG/main" r:embed="rId3"/>
+                <asvg:svgBlip xmlns:asvg="http://schemas.microsoft.com/office/drawing/2016/SVG/main" r:embed="rId4"/>
               </a:ext>
             </a:extLst>
           </a:blip>
@@ -9920,14 +11902,14 @@
           <p:nvPr/>
         </p:nvPicPr>
         <p:blipFill>
-          <a:blip r:embed="rId2">
+          <a:blip r:embed="rId3">
             <a:alphaModFix amt="80000"/>
             <a:extLst>
               <a:ext uri="{28A0092B-C50C-407E-A947-70E740481C1C}">
                 <a14:useLocalDpi xmlns:a14="http://schemas.microsoft.com/office/drawing/2010/main" val="0"/>
               </a:ext>
               <a:ext uri="{96DAC541-7B7A-43D3-8B79-37D633B846F1}">
-                <asvg:svgBlip xmlns:asvg="http://schemas.microsoft.com/office/drawing/2016/SVG/main" r:embed="rId3"/>
+                <asvg:svgBlip xmlns:asvg="http://schemas.microsoft.com/office/drawing/2016/SVG/main" r:embed="rId4"/>
               </a:ext>
             </a:extLst>
           </a:blip>
@@ -9955,14 +11937,14 @@
           <p:nvPr/>
         </p:nvPicPr>
         <p:blipFill>
-          <a:blip r:embed="rId4">
+          <a:blip r:embed="rId5">
             <a:alphaModFix amt="80000"/>
             <a:extLst>
               <a:ext uri="{28A0092B-C50C-407E-A947-70E740481C1C}">
                 <a14:useLocalDpi xmlns:a14="http://schemas.microsoft.com/office/drawing/2010/main" val="0"/>
               </a:ext>
               <a:ext uri="{96DAC541-7B7A-43D3-8B79-37D633B846F1}">
-                <asvg:svgBlip xmlns:asvg="http://schemas.microsoft.com/office/drawing/2016/SVG/main" r:embed="rId5"/>
+                <asvg:svgBlip xmlns:asvg="http://schemas.microsoft.com/office/drawing/2016/SVG/main" r:embed="rId6"/>
               </a:ext>
             </a:extLst>
           </a:blip>
@@ -9990,14 +11972,14 @@
           <p:nvPr/>
         </p:nvPicPr>
         <p:blipFill>
-          <a:blip r:embed="rId4">
+          <a:blip r:embed="rId5">
             <a:alphaModFix amt="80000"/>
             <a:extLst>
               <a:ext uri="{28A0092B-C50C-407E-A947-70E740481C1C}">
                 <a14:useLocalDpi xmlns:a14="http://schemas.microsoft.com/office/drawing/2010/main" val="0"/>
               </a:ext>
               <a:ext uri="{96DAC541-7B7A-43D3-8B79-37D633B846F1}">
-                <asvg:svgBlip xmlns:asvg="http://schemas.microsoft.com/office/drawing/2016/SVG/main" r:embed="rId5"/>
+                <asvg:svgBlip xmlns:asvg="http://schemas.microsoft.com/office/drawing/2016/SVG/main" r:embed="rId6"/>
               </a:ext>
             </a:extLst>
           </a:blip>
@@ -10113,15 +12095,12 @@
                   <a:spcPts val="3900"/>
                 </a:lnSpc>
               </a:pPr>
-              <a:r>
-                <a:rPr lang="en-US" sz="2600">
-                  <a:solidFill>
-                    <a:srgbClr val="D0C3F1"/>
-                  </a:solidFill>
-                  <a:latin typeface="Abadi" panose="020B0604020104020204" pitchFamily="34" charset="0"/>
-                </a:rPr>
-                <a:t>Presentations are communication tools.</a:t>
-              </a:r>
+              <a:endParaRPr lang="en-US" sz="2600">
+                <a:solidFill>
+                  <a:srgbClr val="D0C3F1"/>
+                </a:solidFill>
+                <a:latin typeface="Abadi" panose="020B0604020104020204" pitchFamily="34" charset="0"/>
+              </a:endParaRPr>
             </a:p>
           </p:txBody>
         </p:sp>
@@ -10135,9 +12114,9 @@
         <p:grpSpPr>
           <a:xfrm>
             <a:off x="7469508" y="7505700"/>
-            <a:ext cx="4762900" cy="1598651"/>
+            <a:ext cx="4762900" cy="1098514"/>
             <a:chOff x="0" y="-38100"/>
-            <a:chExt cx="6350533" cy="2131535"/>
+            <a:chExt cx="6350533" cy="1464685"/>
           </a:xfrm>
         </p:grpSpPr>
         <p:sp>
@@ -10197,7 +12176,7 @@
           <p:spPr>
             <a:xfrm>
               <a:off x="0" y="810604"/>
-              <a:ext cx="6350533" cy="1282831"/>
+              <a:ext cx="6350533" cy="615981"/>
             </a:xfrm>
             <a:prstGeom prst="rect">
               <a:avLst/>
@@ -10214,15 +12193,12 @@
                   <a:spcPts val="3900"/>
                 </a:lnSpc>
               </a:pPr>
-              <a:r>
-                <a:rPr lang="en-US" sz="2600">
-                  <a:solidFill>
-                    <a:srgbClr val="D0C3F1"/>
-                  </a:solidFill>
-                  <a:latin typeface="Abadi" panose="020B0604020104020204" pitchFamily="34" charset="0"/>
-                </a:rPr>
-                <a:t>Presentations are communication tools.</a:t>
-              </a:r>
+              <a:endParaRPr lang="en-US" sz="2600">
+                <a:solidFill>
+                  <a:srgbClr val="D0C3F1"/>
+                </a:solidFill>
+                <a:latin typeface="Abadi" panose="020B0604020104020204" pitchFamily="34" charset="0"/>
+              </a:endParaRPr>
             </a:p>
           </p:txBody>
         </p:sp>
@@ -10531,9 +12507,9 @@
         <p:grpSpPr>
           <a:xfrm>
             <a:off x="1828800" y="5295900"/>
-            <a:ext cx="4762900" cy="1636802"/>
+            <a:ext cx="4762900" cy="1098514"/>
             <a:chOff x="0" y="-38100"/>
-            <a:chExt cx="6350533" cy="2182403"/>
+            <a:chExt cx="6350533" cy="1464685"/>
           </a:xfrm>
         </p:grpSpPr>
         <p:sp>
@@ -10583,7 +12559,7 @@
           <p:spPr>
             <a:xfrm>
               <a:off x="0" y="810604"/>
-              <a:ext cx="6350533" cy="1333699"/>
+              <a:ext cx="6350533" cy="615981"/>
             </a:xfrm>
             <a:prstGeom prst="rect">
               <a:avLst/>
@@ -10600,15 +12576,12 @@
                   <a:spcPts val="3900"/>
                 </a:lnSpc>
               </a:pPr>
-              <a:r>
-                <a:rPr lang="en-US" sz="2600">
-                  <a:solidFill>
-                    <a:srgbClr val="D0C3F1"/>
-                  </a:solidFill>
-                  <a:latin typeface="Abadi" panose="020B0604020104020204" pitchFamily="34" charset="0"/>
-                </a:rPr>
-                <a:t>Presentations are communication tools.</a:t>
-              </a:r>
+              <a:endParaRPr lang="en-US" sz="2600">
+                <a:solidFill>
+                  <a:srgbClr val="D0C3F1"/>
+                </a:solidFill>
+                <a:latin typeface="Abadi" panose="020B0604020104020204" pitchFamily="34" charset="0"/>
+              </a:endParaRPr>
             </a:p>
           </p:txBody>
         </p:sp>
@@ -10622,9 +12595,9 @@
         <p:grpSpPr>
           <a:xfrm>
             <a:off x="1066800" y="952500"/>
-            <a:ext cx="5524900" cy="1636802"/>
+            <a:ext cx="5524900" cy="1098514"/>
             <a:chOff x="0" y="-38100"/>
-            <a:chExt cx="6350533" cy="2182403"/>
+            <a:chExt cx="6350533" cy="1464685"/>
           </a:xfrm>
         </p:grpSpPr>
         <p:sp>
@@ -10693,7 +12666,7 @@
           <p:spPr>
             <a:xfrm>
               <a:off x="0" y="810604"/>
-              <a:ext cx="6350533" cy="1333699"/>
+              <a:ext cx="6350533" cy="615981"/>
             </a:xfrm>
             <a:prstGeom prst="rect">
               <a:avLst/>
@@ -10710,15 +12683,12 @@
                   <a:spcPts val="3900"/>
                 </a:lnSpc>
               </a:pPr>
-              <a:r>
-                <a:rPr lang="en-US" sz="2600">
-                  <a:solidFill>
-                    <a:srgbClr val="D0C3F1"/>
-                  </a:solidFill>
-                  <a:latin typeface="Abadi" panose="020B0604020104020204" pitchFamily="34" charset="0"/>
-                </a:rPr>
-                <a:t>Presentations are communication tools.</a:t>
-              </a:r>
+              <a:endParaRPr lang="en-US" sz="2600">
+                <a:solidFill>
+                  <a:srgbClr val="D0C3F1"/>
+                </a:solidFill>
+                <a:latin typeface="Abadi" panose="020B0604020104020204" pitchFamily="34" charset="0"/>
+              </a:endParaRPr>
             </a:p>
           </p:txBody>
         </p:sp>
@@ -10728,6 +12698,435 @@
   <p:clrMapOvr>
     <a:masterClrMapping/>
   </p:clrMapOvr>
+  <p:transition spd="slow">
+    <p:push/>
+  </p:transition>
+  <p:timing>
+    <p:tnLst>
+      <p:par>
+        <p:cTn id="1" dur="indefinite" restart="never" nodeType="tmRoot">
+          <p:childTnLst>
+            <p:seq concurrent="1" nextAc="seek">
+              <p:cTn id="2" dur="indefinite" nodeType="mainSeq">
+                <p:childTnLst>
+                  <p:par>
+                    <p:cTn id="3" fill="hold">
+                      <p:stCondLst>
+                        <p:cond delay="indefinite"/>
+                      </p:stCondLst>
+                      <p:childTnLst>
+                        <p:par>
+                          <p:cTn id="4" fill="hold">
+                            <p:stCondLst>
+                              <p:cond delay="0"/>
+                            </p:stCondLst>
+                            <p:childTnLst>
+                              <p:par>
+                                <p:cTn id="5" presetID="42" presetClass="entr" presetSubtype="0" fill="hold" nodeType="clickEffect">
+                                  <p:stCondLst>
+                                    <p:cond delay="0"/>
+                                  </p:stCondLst>
+                                  <p:childTnLst>
+                                    <p:set>
+                                      <p:cBhvr>
+                                        <p:cTn id="6" dur="1" fill="hold">
+                                          <p:stCondLst>
+                                            <p:cond delay="0"/>
+                                          </p:stCondLst>
+                                        </p:cTn>
+                                        <p:tgtEl>
+                                          <p:spTgt spid="24"/>
+                                        </p:tgtEl>
+                                        <p:attrNameLst>
+                                          <p:attrName>style.visibility</p:attrName>
+                                        </p:attrNameLst>
+                                      </p:cBhvr>
+                                      <p:to>
+                                        <p:strVal val="visible"/>
+                                      </p:to>
+                                    </p:set>
+                                    <p:animEffect transition="in" filter="fade">
+                                      <p:cBhvr>
+                                        <p:cTn id="7" dur="1000"/>
+                                        <p:tgtEl>
+                                          <p:spTgt spid="24"/>
+                                        </p:tgtEl>
+                                      </p:cBhvr>
+                                    </p:animEffect>
+                                    <p:anim calcmode="lin" valueType="num">
+                                      <p:cBhvr>
+                                        <p:cTn id="8" dur="1000" fill="hold"/>
+                                        <p:tgtEl>
+                                          <p:spTgt spid="24"/>
+                                        </p:tgtEl>
+                                        <p:attrNameLst>
+                                          <p:attrName>ppt_x</p:attrName>
+                                        </p:attrNameLst>
+                                      </p:cBhvr>
+                                      <p:tavLst>
+                                        <p:tav tm="0">
+                                          <p:val>
+                                            <p:strVal val="#ppt_x"/>
+                                          </p:val>
+                                        </p:tav>
+                                        <p:tav tm="100000">
+                                          <p:val>
+                                            <p:strVal val="#ppt_x"/>
+                                          </p:val>
+                                        </p:tav>
+                                      </p:tavLst>
+                                    </p:anim>
+                                    <p:anim calcmode="lin" valueType="num">
+                                      <p:cBhvr>
+                                        <p:cTn id="9" dur="1000" fill="hold"/>
+                                        <p:tgtEl>
+                                          <p:spTgt spid="24"/>
+                                        </p:tgtEl>
+                                        <p:attrNameLst>
+                                          <p:attrName>ppt_y</p:attrName>
+                                        </p:attrNameLst>
+                                      </p:cBhvr>
+                                      <p:tavLst>
+                                        <p:tav tm="0">
+                                          <p:val>
+                                            <p:strVal val="#ppt_y+.1"/>
+                                          </p:val>
+                                        </p:tav>
+                                        <p:tav tm="100000">
+                                          <p:val>
+                                            <p:strVal val="#ppt_y"/>
+                                          </p:val>
+                                        </p:tav>
+                                      </p:tavLst>
+                                    </p:anim>
+                                  </p:childTnLst>
+                                </p:cTn>
+                              </p:par>
+                            </p:childTnLst>
+                          </p:cTn>
+                        </p:par>
+                      </p:childTnLst>
+                    </p:cTn>
+                  </p:par>
+                  <p:par>
+                    <p:cTn id="10" fill="hold">
+                      <p:stCondLst>
+                        <p:cond delay="indefinite"/>
+                      </p:stCondLst>
+                      <p:childTnLst>
+                        <p:par>
+                          <p:cTn id="11" fill="hold">
+                            <p:stCondLst>
+                              <p:cond delay="0"/>
+                            </p:stCondLst>
+                            <p:childTnLst>
+                              <p:par>
+                                <p:cTn id="12" presetID="42" presetClass="entr" presetSubtype="0" fill="hold" nodeType="clickEffect">
+                                  <p:stCondLst>
+                                    <p:cond delay="0"/>
+                                  </p:stCondLst>
+                                  <p:childTnLst>
+                                    <p:set>
+                                      <p:cBhvr>
+                                        <p:cTn id="13" dur="1" fill="hold">
+                                          <p:stCondLst>
+                                            <p:cond delay="0"/>
+                                          </p:stCondLst>
+                                        </p:cTn>
+                                        <p:tgtEl>
+                                          <p:spTgt spid="6"/>
+                                        </p:tgtEl>
+                                        <p:attrNameLst>
+                                          <p:attrName>style.visibility</p:attrName>
+                                        </p:attrNameLst>
+                                      </p:cBhvr>
+                                      <p:to>
+                                        <p:strVal val="visible"/>
+                                      </p:to>
+                                    </p:set>
+                                    <p:animEffect transition="in" filter="fade">
+                                      <p:cBhvr>
+                                        <p:cTn id="14" dur="1000"/>
+                                        <p:tgtEl>
+                                          <p:spTgt spid="6"/>
+                                        </p:tgtEl>
+                                      </p:cBhvr>
+                                    </p:animEffect>
+                                    <p:anim calcmode="lin" valueType="num">
+                                      <p:cBhvr>
+                                        <p:cTn id="15" dur="1000" fill="hold"/>
+                                        <p:tgtEl>
+                                          <p:spTgt spid="6"/>
+                                        </p:tgtEl>
+                                        <p:attrNameLst>
+                                          <p:attrName>ppt_x</p:attrName>
+                                        </p:attrNameLst>
+                                      </p:cBhvr>
+                                      <p:tavLst>
+                                        <p:tav tm="0">
+                                          <p:val>
+                                            <p:strVal val="#ppt_x"/>
+                                          </p:val>
+                                        </p:tav>
+                                        <p:tav tm="100000">
+                                          <p:val>
+                                            <p:strVal val="#ppt_x"/>
+                                          </p:val>
+                                        </p:tav>
+                                      </p:tavLst>
+                                    </p:anim>
+                                    <p:anim calcmode="lin" valueType="num">
+                                      <p:cBhvr>
+                                        <p:cTn id="16" dur="1000" fill="hold"/>
+                                        <p:tgtEl>
+                                          <p:spTgt spid="6"/>
+                                        </p:tgtEl>
+                                        <p:attrNameLst>
+                                          <p:attrName>ppt_y</p:attrName>
+                                        </p:attrNameLst>
+                                      </p:cBhvr>
+                                      <p:tavLst>
+                                        <p:tav tm="0">
+                                          <p:val>
+                                            <p:strVal val="#ppt_y+.1"/>
+                                          </p:val>
+                                        </p:tav>
+                                        <p:tav tm="100000">
+                                          <p:val>
+                                            <p:strVal val="#ppt_y"/>
+                                          </p:val>
+                                        </p:tav>
+                                      </p:tavLst>
+                                    </p:anim>
+                                  </p:childTnLst>
+                                </p:cTn>
+                              </p:par>
+                            </p:childTnLst>
+                          </p:cTn>
+                        </p:par>
+                      </p:childTnLst>
+                    </p:cTn>
+                  </p:par>
+                  <p:par>
+                    <p:cTn id="17" fill="hold">
+                      <p:stCondLst>
+                        <p:cond delay="indefinite"/>
+                      </p:stCondLst>
+                      <p:childTnLst>
+                        <p:par>
+                          <p:cTn id="18" fill="hold">
+                            <p:stCondLst>
+                              <p:cond delay="0"/>
+                            </p:stCondLst>
+                            <p:childTnLst>
+                              <p:par>
+                                <p:cTn id="19" presetID="42" presetClass="entr" presetSubtype="0" fill="hold" nodeType="clickEffect">
+                                  <p:stCondLst>
+                                    <p:cond delay="0"/>
+                                  </p:stCondLst>
+                                  <p:childTnLst>
+                                    <p:set>
+                                      <p:cBhvr>
+                                        <p:cTn id="20" dur="1" fill="hold">
+                                          <p:stCondLst>
+                                            <p:cond delay="0"/>
+                                          </p:stCondLst>
+                                        </p:cTn>
+                                        <p:tgtEl>
+                                          <p:spTgt spid="21"/>
+                                        </p:tgtEl>
+                                        <p:attrNameLst>
+                                          <p:attrName>style.visibility</p:attrName>
+                                        </p:attrNameLst>
+                                      </p:cBhvr>
+                                      <p:to>
+                                        <p:strVal val="visible"/>
+                                      </p:to>
+                                    </p:set>
+                                    <p:animEffect transition="in" filter="fade">
+                                      <p:cBhvr>
+                                        <p:cTn id="21" dur="1000"/>
+                                        <p:tgtEl>
+                                          <p:spTgt spid="21"/>
+                                        </p:tgtEl>
+                                      </p:cBhvr>
+                                    </p:animEffect>
+                                    <p:anim calcmode="lin" valueType="num">
+                                      <p:cBhvr>
+                                        <p:cTn id="22" dur="1000" fill="hold"/>
+                                        <p:tgtEl>
+                                          <p:spTgt spid="21"/>
+                                        </p:tgtEl>
+                                        <p:attrNameLst>
+                                          <p:attrName>ppt_x</p:attrName>
+                                        </p:attrNameLst>
+                                      </p:cBhvr>
+                                      <p:tavLst>
+                                        <p:tav tm="0">
+                                          <p:val>
+                                            <p:strVal val="#ppt_x"/>
+                                          </p:val>
+                                        </p:tav>
+                                        <p:tav tm="100000">
+                                          <p:val>
+                                            <p:strVal val="#ppt_x"/>
+                                          </p:val>
+                                        </p:tav>
+                                      </p:tavLst>
+                                    </p:anim>
+                                    <p:anim calcmode="lin" valueType="num">
+                                      <p:cBhvr>
+                                        <p:cTn id="23" dur="1000" fill="hold"/>
+                                        <p:tgtEl>
+                                          <p:spTgt spid="21"/>
+                                        </p:tgtEl>
+                                        <p:attrNameLst>
+                                          <p:attrName>ppt_y</p:attrName>
+                                        </p:attrNameLst>
+                                      </p:cBhvr>
+                                      <p:tavLst>
+                                        <p:tav tm="0">
+                                          <p:val>
+                                            <p:strVal val="#ppt_y+.1"/>
+                                          </p:val>
+                                        </p:tav>
+                                        <p:tav tm="100000">
+                                          <p:val>
+                                            <p:strVal val="#ppt_y"/>
+                                          </p:val>
+                                        </p:tav>
+                                      </p:tavLst>
+                                    </p:anim>
+                                  </p:childTnLst>
+                                </p:cTn>
+                              </p:par>
+                            </p:childTnLst>
+                          </p:cTn>
+                        </p:par>
+                      </p:childTnLst>
+                    </p:cTn>
+                  </p:par>
+                  <p:par>
+                    <p:cTn id="24" fill="hold">
+                      <p:stCondLst>
+                        <p:cond delay="indefinite"/>
+                      </p:stCondLst>
+                      <p:childTnLst>
+                        <p:par>
+                          <p:cTn id="25" fill="hold">
+                            <p:stCondLst>
+                              <p:cond delay="0"/>
+                            </p:stCondLst>
+                            <p:childTnLst>
+                              <p:par>
+                                <p:cTn id="26" presetID="42" presetClass="entr" presetSubtype="0" fill="hold" nodeType="clickEffect">
+                                  <p:stCondLst>
+                                    <p:cond delay="0"/>
+                                  </p:stCondLst>
+                                  <p:childTnLst>
+                                    <p:set>
+                                      <p:cBhvr>
+                                        <p:cTn id="27" dur="1" fill="hold">
+                                          <p:stCondLst>
+                                            <p:cond delay="0"/>
+                                          </p:stCondLst>
+                                        </p:cTn>
+                                        <p:tgtEl>
+                                          <p:spTgt spid="9"/>
+                                        </p:tgtEl>
+                                        <p:attrNameLst>
+                                          <p:attrName>style.visibility</p:attrName>
+                                        </p:attrNameLst>
+                                      </p:cBhvr>
+                                      <p:to>
+                                        <p:strVal val="visible"/>
+                                      </p:to>
+                                    </p:set>
+                                    <p:animEffect transition="in" filter="fade">
+                                      <p:cBhvr>
+                                        <p:cTn id="28" dur="1000"/>
+                                        <p:tgtEl>
+                                          <p:spTgt spid="9"/>
+                                        </p:tgtEl>
+                                      </p:cBhvr>
+                                    </p:animEffect>
+                                    <p:anim calcmode="lin" valueType="num">
+                                      <p:cBhvr>
+                                        <p:cTn id="29" dur="1000" fill="hold"/>
+                                        <p:tgtEl>
+                                          <p:spTgt spid="9"/>
+                                        </p:tgtEl>
+                                        <p:attrNameLst>
+                                          <p:attrName>ppt_x</p:attrName>
+                                        </p:attrNameLst>
+                                      </p:cBhvr>
+                                      <p:tavLst>
+                                        <p:tav tm="0">
+                                          <p:val>
+                                            <p:strVal val="#ppt_x"/>
+                                          </p:val>
+                                        </p:tav>
+                                        <p:tav tm="100000">
+                                          <p:val>
+                                            <p:strVal val="#ppt_x"/>
+                                          </p:val>
+                                        </p:tav>
+                                      </p:tavLst>
+                                    </p:anim>
+                                    <p:anim calcmode="lin" valueType="num">
+                                      <p:cBhvr>
+                                        <p:cTn id="30" dur="1000" fill="hold"/>
+                                        <p:tgtEl>
+                                          <p:spTgt spid="9"/>
+                                        </p:tgtEl>
+                                        <p:attrNameLst>
+                                          <p:attrName>ppt_y</p:attrName>
+                                        </p:attrNameLst>
+                                      </p:cBhvr>
+                                      <p:tavLst>
+                                        <p:tav tm="0">
+                                          <p:val>
+                                            <p:strVal val="#ppt_y+.1"/>
+                                          </p:val>
+                                        </p:tav>
+                                        <p:tav tm="100000">
+                                          <p:val>
+                                            <p:strVal val="#ppt_y"/>
+                                          </p:val>
+                                        </p:tav>
+                                      </p:tavLst>
+                                    </p:anim>
+                                  </p:childTnLst>
+                                </p:cTn>
+                              </p:par>
+                            </p:childTnLst>
+                          </p:cTn>
+                        </p:par>
+                      </p:childTnLst>
+                    </p:cTn>
+                  </p:par>
+                </p:childTnLst>
+              </p:cTn>
+              <p:prevCondLst>
+                <p:cond evt="onPrev" delay="0">
+                  <p:tgtEl>
+                    <p:sldTgt/>
+                  </p:tgtEl>
+                </p:cond>
+              </p:prevCondLst>
+              <p:nextCondLst>
+                <p:cond evt="onNext" delay="0">
+                  <p:tgtEl>
+                    <p:sldTgt/>
+                  </p:tgtEl>
+                </p:cond>
+              </p:nextCondLst>
+            </p:seq>
+          </p:childTnLst>
+        </p:cTn>
+      </p:par>
+    </p:tnLst>
+  </p:timing>
 </p:sld>
 </file>
 
@@ -10931,17 +13330,37 @@
             </a:bodyPr>
             <a:lstStyle/>
             <a:p>
-              <a:pPr algn="ctr">
+              <a:pPr marL="0" marR="0" lvl="0" indent="0" algn="ctr" defTabSz="914400" rtl="0" eaLnBrk="1" fontAlgn="auto" latinLnBrk="0" hangingPunct="1">
                 <a:lnSpc>
                   <a:spcPts val="4159"/>
                 </a:lnSpc>
+                <a:spcBef>
+                  <a:spcPts val="0"/>
+                </a:spcBef>
+                <a:spcAft>
+                  <a:spcPts val="0"/>
+                </a:spcAft>
+                <a:buClrTx/>
+                <a:buSzTx/>
+                <a:buFontTx/>
+                <a:buNone/>
+                <a:tabLst/>
+                <a:defRPr/>
               </a:pPr>
               <a:r>
-                <a:rPr lang="en-US" sz="3199" spc="319">
+                <a:rPr kumimoji="0" lang="en-US" sz="3199" b="0" i="0" u="none" strike="noStrike" kern="1200" cap="none" spc="319" normalizeH="0" baseline="0" noProof="0">
+                  <a:ln>
+                    <a:noFill/>
+                  </a:ln>
                   <a:solidFill>
                     <a:srgbClr val="D0C3F1"/>
                   </a:solidFill>
+                  <a:effectLst/>
+                  <a:uLnTx/>
+                  <a:uFillTx/>
                   <a:latin typeface="Poppins Light Bold"/>
+                  <a:ea typeface="+mn-ea"/>
+                  <a:cs typeface="+mn-cs"/>
                 </a:rPr>
                 <a:t>ELISE CAMPBELL</a:t>
               </a:r>
@@ -10969,17 +13388,37 @@
             </a:bodyPr>
             <a:lstStyle/>
             <a:p>
-              <a:pPr algn="ctr">
+              <a:pPr marL="0" marR="0" lvl="0" indent="0" algn="ctr" defTabSz="914400" rtl="0" eaLnBrk="1" fontAlgn="auto" latinLnBrk="0" hangingPunct="1">
                 <a:lnSpc>
                   <a:spcPts val="3900"/>
                 </a:lnSpc>
+                <a:spcBef>
+                  <a:spcPts val="0"/>
+                </a:spcBef>
+                <a:spcAft>
+                  <a:spcPts val="0"/>
+                </a:spcAft>
+                <a:buClrTx/>
+                <a:buSzTx/>
+                <a:buFontTx/>
+                <a:buNone/>
+                <a:tabLst/>
+                <a:defRPr/>
               </a:pPr>
               <a:r>
-                <a:rPr lang="en-US" sz="2600">
+                <a:rPr kumimoji="0" lang="en-US" sz="2600" b="0" i="0" u="none" strike="noStrike" kern="1200" cap="none" spc="0" normalizeH="0" baseline="0" noProof="0">
+                  <a:ln>
+                    <a:noFill/>
+                  </a:ln>
                   <a:solidFill>
                     <a:srgbClr val="D0C3F1"/>
                   </a:solidFill>
+                  <a:effectLst/>
+                  <a:uLnTx/>
+                  <a:uFillTx/>
                   <a:latin typeface="Poppins Light"/>
+                  <a:ea typeface="+mn-ea"/>
+                  <a:cs typeface="+mn-cs"/>
                 </a:rPr>
                 <a:t>Presentations are communication tools.</a:t>
               </a:r>
@@ -11007,17 +13446,37 @@
             </a:bodyPr>
             <a:lstStyle/>
             <a:p>
-              <a:pPr algn="ctr">
+              <a:pPr marL="0" marR="0" lvl="0" indent="0" algn="ctr" defTabSz="914400" rtl="0" eaLnBrk="1" fontAlgn="auto" latinLnBrk="0" hangingPunct="1">
                 <a:lnSpc>
                   <a:spcPts val="4500"/>
                 </a:lnSpc>
+                <a:spcBef>
+                  <a:spcPts val="0"/>
+                </a:spcBef>
+                <a:spcAft>
+                  <a:spcPts val="0"/>
+                </a:spcAft>
+                <a:buClrTx/>
+                <a:buSzTx/>
+                <a:buFontTx/>
+                <a:buNone/>
+                <a:tabLst/>
+                <a:defRPr/>
               </a:pPr>
               <a:r>
-                <a:rPr lang="en-US" sz="3000">
+                <a:rPr kumimoji="0" lang="en-US" sz="3000" b="0" i="0" u="none" strike="noStrike" kern="1200" cap="none" spc="0" normalizeH="0" baseline="0" noProof="0">
+                  <a:ln>
+                    <a:noFill/>
+                  </a:ln>
                   <a:solidFill>
                     <a:srgbClr val="D0C3F1"/>
                   </a:solidFill>
+                  <a:effectLst/>
+                  <a:uLnTx/>
+                  <a:uFillTx/>
                   <a:latin typeface="Poppins Light"/>
+                  <a:ea typeface="+mn-ea"/>
+                  <a:cs typeface="+mn-cs"/>
                 </a:rPr>
                 <a:t>Fashion Editor</a:t>
               </a:r>
@@ -11060,17 +13519,37 @@
             </a:bodyPr>
             <a:lstStyle/>
             <a:p>
-              <a:pPr algn="ctr">
+              <a:pPr marL="0" marR="0" lvl="0" indent="0" algn="ctr" defTabSz="914400" rtl="0" eaLnBrk="1" fontAlgn="auto" latinLnBrk="0" hangingPunct="1">
                 <a:lnSpc>
                   <a:spcPts val="4159"/>
                 </a:lnSpc>
+                <a:spcBef>
+                  <a:spcPts val="0"/>
+                </a:spcBef>
+                <a:spcAft>
+                  <a:spcPts val="0"/>
+                </a:spcAft>
+                <a:buClrTx/>
+                <a:buSzTx/>
+                <a:buFontTx/>
+                <a:buNone/>
+                <a:tabLst/>
+                <a:defRPr/>
               </a:pPr>
               <a:r>
-                <a:rPr lang="en-US" sz="3199" spc="319">
+                <a:rPr kumimoji="0" lang="en-US" sz="3199" b="0" i="0" u="none" strike="noStrike" kern="1200" cap="none" spc="319" normalizeH="0" baseline="0" noProof="0">
+                  <a:ln>
+                    <a:noFill/>
+                  </a:ln>
                   <a:solidFill>
                     <a:srgbClr val="D0C3F1"/>
                   </a:solidFill>
+                  <a:effectLst/>
+                  <a:uLnTx/>
+                  <a:uFillTx/>
                   <a:latin typeface="Poppins Light Bold"/>
+                  <a:ea typeface="+mn-ea"/>
+                  <a:cs typeface="+mn-cs"/>
                 </a:rPr>
                 <a:t>BERTHA HODGES</a:t>
               </a:r>
@@ -11098,17 +13577,37 @@
             </a:bodyPr>
             <a:lstStyle/>
             <a:p>
-              <a:pPr algn="ctr">
+              <a:pPr marL="0" marR="0" lvl="0" indent="0" algn="ctr" defTabSz="914400" rtl="0" eaLnBrk="1" fontAlgn="auto" latinLnBrk="0" hangingPunct="1">
                 <a:lnSpc>
                   <a:spcPts val="3900"/>
                 </a:lnSpc>
+                <a:spcBef>
+                  <a:spcPts val="0"/>
+                </a:spcBef>
+                <a:spcAft>
+                  <a:spcPts val="0"/>
+                </a:spcAft>
+                <a:buClrTx/>
+                <a:buSzTx/>
+                <a:buFontTx/>
+                <a:buNone/>
+                <a:tabLst/>
+                <a:defRPr/>
               </a:pPr>
               <a:r>
-                <a:rPr lang="en-US" sz="2600">
+                <a:rPr kumimoji="0" lang="en-US" sz="2600" b="0" i="0" u="none" strike="noStrike" kern="1200" cap="none" spc="0" normalizeH="0" baseline="0" noProof="0">
+                  <a:ln>
+                    <a:noFill/>
+                  </a:ln>
                   <a:solidFill>
                     <a:srgbClr val="D0C3F1"/>
                   </a:solidFill>
+                  <a:effectLst/>
+                  <a:uLnTx/>
+                  <a:uFillTx/>
                   <a:latin typeface="Poppins Light"/>
+                  <a:ea typeface="+mn-ea"/>
+                  <a:cs typeface="+mn-cs"/>
                 </a:rPr>
                 <a:t>Presentations are communication tools.</a:t>
               </a:r>
@@ -11136,17 +13635,37 @@
             </a:bodyPr>
             <a:lstStyle/>
             <a:p>
-              <a:pPr algn="ctr">
+              <a:pPr marL="0" marR="0" lvl="0" indent="0" algn="ctr" defTabSz="914400" rtl="0" eaLnBrk="1" fontAlgn="auto" latinLnBrk="0" hangingPunct="1">
                 <a:lnSpc>
                   <a:spcPts val="4500"/>
                 </a:lnSpc>
+                <a:spcBef>
+                  <a:spcPts val="0"/>
+                </a:spcBef>
+                <a:spcAft>
+                  <a:spcPts val="0"/>
+                </a:spcAft>
+                <a:buClrTx/>
+                <a:buSzTx/>
+                <a:buFontTx/>
+                <a:buNone/>
+                <a:tabLst/>
+                <a:defRPr/>
               </a:pPr>
               <a:r>
-                <a:rPr lang="en-US" sz="3000">
+                <a:rPr kumimoji="0" lang="en-US" sz="3000" b="0" i="0" u="none" strike="noStrike" kern="1200" cap="none" spc="0" normalizeH="0" baseline="0" noProof="0">
+                  <a:ln>
+                    <a:noFill/>
+                  </a:ln>
                   <a:solidFill>
                     <a:srgbClr val="D0C3F1"/>
                   </a:solidFill>
+                  <a:effectLst/>
+                  <a:uLnTx/>
+                  <a:uFillTx/>
                   <a:latin typeface="Poppins Light"/>
+                  <a:ea typeface="+mn-ea"/>
+                  <a:cs typeface="+mn-cs"/>
                 </a:rPr>
                 <a:t>Award-Winning Actress</a:t>
               </a:r>
@@ -11189,17 +13708,37 @@
             </a:bodyPr>
             <a:lstStyle/>
             <a:p>
-              <a:pPr algn="ctr">
+              <a:pPr marL="0" marR="0" lvl="0" indent="0" algn="ctr" defTabSz="914400" rtl="0" eaLnBrk="1" fontAlgn="auto" latinLnBrk="0" hangingPunct="1">
                 <a:lnSpc>
                   <a:spcPts val="4159"/>
                 </a:lnSpc>
+                <a:spcBef>
+                  <a:spcPts val="0"/>
+                </a:spcBef>
+                <a:spcAft>
+                  <a:spcPts val="0"/>
+                </a:spcAft>
+                <a:buClrTx/>
+                <a:buSzTx/>
+                <a:buFontTx/>
+                <a:buNone/>
+                <a:tabLst/>
+                <a:defRPr/>
               </a:pPr>
               <a:r>
-                <a:rPr lang="en-US" sz="3199" spc="319">
+                <a:rPr kumimoji="0" lang="en-US" sz="3199" b="0" i="0" u="none" strike="noStrike" kern="1200" cap="none" spc="319" normalizeH="0" baseline="0" noProof="0">
+                  <a:ln>
+                    <a:noFill/>
+                  </a:ln>
                   <a:solidFill>
                     <a:srgbClr val="D0C3F1"/>
                   </a:solidFill>
+                  <a:effectLst/>
+                  <a:uLnTx/>
+                  <a:uFillTx/>
                   <a:latin typeface="Poppins Light Bold"/>
+                  <a:ea typeface="+mn-ea"/>
+                  <a:cs typeface="+mn-cs"/>
                 </a:rPr>
                 <a:t>TIMMY GREER</a:t>
               </a:r>
@@ -11227,17 +13766,37 @@
             </a:bodyPr>
             <a:lstStyle/>
             <a:p>
-              <a:pPr algn="ctr">
+              <a:pPr marL="0" marR="0" lvl="0" indent="0" algn="ctr" defTabSz="914400" rtl="0" eaLnBrk="1" fontAlgn="auto" latinLnBrk="0" hangingPunct="1">
                 <a:lnSpc>
                   <a:spcPts val="3900"/>
                 </a:lnSpc>
+                <a:spcBef>
+                  <a:spcPts val="0"/>
+                </a:spcBef>
+                <a:spcAft>
+                  <a:spcPts val="0"/>
+                </a:spcAft>
+                <a:buClrTx/>
+                <a:buSzTx/>
+                <a:buFontTx/>
+                <a:buNone/>
+                <a:tabLst/>
+                <a:defRPr/>
               </a:pPr>
               <a:r>
-                <a:rPr lang="en-US" sz="2600">
+                <a:rPr kumimoji="0" lang="en-US" sz="2600" b="0" i="0" u="none" strike="noStrike" kern="1200" cap="none" spc="0" normalizeH="0" baseline="0" noProof="0">
+                  <a:ln>
+                    <a:noFill/>
+                  </a:ln>
                   <a:solidFill>
                     <a:srgbClr val="D0C3F1"/>
                   </a:solidFill>
+                  <a:effectLst/>
+                  <a:uLnTx/>
+                  <a:uFillTx/>
                   <a:latin typeface="Poppins Light"/>
+                  <a:ea typeface="+mn-ea"/>
+                  <a:cs typeface="+mn-cs"/>
                 </a:rPr>
                 <a:t>Presentations are communication tools.</a:t>
               </a:r>
@@ -11265,17 +13824,37 @@
             </a:bodyPr>
             <a:lstStyle/>
             <a:p>
-              <a:pPr algn="ctr">
+              <a:pPr marL="0" marR="0" lvl="0" indent="0" algn="ctr" defTabSz="914400" rtl="0" eaLnBrk="1" fontAlgn="auto" latinLnBrk="0" hangingPunct="1">
                 <a:lnSpc>
                   <a:spcPts val="4500"/>
                 </a:lnSpc>
+                <a:spcBef>
+                  <a:spcPts val="0"/>
+                </a:spcBef>
+                <a:spcAft>
+                  <a:spcPts val="0"/>
+                </a:spcAft>
+                <a:buClrTx/>
+                <a:buSzTx/>
+                <a:buFontTx/>
+                <a:buNone/>
+                <a:tabLst/>
+                <a:defRPr/>
               </a:pPr>
               <a:r>
-                <a:rPr lang="en-US" sz="3000">
+                <a:rPr kumimoji="0" lang="en-US" sz="3000" b="0" i="0" u="none" strike="noStrike" kern="1200" cap="none" spc="0" normalizeH="0" baseline="0" noProof="0">
+                  <a:ln>
+                    <a:noFill/>
+                  </a:ln>
                   <a:solidFill>
                     <a:srgbClr val="D0C3F1"/>
                   </a:solidFill>
+                  <a:effectLst/>
+                  <a:uLnTx/>
+                  <a:uFillTx/>
                   <a:latin typeface="Poppins Light"/>
+                  <a:ea typeface="+mn-ea"/>
+                  <a:cs typeface="+mn-cs"/>
                 </a:rPr>
                 <a:t>Model</a:t>
               </a:r>
@@ -11288,6 +13867,9 @@
   <p:clrMapOvr>
     <a:masterClrMapping/>
   </p:clrMapOvr>
+  <p:transition spd="slow">
+    <p:push/>
+  </p:transition>
 </p:sld>
 </file>
 
@@ -11526,17 +14108,37 @@
             </a:bodyPr>
             <a:lstStyle/>
             <a:p>
-              <a:pPr algn="ctr">
+              <a:pPr marL="0" marR="0" lvl="0" indent="0" algn="ctr" defTabSz="914400" rtl="0" eaLnBrk="1" fontAlgn="auto" latinLnBrk="0" hangingPunct="1">
                 <a:lnSpc>
                   <a:spcPts val="4159"/>
                 </a:lnSpc>
+                <a:spcBef>
+                  <a:spcPts val="0"/>
+                </a:spcBef>
+                <a:spcAft>
+                  <a:spcPts val="0"/>
+                </a:spcAft>
+                <a:buClrTx/>
+                <a:buSzTx/>
+                <a:buFontTx/>
+                <a:buNone/>
+                <a:tabLst/>
+                <a:defRPr/>
               </a:pPr>
               <a:r>
-                <a:rPr lang="en-US" sz="3199" spc="319">
+                <a:rPr kumimoji="0" lang="en-US" sz="3199" b="0" i="0" u="none" strike="noStrike" kern="1200" cap="none" spc="319" normalizeH="0" baseline="0" noProof="0">
+                  <a:ln>
+                    <a:noFill/>
+                  </a:ln>
                   <a:solidFill>
                     <a:srgbClr val="D0C3F1"/>
                   </a:solidFill>
+                  <a:effectLst/>
+                  <a:uLnTx/>
+                  <a:uFillTx/>
                   <a:latin typeface="Poppins Light Bold"/>
+                  <a:ea typeface="+mn-ea"/>
+                  <a:cs typeface="+mn-cs"/>
                 </a:rPr>
                 <a:t>100% ETHICAL PROCESSES</a:t>
               </a:r>
@@ -11564,17 +14166,37 @@
             </a:bodyPr>
             <a:lstStyle/>
             <a:p>
-              <a:pPr algn="ctr">
+              <a:pPr marL="0" marR="0" lvl="0" indent="0" algn="ctr" defTabSz="914400" rtl="0" eaLnBrk="1" fontAlgn="auto" latinLnBrk="0" hangingPunct="1">
                 <a:lnSpc>
                   <a:spcPts val="3900"/>
                 </a:lnSpc>
+                <a:spcBef>
+                  <a:spcPts val="0"/>
+                </a:spcBef>
+                <a:spcAft>
+                  <a:spcPts val="0"/>
+                </a:spcAft>
+                <a:buClrTx/>
+                <a:buSzTx/>
+                <a:buFontTx/>
+                <a:buNone/>
+                <a:tabLst/>
+                <a:defRPr/>
               </a:pPr>
               <a:r>
-                <a:rPr lang="en-US" sz="2600">
+                <a:rPr kumimoji="0" lang="en-US" sz="2600" b="0" i="0" u="none" strike="noStrike" kern="1200" cap="none" spc="0" normalizeH="0" baseline="0" noProof="0">
+                  <a:ln>
+                    <a:noFill/>
+                  </a:ln>
                   <a:solidFill>
                     <a:srgbClr val="D0C3F1"/>
                   </a:solidFill>
+                  <a:effectLst/>
+                  <a:uLnTx/>
+                  <a:uFillTx/>
                   <a:latin typeface="Poppins Light"/>
+                  <a:ea typeface="+mn-ea"/>
+                  <a:cs typeface="+mn-cs"/>
                 </a:rPr>
                 <a:t>Presentations are communication tools that can be used.</a:t>
               </a:r>
@@ -11617,17 +14239,37 @@
             </a:bodyPr>
             <a:lstStyle/>
             <a:p>
-              <a:pPr algn="ctr">
+              <a:pPr marL="0" marR="0" lvl="0" indent="0" algn="ctr" defTabSz="914400" rtl="0" eaLnBrk="1" fontAlgn="auto" latinLnBrk="0" hangingPunct="1">
                 <a:lnSpc>
                   <a:spcPts val="4159"/>
                 </a:lnSpc>
+                <a:spcBef>
+                  <a:spcPts val="0"/>
+                </a:spcBef>
+                <a:spcAft>
+                  <a:spcPts val="0"/>
+                </a:spcAft>
+                <a:buClrTx/>
+                <a:buSzTx/>
+                <a:buFontTx/>
+                <a:buNone/>
+                <a:tabLst/>
+                <a:defRPr/>
               </a:pPr>
               <a:r>
-                <a:rPr lang="en-US" sz="3199" spc="319">
+                <a:rPr kumimoji="0" lang="en-US" sz="3199" b="0" i="0" u="none" strike="noStrike" kern="1200" cap="none" spc="319" normalizeH="0" baseline="0" noProof="0">
+                  <a:ln>
+                    <a:noFill/>
+                  </a:ln>
                   <a:solidFill>
                     <a:srgbClr val="D0C3F1"/>
                   </a:solidFill>
+                  <a:effectLst/>
+                  <a:uLnTx/>
+                  <a:uFillTx/>
                   <a:latin typeface="Poppins Light Bold"/>
+                  <a:ea typeface="+mn-ea"/>
+                  <a:cs typeface="+mn-cs"/>
                 </a:rPr>
                 <a:t>100% TRANSPARENCY</a:t>
               </a:r>
@@ -11655,17 +14297,37 @@
             </a:bodyPr>
             <a:lstStyle/>
             <a:p>
-              <a:pPr algn="ctr">
+              <a:pPr marL="0" marR="0" lvl="0" indent="0" algn="ctr" defTabSz="914400" rtl="0" eaLnBrk="1" fontAlgn="auto" latinLnBrk="0" hangingPunct="1">
                 <a:lnSpc>
                   <a:spcPts val="3900"/>
                 </a:lnSpc>
+                <a:spcBef>
+                  <a:spcPts val="0"/>
+                </a:spcBef>
+                <a:spcAft>
+                  <a:spcPts val="0"/>
+                </a:spcAft>
+                <a:buClrTx/>
+                <a:buSzTx/>
+                <a:buFontTx/>
+                <a:buNone/>
+                <a:tabLst/>
+                <a:defRPr/>
               </a:pPr>
               <a:r>
-                <a:rPr lang="en-US" sz="2600">
+                <a:rPr kumimoji="0" lang="en-US" sz="2600" b="0" i="0" u="none" strike="noStrike" kern="1200" cap="none" spc="0" normalizeH="0" baseline="0" noProof="0">
+                  <a:ln>
+                    <a:noFill/>
+                  </a:ln>
                   <a:solidFill>
                     <a:srgbClr val="D0C3F1"/>
                   </a:solidFill>
+                  <a:effectLst/>
+                  <a:uLnTx/>
+                  <a:uFillTx/>
                   <a:latin typeface="Poppins Light"/>
+                  <a:ea typeface="+mn-ea"/>
+                  <a:cs typeface="+mn-cs"/>
                 </a:rPr>
                 <a:t>Presentations are communication tools that can be used.</a:t>
               </a:r>
@@ -11708,17 +14370,37 @@
             </a:bodyPr>
             <a:lstStyle/>
             <a:p>
-              <a:pPr algn="ctr">
+              <a:pPr marL="0" marR="0" lvl="0" indent="0" algn="ctr" defTabSz="914400" rtl="0" eaLnBrk="1" fontAlgn="auto" latinLnBrk="0" hangingPunct="1">
                 <a:lnSpc>
                   <a:spcPts val="4159"/>
                 </a:lnSpc>
+                <a:spcBef>
+                  <a:spcPts val="0"/>
+                </a:spcBef>
+                <a:spcAft>
+                  <a:spcPts val="0"/>
+                </a:spcAft>
+                <a:buClrTx/>
+                <a:buSzTx/>
+                <a:buFontTx/>
+                <a:buNone/>
+                <a:tabLst/>
+                <a:defRPr/>
               </a:pPr>
               <a:r>
-                <a:rPr lang="en-US" sz="3199" spc="319">
+                <a:rPr kumimoji="0" lang="en-US" sz="3199" b="0" i="0" u="none" strike="noStrike" kern="1200" cap="none" spc="319" normalizeH="0" baseline="0" noProof="0">
+                  <a:ln>
+                    <a:noFill/>
+                  </a:ln>
                   <a:solidFill>
                     <a:srgbClr val="D0C3F1"/>
                   </a:solidFill>
+                  <a:effectLst/>
+                  <a:uLnTx/>
+                  <a:uFillTx/>
                   <a:latin typeface="Poppins Light Bold"/>
+                  <a:ea typeface="+mn-ea"/>
+                  <a:cs typeface="+mn-cs"/>
                 </a:rPr>
                 <a:t>100% CUSTOMER SATISFACTION</a:t>
               </a:r>
@@ -11746,17 +14428,37 @@
             </a:bodyPr>
             <a:lstStyle/>
             <a:p>
-              <a:pPr algn="ctr">
+              <a:pPr marL="0" marR="0" lvl="0" indent="0" algn="ctr" defTabSz="914400" rtl="0" eaLnBrk="1" fontAlgn="auto" latinLnBrk="0" hangingPunct="1">
                 <a:lnSpc>
                   <a:spcPts val="3900"/>
                 </a:lnSpc>
+                <a:spcBef>
+                  <a:spcPts val="0"/>
+                </a:spcBef>
+                <a:spcAft>
+                  <a:spcPts val="0"/>
+                </a:spcAft>
+                <a:buClrTx/>
+                <a:buSzTx/>
+                <a:buFontTx/>
+                <a:buNone/>
+                <a:tabLst/>
+                <a:defRPr/>
               </a:pPr>
               <a:r>
-                <a:rPr lang="en-US" sz="2600">
+                <a:rPr kumimoji="0" lang="en-US" sz="2600" b="0" i="0" u="none" strike="noStrike" kern="1200" cap="none" spc="0" normalizeH="0" baseline="0" noProof="0">
+                  <a:ln>
+                    <a:noFill/>
+                  </a:ln>
                   <a:solidFill>
                     <a:srgbClr val="D0C3F1"/>
                   </a:solidFill>
+                  <a:effectLst/>
+                  <a:uLnTx/>
+                  <a:uFillTx/>
                   <a:latin typeface="Poppins Light"/>
+                  <a:ea typeface="+mn-ea"/>
+                  <a:cs typeface="+mn-cs"/>
                 </a:rPr>
                 <a:t>It serves a variety of purposes, making them powerful tools for convincing and teaching.</a:t>
               </a:r>
@@ -11769,6 +14471,9 @@
   <p:clrMapOvr>
     <a:masterClrMapping/>
   </p:clrMapOvr>
+  <p:transition spd="slow">
+    <p:push/>
+  </p:transition>
 </p:sld>
 </file>
 
@@ -11972,17 +14677,37 @@
             </a:bodyPr>
             <a:lstStyle/>
             <a:p>
-              <a:pPr>
+              <a:pPr marL="0" marR="0" lvl="0" indent="0" algn="l" defTabSz="914400" rtl="0" eaLnBrk="1" fontAlgn="auto" latinLnBrk="0" hangingPunct="1">
                 <a:lnSpc>
                   <a:spcPts val="4319"/>
                 </a:lnSpc>
+                <a:spcBef>
+                  <a:spcPts val="0"/>
+                </a:spcBef>
+                <a:spcAft>
+                  <a:spcPts val="0"/>
+                </a:spcAft>
+                <a:buClrTx/>
+                <a:buSzTx/>
+                <a:buFontTx/>
+                <a:buNone/>
+                <a:tabLst/>
+                <a:defRPr/>
               </a:pPr>
               <a:r>
-                <a:rPr lang="en-US" sz="3599" spc="251">
+                <a:rPr kumimoji="0" lang="en-US" sz="3599" b="0" i="0" u="none" strike="noStrike" kern="1200" cap="none" spc="251" normalizeH="0" baseline="0" noProof="0">
+                  <a:ln>
+                    <a:noFill/>
+                  </a:ln>
                   <a:solidFill>
                     <a:srgbClr val="D0C3F1"/>
                   </a:solidFill>
+                  <a:effectLst/>
+                  <a:uLnTx/>
+                  <a:uFillTx/>
                   <a:latin typeface="Poppins Bold Italics"/>
+                  <a:ea typeface="+mn-ea"/>
+                  <a:cs typeface="+mn-cs"/>
                 </a:rPr>
                 <a:t>RETAIL OUTLETS</a:t>
               </a:r>
@@ -12010,17 +14735,37 @@
             </a:bodyPr>
             <a:lstStyle/>
             <a:p>
-              <a:pPr>
+              <a:pPr marL="0" marR="0" lvl="0" indent="0" algn="l" defTabSz="914400" rtl="0" eaLnBrk="1" fontAlgn="auto" latinLnBrk="0" hangingPunct="1">
                 <a:lnSpc>
                   <a:spcPts val="3899"/>
                 </a:lnSpc>
+                <a:spcBef>
+                  <a:spcPts val="0"/>
+                </a:spcBef>
+                <a:spcAft>
+                  <a:spcPts val="0"/>
+                </a:spcAft>
+                <a:buClrTx/>
+                <a:buSzTx/>
+                <a:buFontTx/>
+                <a:buNone/>
+                <a:tabLst/>
+                <a:defRPr/>
               </a:pPr>
               <a:r>
-                <a:rPr lang="en-US" sz="2599">
+                <a:rPr kumimoji="0" lang="en-US" sz="2599" b="0" i="0" u="none" strike="noStrike" kern="1200" cap="none" spc="0" normalizeH="0" baseline="0" noProof="0">
+                  <a:ln>
+                    <a:noFill/>
+                  </a:ln>
                   <a:solidFill>
                     <a:srgbClr val="D0C3F1"/>
                   </a:solidFill>
+                  <a:effectLst/>
+                  <a:uLnTx/>
+                  <a:uFillTx/>
                   <a:latin typeface="Poppins Light"/>
+                  <a:ea typeface="+mn-ea"/>
+                  <a:cs typeface="+mn-cs"/>
                 </a:rPr>
                 <a:t>Presentations are communication tools that can be used.</a:t>
               </a:r>
@@ -12063,17 +14808,37 @@
             </a:bodyPr>
             <a:lstStyle/>
             <a:p>
-              <a:pPr algn="r">
+              <a:pPr marL="0" marR="0" lvl="0" indent="0" algn="r" defTabSz="914400" rtl="0" eaLnBrk="1" fontAlgn="auto" latinLnBrk="0" hangingPunct="1">
                 <a:lnSpc>
                   <a:spcPts val="4320"/>
                 </a:lnSpc>
+                <a:spcBef>
+                  <a:spcPts val="0"/>
+                </a:spcBef>
+                <a:spcAft>
+                  <a:spcPts val="0"/>
+                </a:spcAft>
+                <a:buClrTx/>
+                <a:buSzTx/>
+                <a:buFontTx/>
+                <a:buNone/>
+                <a:tabLst/>
+                <a:defRPr/>
               </a:pPr>
               <a:r>
-                <a:rPr lang="en-US" sz="3600" spc="252">
+                <a:rPr kumimoji="0" lang="en-US" sz="3600" b="0" i="0" u="none" strike="noStrike" kern="1200" cap="none" spc="252" normalizeH="0" baseline="0" noProof="0">
+                  <a:ln>
+                    <a:noFill/>
+                  </a:ln>
                   <a:solidFill>
                     <a:srgbClr val="D0C3F1"/>
                   </a:solidFill>
+                  <a:effectLst/>
+                  <a:uLnTx/>
+                  <a:uFillTx/>
                   <a:latin typeface="Poppins Bold Italics"/>
+                  <a:ea typeface="+mn-ea"/>
+                  <a:cs typeface="+mn-cs"/>
                 </a:rPr>
                 <a:t>ONLINE BOUTIQUE</a:t>
               </a:r>
@@ -12101,17 +14866,37 @@
             </a:bodyPr>
             <a:lstStyle/>
             <a:p>
-              <a:pPr algn="r">
+              <a:pPr marL="0" marR="0" lvl="0" indent="0" algn="r" defTabSz="914400" rtl="0" eaLnBrk="1" fontAlgn="auto" latinLnBrk="0" hangingPunct="1">
                 <a:lnSpc>
                   <a:spcPts val="3900"/>
                 </a:lnSpc>
+                <a:spcBef>
+                  <a:spcPts val="0"/>
+                </a:spcBef>
+                <a:spcAft>
+                  <a:spcPts val="0"/>
+                </a:spcAft>
+                <a:buClrTx/>
+                <a:buSzTx/>
+                <a:buFontTx/>
+                <a:buNone/>
+                <a:tabLst/>
+                <a:defRPr/>
               </a:pPr>
               <a:r>
-                <a:rPr lang="en-US" sz="2600">
+                <a:rPr kumimoji="0" lang="en-US" sz="2600" b="0" i="0" u="none" strike="noStrike" kern="1200" cap="none" spc="0" normalizeH="0" baseline="0" noProof="0">
+                  <a:ln>
+                    <a:noFill/>
+                  </a:ln>
                   <a:solidFill>
                     <a:srgbClr val="D0C3F1"/>
                   </a:solidFill>
+                  <a:effectLst/>
+                  <a:uLnTx/>
+                  <a:uFillTx/>
                   <a:latin typeface="Poppins Light"/>
+                  <a:ea typeface="+mn-ea"/>
+                  <a:cs typeface="+mn-cs"/>
                 </a:rPr>
                 <a:t>Presentations are communication tools that can be used.</a:t>
               </a:r>
@@ -12154,17 +14939,37 @@
             </a:bodyPr>
             <a:lstStyle/>
             <a:p>
-              <a:pPr>
+              <a:pPr marL="0" marR="0" lvl="0" indent="0" algn="l" defTabSz="914400" rtl="0" eaLnBrk="1" fontAlgn="auto" latinLnBrk="0" hangingPunct="1">
                 <a:lnSpc>
                   <a:spcPts val="4319"/>
                 </a:lnSpc>
+                <a:spcBef>
+                  <a:spcPts val="0"/>
+                </a:spcBef>
+                <a:spcAft>
+                  <a:spcPts val="0"/>
+                </a:spcAft>
+                <a:buClrTx/>
+                <a:buSzTx/>
+                <a:buFontTx/>
+                <a:buNone/>
+                <a:tabLst/>
+                <a:defRPr/>
               </a:pPr>
               <a:r>
-                <a:rPr lang="en-US" sz="3599" spc="251">
+                <a:rPr kumimoji="0" lang="en-US" sz="3599" b="0" i="0" u="none" strike="noStrike" kern="1200" cap="none" spc="251" normalizeH="0" baseline="0" noProof="0">
+                  <a:ln>
+                    <a:noFill/>
+                  </a:ln>
                   <a:solidFill>
                     <a:srgbClr val="D0C3F1"/>
                   </a:solidFill>
+                  <a:effectLst/>
+                  <a:uLnTx/>
+                  <a:uFillTx/>
                   <a:latin typeface="Poppins Bold Italics"/>
+                  <a:ea typeface="+mn-ea"/>
+                  <a:cs typeface="+mn-cs"/>
                 </a:rPr>
                 <a:t>DEPARTMENT STORES</a:t>
               </a:r>
@@ -12192,17 +14997,37 @@
             </a:bodyPr>
             <a:lstStyle/>
             <a:p>
-              <a:pPr>
+              <a:pPr marL="0" marR="0" lvl="0" indent="0" algn="l" defTabSz="914400" rtl="0" eaLnBrk="1" fontAlgn="auto" latinLnBrk="0" hangingPunct="1">
                 <a:lnSpc>
                   <a:spcPts val="3899"/>
                 </a:lnSpc>
+                <a:spcBef>
+                  <a:spcPts val="0"/>
+                </a:spcBef>
+                <a:spcAft>
+                  <a:spcPts val="0"/>
+                </a:spcAft>
+                <a:buClrTx/>
+                <a:buSzTx/>
+                <a:buFontTx/>
+                <a:buNone/>
+                <a:tabLst/>
+                <a:defRPr/>
               </a:pPr>
               <a:r>
-                <a:rPr lang="en-US" sz="2599">
+                <a:rPr kumimoji="0" lang="en-US" sz="2599" b="0" i="0" u="none" strike="noStrike" kern="1200" cap="none" spc="0" normalizeH="0" baseline="0" noProof="0">
+                  <a:ln>
+                    <a:noFill/>
+                  </a:ln>
                   <a:solidFill>
                     <a:srgbClr val="D0C3F1"/>
                   </a:solidFill>
+                  <a:effectLst/>
+                  <a:uLnTx/>
+                  <a:uFillTx/>
                   <a:latin typeface="Poppins Light"/>
+                  <a:ea typeface="+mn-ea"/>
+                  <a:cs typeface="+mn-cs"/>
                 </a:rPr>
                 <a:t>Presentations are communication tools that can be used.</a:t>
               </a:r>
@@ -12245,17 +15070,37 @@
             </a:bodyPr>
             <a:lstStyle/>
             <a:p>
-              <a:pPr algn="r">
+              <a:pPr marL="0" marR="0" lvl="0" indent="0" algn="r" defTabSz="914400" rtl="0" eaLnBrk="1" fontAlgn="auto" latinLnBrk="0" hangingPunct="1">
                 <a:lnSpc>
                   <a:spcPts val="4320"/>
                 </a:lnSpc>
+                <a:spcBef>
+                  <a:spcPts val="0"/>
+                </a:spcBef>
+                <a:spcAft>
+                  <a:spcPts val="0"/>
+                </a:spcAft>
+                <a:buClrTx/>
+                <a:buSzTx/>
+                <a:buFontTx/>
+                <a:buNone/>
+                <a:tabLst/>
+                <a:defRPr/>
               </a:pPr>
               <a:r>
-                <a:rPr lang="en-US" sz="3600" spc="252">
+                <a:rPr kumimoji="0" lang="en-US" sz="3600" b="0" i="0" u="none" strike="noStrike" kern="1200" cap="none" spc="252" normalizeH="0" baseline="0" noProof="0">
+                  <a:ln>
+                    <a:noFill/>
+                  </a:ln>
                   <a:solidFill>
                     <a:srgbClr val="D0C3F1"/>
                   </a:solidFill>
+                  <a:effectLst/>
+                  <a:uLnTx/>
+                  <a:uFillTx/>
                   <a:latin typeface="Poppins Bold Italics"/>
+                  <a:ea typeface="+mn-ea"/>
+                  <a:cs typeface="+mn-cs"/>
                 </a:rPr>
                 <a:t>BAZAARS AND MARKETS</a:t>
               </a:r>
@@ -12283,17 +15128,37 @@
             </a:bodyPr>
             <a:lstStyle/>
             <a:p>
-              <a:pPr algn="r">
+              <a:pPr marL="0" marR="0" lvl="0" indent="0" algn="r" defTabSz="914400" rtl="0" eaLnBrk="1" fontAlgn="auto" latinLnBrk="0" hangingPunct="1">
                 <a:lnSpc>
                   <a:spcPts val="3900"/>
                 </a:lnSpc>
+                <a:spcBef>
+                  <a:spcPts val="0"/>
+                </a:spcBef>
+                <a:spcAft>
+                  <a:spcPts val="0"/>
+                </a:spcAft>
+                <a:buClrTx/>
+                <a:buSzTx/>
+                <a:buFontTx/>
+                <a:buNone/>
+                <a:tabLst/>
+                <a:defRPr/>
               </a:pPr>
               <a:r>
-                <a:rPr lang="en-US" sz="2600">
+                <a:rPr kumimoji="0" lang="en-US" sz="2600" b="0" i="0" u="none" strike="noStrike" kern="1200" cap="none" spc="0" normalizeH="0" baseline="0" noProof="0">
+                  <a:ln>
+                    <a:noFill/>
+                  </a:ln>
                   <a:solidFill>
                     <a:srgbClr val="D0C3F1"/>
                   </a:solidFill>
+                  <a:effectLst/>
+                  <a:uLnTx/>
+                  <a:uFillTx/>
                   <a:latin typeface="Poppins Light"/>
+                  <a:ea typeface="+mn-ea"/>
+                  <a:cs typeface="+mn-cs"/>
                 </a:rPr>
                 <a:t>Presentations are communication tools that can be used.</a:t>
               </a:r>
@@ -13098,6 +15963,9 @@
   <p:clrMapOvr>
     <a:masterClrMapping/>
   </p:clrMapOvr>
+  <p:transition spd="slow">
+    <p:push/>
+  </p:transition>
 </p:sld>
 </file>
 
@@ -13301,17 +16169,37 @@
             </a:bodyPr>
             <a:lstStyle/>
             <a:p>
-              <a:pPr algn="ctr">
+              <a:pPr marL="0" marR="0" lvl="0" indent="0" algn="ctr" defTabSz="914400" rtl="0" eaLnBrk="1" fontAlgn="auto" latinLnBrk="0" hangingPunct="1">
                 <a:lnSpc>
                   <a:spcPts val="4159"/>
                 </a:lnSpc>
+                <a:spcBef>
+                  <a:spcPts val="0"/>
+                </a:spcBef>
+                <a:spcAft>
+                  <a:spcPts val="0"/>
+                </a:spcAft>
+                <a:buClrTx/>
+                <a:buSzTx/>
+                <a:buFontTx/>
+                <a:buNone/>
+                <a:tabLst/>
+                <a:defRPr/>
               </a:pPr>
               <a:r>
-                <a:rPr lang="en-US" sz="3199" spc="319">
+                <a:rPr kumimoji="0" lang="en-US" sz="3199" b="0" i="0" u="none" strike="noStrike" kern="1200" cap="none" spc="319" normalizeH="0" baseline="0" noProof="0">
+                  <a:ln>
+                    <a:noFill/>
+                  </a:ln>
                   <a:solidFill>
                     <a:srgbClr val="D0C3F1"/>
                   </a:solidFill>
+                  <a:effectLst/>
+                  <a:uLnTx/>
+                  <a:uFillTx/>
                   <a:latin typeface="Poppins Light Bold"/>
+                  <a:ea typeface="+mn-ea"/>
+                  <a:cs typeface="+mn-cs"/>
                 </a:rPr>
                 <a:t>FACEBOOK</a:t>
               </a:r>
@@ -13339,17 +16227,37 @@
             </a:bodyPr>
             <a:lstStyle/>
             <a:p>
-              <a:pPr algn="ctr">
+              <a:pPr marL="0" marR="0" lvl="0" indent="0" algn="ctr" defTabSz="914400" rtl="0" eaLnBrk="1" fontAlgn="auto" latinLnBrk="0" hangingPunct="1">
                 <a:lnSpc>
                   <a:spcPts val="3900"/>
                 </a:lnSpc>
+                <a:spcBef>
+                  <a:spcPts val="0"/>
+                </a:spcBef>
+                <a:spcAft>
+                  <a:spcPts val="0"/>
+                </a:spcAft>
+                <a:buClrTx/>
+                <a:buSzTx/>
+                <a:buFontTx/>
+                <a:buNone/>
+                <a:tabLst/>
+                <a:defRPr/>
               </a:pPr>
               <a:r>
-                <a:rPr lang="en-US" sz="2600">
+                <a:rPr kumimoji="0" lang="en-US" sz="2600" b="0" i="0" u="none" strike="noStrike" kern="1200" cap="none" spc="0" normalizeH="0" baseline="0" noProof="0">
+                  <a:ln>
+                    <a:noFill/>
+                  </a:ln>
                   <a:solidFill>
                     <a:srgbClr val="D0C3F1"/>
                   </a:solidFill>
+                  <a:effectLst/>
+                  <a:uLnTx/>
+                  <a:uFillTx/>
                   <a:latin typeface="Poppins Light"/>
+                  <a:ea typeface="+mn-ea"/>
+                  <a:cs typeface="+mn-cs"/>
                 </a:rPr>
                 <a:t>Presentations are communication tools.</a:t>
               </a:r>
@@ -13392,17 +16300,37 @@
             </a:bodyPr>
             <a:lstStyle/>
             <a:p>
-              <a:pPr algn="ctr">
+              <a:pPr marL="0" marR="0" lvl="0" indent="0" algn="ctr" defTabSz="914400" rtl="0" eaLnBrk="1" fontAlgn="auto" latinLnBrk="0" hangingPunct="1">
                 <a:lnSpc>
                   <a:spcPts val="4159"/>
                 </a:lnSpc>
+                <a:spcBef>
+                  <a:spcPts val="0"/>
+                </a:spcBef>
+                <a:spcAft>
+                  <a:spcPts val="0"/>
+                </a:spcAft>
+                <a:buClrTx/>
+                <a:buSzTx/>
+                <a:buFontTx/>
+                <a:buNone/>
+                <a:tabLst/>
+                <a:defRPr/>
               </a:pPr>
               <a:r>
-                <a:rPr lang="en-US" sz="3199" spc="319">
+                <a:rPr kumimoji="0" lang="en-US" sz="3199" b="0" i="0" u="none" strike="noStrike" kern="1200" cap="none" spc="319" normalizeH="0" baseline="0" noProof="0">
+                  <a:ln>
+                    <a:noFill/>
+                  </a:ln>
                   <a:solidFill>
                     <a:srgbClr val="D0C3F1"/>
                   </a:solidFill>
+                  <a:effectLst/>
+                  <a:uLnTx/>
+                  <a:uFillTx/>
                   <a:latin typeface="Poppins Light Bold"/>
+                  <a:ea typeface="+mn-ea"/>
+                  <a:cs typeface="+mn-cs"/>
                 </a:rPr>
                 <a:t>TWITTER</a:t>
               </a:r>
@@ -13430,17 +16358,37 @@
             </a:bodyPr>
             <a:lstStyle/>
             <a:p>
-              <a:pPr algn="ctr">
+              <a:pPr marL="0" marR="0" lvl="0" indent="0" algn="ctr" defTabSz="914400" rtl="0" eaLnBrk="1" fontAlgn="auto" latinLnBrk="0" hangingPunct="1">
                 <a:lnSpc>
                   <a:spcPts val="3900"/>
                 </a:lnSpc>
+                <a:spcBef>
+                  <a:spcPts val="0"/>
+                </a:spcBef>
+                <a:spcAft>
+                  <a:spcPts val="0"/>
+                </a:spcAft>
+                <a:buClrTx/>
+                <a:buSzTx/>
+                <a:buFontTx/>
+                <a:buNone/>
+                <a:tabLst/>
+                <a:defRPr/>
               </a:pPr>
               <a:r>
-                <a:rPr lang="en-US" sz="2600">
+                <a:rPr kumimoji="0" lang="en-US" sz="2600" b="0" i="0" u="none" strike="noStrike" kern="1200" cap="none" spc="0" normalizeH="0" baseline="0" noProof="0">
+                  <a:ln>
+                    <a:noFill/>
+                  </a:ln>
                   <a:solidFill>
                     <a:srgbClr val="D0C3F1"/>
                   </a:solidFill>
+                  <a:effectLst/>
+                  <a:uLnTx/>
+                  <a:uFillTx/>
                   <a:latin typeface="Poppins Light"/>
+                  <a:ea typeface="+mn-ea"/>
+                  <a:cs typeface="+mn-cs"/>
                 </a:rPr>
                 <a:t>Presentations are communication tools.</a:t>
               </a:r>
@@ -13483,17 +16431,37 @@
             </a:bodyPr>
             <a:lstStyle/>
             <a:p>
-              <a:pPr algn="ctr">
+              <a:pPr marL="0" marR="0" lvl="0" indent="0" algn="ctr" defTabSz="914400" rtl="0" eaLnBrk="1" fontAlgn="auto" latinLnBrk="0" hangingPunct="1">
                 <a:lnSpc>
                   <a:spcPts val="4159"/>
                 </a:lnSpc>
+                <a:spcBef>
+                  <a:spcPts val="0"/>
+                </a:spcBef>
+                <a:spcAft>
+                  <a:spcPts val="0"/>
+                </a:spcAft>
+                <a:buClrTx/>
+                <a:buSzTx/>
+                <a:buFontTx/>
+                <a:buNone/>
+                <a:tabLst/>
+                <a:defRPr/>
               </a:pPr>
               <a:r>
-                <a:rPr lang="en-US" sz="3199" spc="319">
+                <a:rPr kumimoji="0" lang="en-US" sz="3199" b="0" i="0" u="none" strike="noStrike" kern="1200" cap="none" spc="319" normalizeH="0" baseline="0" noProof="0">
+                  <a:ln>
+                    <a:noFill/>
+                  </a:ln>
                   <a:solidFill>
                     <a:srgbClr val="D0C3F1"/>
                   </a:solidFill>
+                  <a:effectLst/>
+                  <a:uLnTx/>
+                  <a:uFillTx/>
                   <a:latin typeface="Poppins Light Bold"/>
+                  <a:ea typeface="+mn-ea"/>
+                  <a:cs typeface="+mn-cs"/>
                 </a:rPr>
                 <a:t>INSTAGRAM</a:t>
               </a:r>
@@ -13521,17 +16489,37 @@
             </a:bodyPr>
             <a:lstStyle/>
             <a:p>
-              <a:pPr algn="ctr">
+              <a:pPr marL="0" marR="0" lvl="0" indent="0" algn="ctr" defTabSz="914400" rtl="0" eaLnBrk="1" fontAlgn="auto" latinLnBrk="0" hangingPunct="1">
                 <a:lnSpc>
                   <a:spcPts val="3900"/>
                 </a:lnSpc>
+                <a:spcBef>
+                  <a:spcPts val="0"/>
+                </a:spcBef>
+                <a:spcAft>
+                  <a:spcPts val="0"/>
+                </a:spcAft>
+                <a:buClrTx/>
+                <a:buSzTx/>
+                <a:buFontTx/>
+                <a:buNone/>
+                <a:tabLst/>
+                <a:defRPr/>
               </a:pPr>
               <a:r>
-                <a:rPr lang="en-US" sz="2600">
+                <a:rPr kumimoji="0" lang="en-US" sz="2600" b="0" i="0" u="none" strike="noStrike" kern="1200" cap="none" spc="0" normalizeH="0" baseline="0" noProof="0">
+                  <a:ln>
+                    <a:noFill/>
+                  </a:ln>
                   <a:solidFill>
                     <a:srgbClr val="D0C3F1"/>
                   </a:solidFill>
+                  <a:effectLst/>
+                  <a:uLnTx/>
+                  <a:uFillTx/>
                   <a:latin typeface="Poppins Light"/>
+                  <a:ea typeface="+mn-ea"/>
+                  <a:cs typeface="+mn-cs"/>
                 </a:rPr>
                 <a:t>Presentations are communication tools.</a:t>
               </a:r>
@@ -14138,6 +17126,9 @@
   <p:clrMapOvr>
     <a:masterClrMapping/>
   </p:clrMapOvr>
+  <p:transition spd="slow">
+    <p:push/>
+  </p:transition>
 </p:sld>
 </file>
 
@@ -14341,17 +17332,37 @@
             </a:bodyPr>
             <a:lstStyle/>
             <a:p>
-              <a:pPr algn="ctr">
+              <a:pPr marL="0" marR="0" lvl="0" indent="0" algn="ctr" defTabSz="914400" rtl="0" eaLnBrk="1" fontAlgn="auto" latinLnBrk="0" hangingPunct="1">
                 <a:lnSpc>
                   <a:spcPts val="4159"/>
                 </a:lnSpc>
+                <a:spcBef>
+                  <a:spcPts val="0"/>
+                </a:spcBef>
+                <a:spcAft>
+                  <a:spcPts val="0"/>
+                </a:spcAft>
+                <a:buClrTx/>
+                <a:buSzTx/>
+                <a:buFontTx/>
+                <a:buNone/>
+                <a:tabLst/>
+                <a:defRPr/>
               </a:pPr>
               <a:r>
-                <a:rPr lang="en-US" sz="3199" spc="319">
+                <a:rPr kumimoji="0" lang="en-US" sz="3199" b="0" i="0" u="none" strike="noStrike" kern="1200" cap="none" spc="319" normalizeH="0" baseline="0" noProof="0">
+                  <a:ln>
+                    <a:noFill/>
+                  </a:ln>
                   <a:solidFill>
                     <a:srgbClr val="D0C3F1"/>
                   </a:solidFill>
+                  <a:effectLst/>
+                  <a:uLnTx/>
+                  <a:uFillTx/>
                   <a:latin typeface="Poppins Light Bold"/>
+                  <a:ea typeface="+mn-ea"/>
+                  <a:cs typeface="+mn-cs"/>
                 </a:rPr>
                 <a:t>SHANNON COLEMAN</a:t>
               </a:r>
@@ -14379,17 +17390,37 @@
             </a:bodyPr>
             <a:lstStyle/>
             <a:p>
-              <a:pPr algn="ctr">
+              <a:pPr marL="0" marR="0" lvl="0" indent="0" algn="ctr" defTabSz="914400" rtl="0" eaLnBrk="1" fontAlgn="auto" latinLnBrk="0" hangingPunct="1">
                 <a:lnSpc>
                   <a:spcPts val="4500"/>
                 </a:lnSpc>
+                <a:spcBef>
+                  <a:spcPts val="0"/>
+                </a:spcBef>
+                <a:spcAft>
+                  <a:spcPts val="0"/>
+                </a:spcAft>
+                <a:buClrTx/>
+                <a:buSzTx/>
+                <a:buFontTx/>
+                <a:buNone/>
+                <a:tabLst/>
+                <a:defRPr/>
               </a:pPr>
               <a:r>
-                <a:rPr lang="en-US" sz="3000">
+                <a:rPr kumimoji="0" lang="en-US" sz="3000" b="0" i="0" u="none" strike="noStrike" kern="1200" cap="none" spc="0" normalizeH="0" baseline="0" noProof="0">
+                  <a:ln>
+                    <a:noFill/>
+                  </a:ln>
                   <a:solidFill>
                     <a:srgbClr val="D0C3F1"/>
                   </a:solidFill>
+                  <a:effectLst/>
+                  <a:uLnTx/>
+                  <a:uFillTx/>
                   <a:latin typeface="Poppins Light"/>
+                  <a:ea typeface="+mn-ea"/>
+                  <a:cs typeface="+mn-cs"/>
                 </a:rPr>
                 <a:t>Founder and CEO</a:t>
               </a:r>
@@ -14432,17 +17463,37 @@
             </a:bodyPr>
             <a:lstStyle/>
             <a:p>
-              <a:pPr algn="ctr">
+              <a:pPr marL="0" marR="0" lvl="0" indent="0" algn="ctr" defTabSz="914400" rtl="0" eaLnBrk="1" fontAlgn="auto" latinLnBrk="0" hangingPunct="1">
                 <a:lnSpc>
                   <a:spcPts val="4159"/>
                 </a:lnSpc>
+                <a:spcBef>
+                  <a:spcPts val="0"/>
+                </a:spcBef>
+                <a:spcAft>
+                  <a:spcPts val="0"/>
+                </a:spcAft>
+                <a:buClrTx/>
+                <a:buSzTx/>
+                <a:buFontTx/>
+                <a:buNone/>
+                <a:tabLst/>
+                <a:defRPr/>
               </a:pPr>
               <a:r>
-                <a:rPr lang="en-US" sz="3199" spc="319">
+                <a:rPr kumimoji="0" lang="en-US" sz="3199" b="0" i="0" u="none" strike="noStrike" kern="1200" cap="none" spc="319" normalizeH="0" baseline="0" noProof="0">
+                  <a:ln>
+                    <a:noFill/>
+                  </a:ln>
                   <a:solidFill>
                     <a:srgbClr val="D0C3F1"/>
                   </a:solidFill>
+                  <a:effectLst/>
+                  <a:uLnTx/>
+                  <a:uFillTx/>
                   <a:latin typeface="Poppins Light Bold"/>
+                  <a:ea typeface="+mn-ea"/>
+                  <a:cs typeface="+mn-cs"/>
                 </a:rPr>
                 <a:t>THOMAS HUFF</a:t>
               </a:r>
@@ -14470,17 +17521,37 @@
             </a:bodyPr>
             <a:lstStyle/>
             <a:p>
-              <a:pPr algn="ctr">
+              <a:pPr marL="0" marR="0" lvl="0" indent="0" algn="ctr" defTabSz="914400" rtl="0" eaLnBrk="1" fontAlgn="auto" latinLnBrk="0" hangingPunct="1">
                 <a:lnSpc>
                   <a:spcPts val="4500"/>
                 </a:lnSpc>
+                <a:spcBef>
+                  <a:spcPts val="0"/>
+                </a:spcBef>
+                <a:spcAft>
+                  <a:spcPts val="0"/>
+                </a:spcAft>
+                <a:buClrTx/>
+                <a:buSzTx/>
+                <a:buFontTx/>
+                <a:buNone/>
+                <a:tabLst/>
+                <a:defRPr/>
               </a:pPr>
               <a:r>
-                <a:rPr lang="en-US" sz="3000">
+                <a:rPr kumimoji="0" lang="en-US" sz="3000" b="0" i="0" u="none" strike="noStrike" kern="1200" cap="none" spc="0" normalizeH="0" baseline="0" noProof="0">
+                  <a:ln>
+                    <a:noFill/>
+                  </a:ln>
                   <a:solidFill>
                     <a:srgbClr val="D0C3F1"/>
                   </a:solidFill>
+                  <a:effectLst/>
+                  <a:uLnTx/>
+                  <a:uFillTx/>
                   <a:latin typeface="Poppins Light"/>
+                  <a:ea typeface="+mn-ea"/>
+                  <a:cs typeface="+mn-cs"/>
                 </a:rPr>
                 <a:t>Creative Director</a:t>
               </a:r>
@@ -14523,17 +17594,37 @@
             </a:bodyPr>
             <a:lstStyle/>
             <a:p>
-              <a:pPr algn="ctr">
+              <a:pPr marL="0" marR="0" lvl="0" indent="0" algn="ctr" defTabSz="914400" rtl="0" eaLnBrk="1" fontAlgn="auto" latinLnBrk="0" hangingPunct="1">
                 <a:lnSpc>
                   <a:spcPts val="4159"/>
                 </a:lnSpc>
+                <a:spcBef>
+                  <a:spcPts val="0"/>
+                </a:spcBef>
+                <a:spcAft>
+                  <a:spcPts val="0"/>
+                </a:spcAft>
+                <a:buClrTx/>
+                <a:buSzTx/>
+                <a:buFontTx/>
+                <a:buNone/>
+                <a:tabLst/>
+                <a:defRPr/>
               </a:pPr>
               <a:r>
-                <a:rPr lang="en-US" sz="3199" spc="319">
+                <a:rPr kumimoji="0" lang="en-US" sz="3199" b="0" i="0" u="none" strike="noStrike" kern="1200" cap="none" spc="319" normalizeH="0" baseline="0" noProof="0">
+                  <a:ln>
+                    <a:noFill/>
+                  </a:ln>
                   <a:solidFill>
                     <a:srgbClr val="D0C3F1"/>
                   </a:solidFill>
+                  <a:effectLst/>
+                  <a:uLnTx/>
+                  <a:uFillTx/>
                   <a:latin typeface="Poppins Light Bold"/>
+                  <a:ea typeface="+mn-ea"/>
+                  <a:cs typeface="+mn-cs"/>
                 </a:rPr>
                 <a:t>MARGAERY WARREN</a:t>
               </a:r>
@@ -14561,17 +17652,37 @@
             </a:bodyPr>
             <a:lstStyle/>
             <a:p>
-              <a:pPr algn="ctr">
+              <a:pPr marL="0" marR="0" lvl="0" indent="0" algn="ctr" defTabSz="914400" rtl="0" eaLnBrk="1" fontAlgn="auto" latinLnBrk="0" hangingPunct="1">
                 <a:lnSpc>
                   <a:spcPts val="4500"/>
                 </a:lnSpc>
+                <a:spcBef>
+                  <a:spcPts val="0"/>
+                </a:spcBef>
+                <a:spcAft>
+                  <a:spcPts val="0"/>
+                </a:spcAft>
+                <a:buClrTx/>
+                <a:buSzTx/>
+                <a:buFontTx/>
+                <a:buNone/>
+                <a:tabLst/>
+                <a:defRPr/>
               </a:pPr>
               <a:r>
-                <a:rPr lang="en-US" sz="3000">
+                <a:rPr kumimoji="0" lang="en-US" sz="3000" b="0" i="0" u="none" strike="noStrike" kern="1200" cap="none" spc="0" normalizeH="0" baseline="0" noProof="0">
+                  <a:ln>
+                    <a:noFill/>
+                  </a:ln>
                   <a:solidFill>
                     <a:srgbClr val="D0C3F1"/>
                   </a:solidFill>
+                  <a:effectLst/>
+                  <a:uLnTx/>
+                  <a:uFillTx/>
                   <a:latin typeface="Poppins Light"/>
+                  <a:ea typeface="+mn-ea"/>
+                  <a:cs typeface="+mn-cs"/>
                 </a:rPr>
                 <a:t>Marketing Manager</a:t>
               </a:r>
@@ -14584,6 +17695,9 @@
   <p:clrMapOvr>
     <a:masterClrMapping/>
   </p:clrMapOvr>
+  <p:transition spd="slow">
+    <p:push/>
+  </p:transition>
 </p:sld>
 </file>
 
@@ -14787,17 +17901,37 @@
             </a:bodyPr>
             <a:lstStyle/>
             <a:p>
-              <a:pPr>
+              <a:pPr marL="0" marR="0" lvl="0" indent="0" algn="l" defTabSz="914400" rtl="0" eaLnBrk="1" fontAlgn="auto" latinLnBrk="0" hangingPunct="1">
                 <a:lnSpc>
                   <a:spcPts val="4159"/>
                 </a:lnSpc>
+                <a:spcBef>
+                  <a:spcPts val="0"/>
+                </a:spcBef>
+                <a:spcAft>
+                  <a:spcPts val="0"/>
+                </a:spcAft>
+                <a:buClrTx/>
+                <a:buSzTx/>
+                <a:buFontTx/>
+                <a:buNone/>
+                <a:tabLst/>
+                <a:defRPr/>
               </a:pPr>
               <a:r>
-                <a:rPr lang="en-US" sz="3199" spc="319">
+                <a:rPr kumimoji="0" lang="en-US" sz="3199" b="0" i="0" u="none" strike="noStrike" kern="1200" cap="none" spc="319" normalizeH="0" baseline="0" noProof="0">
+                  <a:ln>
+                    <a:noFill/>
+                  </a:ln>
                   <a:solidFill>
                     <a:srgbClr val="D0C3F1"/>
                   </a:solidFill>
+                  <a:effectLst/>
+                  <a:uLnTx/>
+                  <a:uFillTx/>
                   <a:latin typeface="Poppins Light Bold"/>
+                  <a:ea typeface="+mn-ea"/>
+                  <a:cs typeface="+mn-cs"/>
                 </a:rPr>
                 <a:t>MAILING ADDRESS</a:t>
               </a:r>
@@ -14825,17 +17959,37 @@
             </a:bodyPr>
             <a:lstStyle/>
             <a:p>
-              <a:pPr>
+              <a:pPr marL="0" marR="0" lvl="0" indent="0" algn="l" defTabSz="914400" rtl="0" eaLnBrk="1" fontAlgn="auto" latinLnBrk="0" hangingPunct="1">
                 <a:lnSpc>
                   <a:spcPts val="4159"/>
                 </a:lnSpc>
+                <a:spcBef>
+                  <a:spcPts val="0"/>
+                </a:spcBef>
+                <a:spcAft>
+                  <a:spcPts val="0"/>
+                </a:spcAft>
+                <a:buClrTx/>
+                <a:buSzTx/>
+                <a:buFontTx/>
+                <a:buNone/>
+                <a:tabLst/>
+                <a:defRPr/>
               </a:pPr>
               <a:r>
-                <a:rPr lang="en-US" sz="3199" spc="319">
+                <a:rPr kumimoji="0" lang="en-US" sz="3199" b="0" i="0" u="none" strike="noStrike" kern="1200" cap="none" spc="319" normalizeH="0" baseline="0" noProof="0">
+                  <a:ln>
+                    <a:noFill/>
+                  </a:ln>
                   <a:solidFill>
                     <a:srgbClr val="D0C3F1"/>
                   </a:solidFill>
+                  <a:effectLst/>
+                  <a:uLnTx/>
+                  <a:uFillTx/>
                   <a:latin typeface="Poppins Light Bold"/>
+                  <a:ea typeface="+mn-ea"/>
+                  <a:cs typeface="+mn-cs"/>
                 </a:rPr>
                 <a:t>EMAIL ADDRESS</a:t>
               </a:r>
@@ -14863,17 +18017,37 @@
             </a:bodyPr>
             <a:lstStyle/>
             <a:p>
-              <a:pPr>
+              <a:pPr marL="0" marR="0" lvl="0" indent="0" algn="l" defTabSz="914400" rtl="0" eaLnBrk="1" fontAlgn="auto" latinLnBrk="0" hangingPunct="1">
                 <a:lnSpc>
                   <a:spcPts val="4159"/>
                 </a:lnSpc>
+                <a:spcBef>
+                  <a:spcPts val="0"/>
+                </a:spcBef>
+                <a:spcAft>
+                  <a:spcPts val="0"/>
+                </a:spcAft>
+                <a:buClrTx/>
+                <a:buSzTx/>
+                <a:buFontTx/>
+                <a:buNone/>
+                <a:tabLst/>
+                <a:defRPr/>
               </a:pPr>
               <a:r>
-                <a:rPr lang="en-US" sz="3199" spc="319">
+                <a:rPr kumimoji="0" lang="en-US" sz="3199" b="0" i="0" u="none" strike="noStrike" kern="1200" cap="none" spc="319" normalizeH="0" baseline="0" noProof="0">
+                  <a:ln>
+                    <a:noFill/>
+                  </a:ln>
                   <a:solidFill>
                     <a:srgbClr val="D0C3F1"/>
                   </a:solidFill>
+                  <a:effectLst/>
+                  <a:uLnTx/>
+                  <a:uFillTx/>
                   <a:latin typeface="Poppins Light Bold"/>
+                  <a:ea typeface="+mn-ea"/>
+                  <a:cs typeface="+mn-cs"/>
                 </a:rPr>
                 <a:t>PHONE NUMBER</a:t>
               </a:r>
@@ -14901,17 +18075,37 @@
             </a:bodyPr>
             <a:lstStyle/>
             <a:p>
-              <a:pPr>
+              <a:pPr marL="0" marR="0" lvl="0" indent="0" algn="l" defTabSz="914400" rtl="0" eaLnBrk="1" fontAlgn="auto" latinLnBrk="0" hangingPunct="1">
                 <a:lnSpc>
                   <a:spcPts val="4499"/>
                 </a:lnSpc>
+                <a:spcBef>
+                  <a:spcPts val="0"/>
+                </a:spcBef>
+                <a:spcAft>
+                  <a:spcPts val="0"/>
+                </a:spcAft>
+                <a:buClrTx/>
+                <a:buSzTx/>
+                <a:buFontTx/>
+                <a:buNone/>
+                <a:tabLst/>
+                <a:defRPr/>
               </a:pPr>
               <a:r>
-                <a:rPr lang="en-US" sz="2999">
+                <a:rPr kumimoji="0" lang="en-US" sz="2999" b="0" i="0" u="none" strike="noStrike" kern="1200" cap="none" spc="0" normalizeH="0" baseline="0" noProof="0">
+                  <a:ln>
+                    <a:noFill/>
+                  </a:ln>
                   <a:solidFill>
                     <a:srgbClr val="D0C3F1"/>
                   </a:solidFill>
+                  <a:effectLst/>
+                  <a:uLnTx/>
+                  <a:uFillTx/>
                   <a:latin typeface="Poppins Light"/>
+                  <a:ea typeface="+mn-ea"/>
+                  <a:cs typeface="+mn-cs"/>
                 </a:rPr>
                 <a:t>123 Anywhere St., Any City, State, Country 12345</a:t>
               </a:r>
@@ -14939,17 +18133,37 @@
             </a:bodyPr>
             <a:lstStyle/>
             <a:p>
-              <a:pPr>
+              <a:pPr marL="0" marR="0" lvl="0" indent="0" algn="l" defTabSz="914400" rtl="0" eaLnBrk="1" fontAlgn="auto" latinLnBrk="0" hangingPunct="1">
                 <a:lnSpc>
                   <a:spcPts val="4499"/>
                 </a:lnSpc>
+                <a:spcBef>
+                  <a:spcPts val="0"/>
+                </a:spcBef>
+                <a:spcAft>
+                  <a:spcPts val="0"/>
+                </a:spcAft>
+                <a:buClrTx/>
+                <a:buSzTx/>
+                <a:buFontTx/>
+                <a:buNone/>
+                <a:tabLst/>
+                <a:defRPr/>
               </a:pPr>
               <a:r>
-                <a:rPr lang="en-US" sz="2999">
+                <a:rPr kumimoji="0" lang="en-US" sz="2999" b="0" i="0" u="none" strike="noStrike" kern="1200" cap="none" spc="0" normalizeH="0" baseline="0" noProof="0">
+                  <a:ln>
+                    <a:noFill/>
+                  </a:ln>
                   <a:solidFill>
                     <a:srgbClr val="D0C3F1"/>
                   </a:solidFill>
+                  <a:effectLst/>
+                  <a:uLnTx/>
+                  <a:uFillTx/>
                   <a:latin typeface="Poppins Light"/>
+                  <a:ea typeface="+mn-ea"/>
+                  <a:cs typeface="+mn-cs"/>
                 </a:rPr>
                 <a:t>hello@reallygreatsite.com</a:t>
               </a:r>
@@ -14977,17 +18191,37 @@
             </a:bodyPr>
             <a:lstStyle/>
             <a:p>
-              <a:pPr>
+              <a:pPr marL="0" marR="0" lvl="0" indent="0" algn="l" defTabSz="914400" rtl="0" eaLnBrk="1" fontAlgn="auto" latinLnBrk="0" hangingPunct="1">
                 <a:lnSpc>
                   <a:spcPts val="4499"/>
                 </a:lnSpc>
+                <a:spcBef>
+                  <a:spcPts val="0"/>
+                </a:spcBef>
+                <a:spcAft>
+                  <a:spcPts val="0"/>
+                </a:spcAft>
+                <a:buClrTx/>
+                <a:buSzTx/>
+                <a:buFontTx/>
+                <a:buNone/>
+                <a:tabLst/>
+                <a:defRPr/>
               </a:pPr>
               <a:r>
-                <a:rPr lang="en-US" sz="2999">
+                <a:rPr kumimoji="0" lang="en-US" sz="2999" b="0" i="0" u="none" strike="noStrike" kern="1200" cap="none" spc="0" normalizeH="0" baseline="0" noProof="0">
+                  <a:ln>
+                    <a:noFill/>
+                  </a:ln>
                   <a:solidFill>
                     <a:srgbClr val="D0C3F1"/>
                   </a:solidFill>
+                  <a:effectLst/>
+                  <a:uLnTx/>
+                  <a:uFillTx/>
                   <a:latin typeface="Poppins Light"/>
+                  <a:ea typeface="+mn-ea"/>
+                  <a:cs typeface="+mn-cs"/>
                 </a:rPr>
                 <a:t>(123) 456 7890</a:t>
               </a:r>
@@ -15000,6 +18234,9 @@
   <p:clrMapOvr>
     <a:masterClrMapping/>
   </p:clrMapOvr>
+  <p:transition spd="slow">
+    <p:push/>
+  </p:transition>
 </p:sld>
 </file>
 
@@ -15189,35 +18426,71 @@
           </a:bodyPr>
           <a:lstStyle/>
           <a:p>
-            <a:pPr>
+            <a:pPr marL="0" marR="0" lvl="0" indent="0" algn="l" defTabSz="914400" rtl="0" eaLnBrk="1" fontAlgn="auto" latinLnBrk="0" hangingPunct="1">
               <a:lnSpc>
                 <a:spcPts val="8640"/>
               </a:lnSpc>
+              <a:spcBef>
+                <a:spcPts val="0"/>
+              </a:spcBef>
+              <a:spcAft>
+                <a:spcPts val="0"/>
+              </a:spcAft>
+              <a:buClrTx/>
+              <a:buSzTx/>
+              <a:buFontTx/>
+              <a:buNone/>
+              <a:tabLst/>
+              <a:defRPr/>
             </a:pPr>
             <a:r>
-              <a:rPr lang="en-US" sz="7200" spc="-215">
+              <a:rPr kumimoji="0" lang="en-US" sz="7200" b="0" i="0" u="none" strike="noStrike" kern="1200" cap="none" spc="-215" normalizeH="0" baseline="0" noProof="0">
+                <a:ln>
+                  <a:noFill/>
+                </a:ln>
                 <a:solidFill>
                   <a:srgbClr val="D0C3F1"/>
                 </a:solidFill>
+                <a:effectLst/>
+                <a:uLnTx/>
+                <a:uFillTx/>
                 <a:latin typeface="Poppins Medium Bold"/>
+                <a:ea typeface="+mn-ea"/>
+                <a:cs typeface="+mn-cs"/>
               </a:rPr>
               <a:t>Fast fashion isn't free. Someone, </a:t>
             </a:r>
             <a:r>
-              <a:rPr lang="en-US" sz="7200" spc="-215" err="1">
+              <a:rPr kumimoji="0" lang="en-US" sz="7200" b="0" i="0" u="none" strike="noStrike" kern="1200" cap="none" spc="-215" normalizeH="0" baseline="0" noProof="0" err="1">
+                <a:ln>
+                  <a:noFill/>
+                </a:ln>
                 <a:solidFill>
                   <a:srgbClr val="D0C3F1"/>
                 </a:solidFill>
+                <a:effectLst/>
+                <a:uLnTx/>
+                <a:uFillTx/>
                 <a:latin typeface="Poppins Medium Bold"/>
+                <a:ea typeface="+mn-ea"/>
+                <a:cs typeface="+mn-cs"/>
               </a:rPr>
               <a:t>somwhere</a:t>
             </a:r>
             <a:r>
-              <a:rPr lang="en-US" sz="7200" spc="-215">
+              <a:rPr kumimoji="0" lang="en-US" sz="7200" b="0" i="0" u="none" strike="noStrike" kern="1200" cap="none" spc="-215" normalizeH="0" baseline="0" noProof="0">
+                <a:ln>
+                  <a:noFill/>
+                </a:ln>
                 <a:solidFill>
                   <a:srgbClr val="D0C3F1"/>
                 </a:solidFill>
+                <a:effectLst/>
+                <a:uLnTx/>
+                <a:uFillTx/>
                 <a:latin typeface="Poppins Medium Bold"/>
+                <a:ea typeface="+mn-ea"/>
+                <a:cs typeface="+mn-cs"/>
               </a:rPr>
               <a:t> is paying.</a:t>
             </a:r>
@@ -15245,17 +18518,37 @@
           </a:bodyPr>
           <a:lstStyle/>
           <a:p>
-            <a:pPr algn="r">
+            <a:pPr marL="0" marR="0" lvl="0" indent="0" algn="r" defTabSz="914400" rtl="0" eaLnBrk="1" fontAlgn="auto" latinLnBrk="0" hangingPunct="1">
               <a:lnSpc>
                 <a:spcPts val="4159"/>
               </a:lnSpc>
+              <a:spcBef>
+                <a:spcPts val="0"/>
+              </a:spcBef>
+              <a:spcAft>
+                <a:spcPts val="0"/>
+              </a:spcAft>
+              <a:buClrTx/>
+              <a:buSzTx/>
+              <a:buFontTx/>
+              <a:buNone/>
+              <a:tabLst/>
+              <a:defRPr/>
             </a:pPr>
             <a:r>
-              <a:rPr lang="en-US" sz="3199" spc="319">
+              <a:rPr kumimoji="0" lang="en-US" sz="3199" b="0" i="0" u="none" strike="noStrike" kern="1200" cap="none" spc="319" normalizeH="0" baseline="0" noProof="0">
+                <a:ln>
+                  <a:noFill/>
+                </a:ln>
                 <a:solidFill>
                   <a:srgbClr val="D0C3F1"/>
                 </a:solidFill>
+                <a:effectLst/>
+                <a:uLnTx/>
+                <a:uFillTx/>
                 <a:latin typeface="Poppins Light Bold"/>
+                <a:ea typeface="+mn-ea"/>
+                <a:cs typeface="+mn-cs"/>
               </a:rPr>
               <a:t>LUCY SIEGLE</a:t>
             </a:r>
@@ -15301,6 +18594,9 @@
   <p:clrMapOvr>
     <a:masterClrMapping/>
   </p:clrMapOvr>
+  <p:transition spd="slow">
+    <p:push/>
+  </p:transition>
 </p:sld>
 </file>
 
@@ -15543,7 +18839,7 @@
             </a:bodyPr>
             <a:lstStyle/>
             <a:p>
-              <a:pPr algn="ctr">
+              <a:pPr>
                 <a:lnSpc>
                   <a:spcPts val="4499"/>
                 </a:lnSpc>
@@ -15560,7 +18856,7 @@
               </a:r>
             </a:p>
             <a:p>
-              <a:pPr algn="ctr">
+              <a:pPr>
                 <a:lnSpc>
                   <a:spcPts val="4499"/>
                 </a:lnSpc>
@@ -15668,6 +18964,237 @@
   <p:clrMapOvr>
     <a:masterClrMapping/>
   </p:clrMapOvr>
+  <p:transition spd="slow">
+    <p:push/>
+  </p:transition>
+  <p:timing>
+    <p:tnLst>
+      <p:par>
+        <p:cTn id="1" dur="indefinite" restart="never" nodeType="tmRoot">
+          <p:childTnLst>
+            <p:seq concurrent="1" nextAc="seek">
+              <p:cTn id="2" dur="indefinite" nodeType="mainSeq">
+                <p:childTnLst>
+                  <p:par>
+                    <p:cTn id="3" fill="hold">
+                      <p:stCondLst>
+                        <p:cond delay="indefinite"/>
+                      </p:stCondLst>
+                      <p:childTnLst>
+                        <p:par>
+                          <p:cTn id="4" fill="hold">
+                            <p:stCondLst>
+                              <p:cond delay="0"/>
+                            </p:stCondLst>
+                            <p:childTnLst>
+                              <p:par>
+                                <p:cTn id="5" presetID="42" presetClass="entr" presetSubtype="0" fill="hold" nodeType="clickEffect">
+                                  <p:stCondLst>
+                                    <p:cond delay="0"/>
+                                  </p:stCondLst>
+                                  <p:childTnLst>
+                                    <p:set>
+                                      <p:cBhvr>
+                                        <p:cTn id="6" dur="1" fill="hold">
+                                          <p:stCondLst>
+                                            <p:cond delay="0"/>
+                                          </p:stCondLst>
+                                        </p:cTn>
+                                        <p:tgtEl>
+                                          <p:spTgt spid="2050"/>
+                                        </p:tgtEl>
+                                        <p:attrNameLst>
+                                          <p:attrName>style.visibility</p:attrName>
+                                        </p:attrNameLst>
+                                      </p:cBhvr>
+                                      <p:to>
+                                        <p:strVal val="visible"/>
+                                      </p:to>
+                                    </p:set>
+                                    <p:animEffect transition="in" filter="fade">
+                                      <p:cBhvr>
+                                        <p:cTn id="7" dur="1000"/>
+                                        <p:tgtEl>
+                                          <p:spTgt spid="2050"/>
+                                        </p:tgtEl>
+                                      </p:cBhvr>
+                                    </p:animEffect>
+                                    <p:anim calcmode="lin" valueType="num">
+                                      <p:cBhvr>
+                                        <p:cTn id="8" dur="1000" fill="hold"/>
+                                        <p:tgtEl>
+                                          <p:spTgt spid="2050"/>
+                                        </p:tgtEl>
+                                        <p:attrNameLst>
+                                          <p:attrName>ppt_x</p:attrName>
+                                        </p:attrNameLst>
+                                      </p:cBhvr>
+                                      <p:tavLst>
+                                        <p:tav tm="0">
+                                          <p:val>
+                                            <p:strVal val="#ppt_x"/>
+                                          </p:val>
+                                        </p:tav>
+                                        <p:tav tm="100000">
+                                          <p:val>
+                                            <p:strVal val="#ppt_x"/>
+                                          </p:val>
+                                        </p:tav>
+                                      </p:tavLst>
+                                    </p:anim>
+                                    <p:anim calcmode="lin" valueType="num">
+                                      <p:cBhvr>
+                                        <p:cTn id="9" dur="1000" fill="hold"/>
+                                        <p:tgtEl>
+                                          <p:spTgt spid="2050"/>
+                                        </p:tgtEl>
+                                        <p:attrNameLst>
+                                          <p:attrName>ppt_y</p:attrName>
+                                        </p:attrNameLst>
+                                      </p:cBhvr>
+                                      <p:tavLst>
+                                        <p:tav tm="0">
+                                          <p:val>
+                                            <p:strVal val="#ppt_y+.1"/>
+                                          </p:val>
+                                        </p:tav>
+                                        <p:tav tm="100000">
+                                          <p:val>
+                                            <p:strVal val="#ppt_y"/>
+                                          </p:val>
+                                        </p:tav>
+                                      </p:tavLst>
+                                    </p:anim>
+                                  </p:childTnLst>
+                                </p:cTn>
+                              </p:par>
+                            </p:childTnLst>
+                          </p:cTn>
+                        </p:par>
+                      </p:childTnLst>
+                    </p:cTn>
+                  </p:par>
+                  <p:par>
+                    <p:cTn id="10" fill="hold">
+                      <p:stCondLst>
+                        <p:cond delay="indefinite"/>
+                      </p:stCondLst>
+                      <p:childTnLst>
+                        <p:par>
+                          <p:cTn id="11" fill="hold">
+                            <p:stCondLst>
+                              <p:cond delay="0"/>
+                            </p:stCondLst>
+                            <p:childTnLst>
+                              <p:par>
+                                <p:cTn id="12" presetID="47" presetClass="entr" presetSubtype="0" fill="hold" nodeType="clickEffect">
+                                  <p:stCondLst>
+                                    <p:cond delay="0"/>
+                                  </p:stCondLst>
+                                  <p:childTnLst>
+                                    <p:set>
+                                      <p:cBhvr>
+                                        <p:cTn id="13" dur="1" fill="hold">
+                                          <p:stCondLst>
+                                            <p:cond delay="0"/>
+                                          </p:stCondLst>
+                                        </p:cTn>
+                                        <p:tgtEl>
+                                          <p:spTgt spid="6"/>
+                                        </p:tgtEl>
+                                        <p:attrNameLst>
+                                          <p:attrName>style.visibility</p:attrName>
+                                        </p:attrNameLst>
+                                      </p:cBhvr>
+                                      <p:to>
+                                        <p:strVal val="visible"/>
+                                      </p:to>
+                                    </p:set>
+                                    <p:animEffect transition="in" filter="fade">
+                                      <p:cBhvr>
+                                        <p:cTn id="14" dur="1000"/>
+                                        <p:tgtEl>
+                                          <p:spTgt spid="6"/>
+                                        </p:tgtEl>
+                                      </p:cBhvr>
+                                    </p:animEffect>
+                                    <p:anim calcmode="lin" valueType="num">
+                                      <p:cBhvr>
+                                        <p:cTn id="15" dur="1000" fill="hold"/>
+                                        <p:tgtEl>
+                                          <p:spTgt spid="6"/>
+                                        </p:tgtEl>
+                                        <p:attrNameLst>
+                                          <p:attrName>ppt_x</p:attrName>
+                                        </p:attrNameLst>
+                                      </p:cBhvr>
+                                      <p:tavLst>
+                                        <p:tav tm="0">
+                                          <p:val>
+                                            <p:strVal val="#ppt_x"/>
+                                          </p:val>
+                                        </p:tav>
+                                        <p:tav tm="100000">
+                                          <p:val>
+                                            <p:strVal val="#ppt_x"/>
+                                          </p:val>
+                                        </p:tav>
+                                      </p:tavLst>
+                                    </p:anim>
+                                    <p:anim calcmode="lin" valueType="num">
+                                      <p:cBhvr>
+                                        <p:cTn id="16" dur="1000" fill="hold"/>
+                                        <p:tgtEl>
+                                          <p:spTgt spid="6"/>
+                                        </p:tgtEl>
+                                        <p:attrNameLst>
+                                          <p:attrName>ppt_y</p:attrName>
+                                        </p:attrNameLst>
+                                      </p:cBhvr>
+                                      <p:tavLst>
+                                        <p:tav tm="0">
+                                          <p:val>
+                                            <p:strVal val="#ppt_y-.1"/>
+                                          </p:val>
+                                        </p:tav>
+                                        <p:tav tm="100000">
+                                          <p:val>
+                                            <p:strVal val="#ppt_y"/>
+                                          </p:val>
+                                        </p:tav>
+                                      </p:tavLst>
+                                    </p:anim>
+                                  </p:childTnLst>
+                                </p:cTn>
+                              </p:par>
+                            </p:childTnLst>
+                          </p:cTn>
+                        </p:par>
+                      </p:childTnLst>
+                    </p:cTn>
+                  </p:par>
+                </p:childTnLst>
+              </p:cTn>
+              <p:prevCondLst>
+                <p:cond evt="onPrev" delay="0">
+                  <p:tgtEl>
+                    <p:sldTgt/>
+                  </p:tgtEl>
+                </p:cond>
+              </p:prevCondLst>
+              <p:nextCondLst>
+                <p:cond evt="onNext" delay="0">
+                  <p:tgtEl>
+                    <p:sldTgt/>
+                  </p:tgtEl>
+                </p:cond>
+              </p:nextCondLst>
+            </p:seq>
+          </p:childTnLst>
+        </p:cTn>
+      </p:par>
+    </p:tnLst>
+  </p:timing>
 </p:sld>
 </file>
 
@@ -16007,6 +19534,237 @@
   <p:clrMapOvr>
     <a:masterClrMapping/>
   </p:clrMapOvr>
+  <p:transition spd="slow">
+    <p:push/>
+  </p:transition>
+  <p:timing>
+    <p:tnLst>
+      <p:par>
+        <p:cTn id="1" dur="indefinite" restart="never" nodeType="tmRoot">
+          <p:childTnLst>
+            <p:seq concurrent="1" nextAc="seek">
+              <p:cTn id="2" dur="indefinite" nodeType="mainSeq">
+                <p:childTnLst>
+                  <p:par>
+                    <p:cTn id="3" fill="hold">
+                      <p:stCondLst>
+                        <p:cond delay="indefinite"/>
+                      </p:stCondLst>
+                      <p:childTnLst>
+                        <p:par>
+                          <p:cTn id="4" fill="hold">
+                            <p:stCondLst>
+                              <p:cond delay="0"/>
+                            </p:stCondLst>
+                            <p:childTnLst>
+                              <p:par>
+                                <p:cTn id="5" presetID="47" presetClass="entr" presetSubtype="0" fill="hold" nodeType="clickEffect">
+                                  <p:stCondLst>
+                                    <p:cond delay="0"/>
+                                  </p:stCondLst>
+                                  <p:childTnLst>
+                                    <p:set>
+                                      <p:cBhvr>
+                                        <p:cTn id="6" dur="1" fill="hold">
+                                          <p:stCondLst>
+                                            <p:cond delay="0"/>
+                                          </p:stCondLst>
+                                        </p:cTn>
+                                        <p:tgtEl>
+                                          <p:spTgt spid="3074"/>
+                                        </p:tgtEl>
+                                        <p:attrNameLst>
+                                          <p:attrName>style.visibility</p:attrName>
+                                        </p:attrNameLst>
+                                      </p:cBhvr>
+                                      <p:to>
+                                        <p:strVal val="visible"/>
+                                      </p:to>
+                                    </p:set>
+                                    <p:animEffect transition="in" filter="fade">
+                                      <p:cBhvr>
+                                        <p:cTn id="7" dur="1000"/>
+                                        <p:tgtEl>
+                                          <p:spTgt spid="3074"/>
+                                        </p:tgtEl>
+                                      </p:cBhvr>
+                                    </p:animEffect>
+                                    <p:anim calcmode="lin" valueType="num">
+                                      <p:cBhvr>
+                                        <p:cTn id="8" dur="1000" fill="hold"/>
+                                        <p:tgtEl>
+                                          <p:spTgt spid="3074"/>
+                                        </p:tgtEl>
+                                        <p:attrNameLst>
+                                          <p:attrName>ppt_x</p:attrName>
+                                        </p:attrNameLst>
+                                      </p:cBhvr>
+                                      <p:tavLst>
+                                        <p:tav tm="0">
+                                          <p:val>
+                                            <p:strVal val="#ppt_x"/>
+                                          </p:val>
+                                        </p:tav>
+                                        <p:tav tm="100000">
+                                          <p:val>
+                                            <p:strVal val="#ppt_x"/>
+                                          </p:val>
+                                        </p:tav>
+                                      </p:tavLst>
+                                    </p:anim>
+                                    <p:anim calcmode="lin" valueType="num">
+                                      <p:cBhvr>
+                                        <p:cTn id="9" dur="1000" fill="hold"/>
+                                        <p:tgtEl>
+                                          <p:spTgt spid="3074"/>
+                                        </p:tgtEl>
+                                        <p:attrNameLst>
+                                          <p:attrName>ppt_y</p:attrName>
+                                        </p:attrNameLst>
+                                      </p:cBhvr>
+                                      <p:tavLst>
+                                        <p:tav tm="0">
+                                          <p:val>
+                                            <p:strVal val="#ppt_y-.1"/>
+                                          </p:val>
+                                        </p:tav>
+                                        <p:tav tm="100000">
+                                          <p:val>
+                                            <p:strVal val="#ppt_y"/>
+                                          </p:val>
+                                        </p:tav>
+                                      </p:tavLst>
+                                    </p:anim>
+                                  </p:childTnLst>
+                                </p:cTn>
+                              </p:par>
+                            </p:childTnLst>
+                          </p:cTn>
+                        </p:par>
+                      </p:childTnLst>
+                    </p:cTn>
+                  </p:par>
+                  <p:par>
+                    <p:cTn id="10" fill="hold">
+                      <p:stCondLst>
+                        <p:cond delay="indefinite"/>
+                      </p:stCondLst>
+                      <p:childTnLst>
+                        <p:par>
+                          <p:cTn id="11" fill="hold">
+                            <p:stCondLst>
+                              <p:cond delay="0"/>
+                            </p:stCondLst>
+                            <p:childTnLst>
+                              <p:par>
+                                <p:cTn id="12" presetID="42" presetClass="entr" presetSubtype="0" fill="hold" nodeType="clickEffect">
+                                  <p:stCondLst>
+                                    <p:cond delay="0"/>
+                                  </p:stCondLst>
+                                  <p:childTnLst>
+                                    <p:set>
+                                      <p:cBhvr>
+                                        <p:cTn id="13" dur="1" fill="hold">
+                                          <p:stCondLst>
+                                            <p:cond delay="0"/>
+                                          </p:stCondLst>
+                                        </p:cTn>
+                                        <p:tgtEl>
+                                          <p:spTgt spid="6"/>
+                                        </p:tgtEl>
+                                        <p:attrNameLst>
+                                          <p:attrName>style.visibility</p:attrName>
+                                        </p:attrNameLst>
+                                      </p:cBhvr>
+                                      <p:to>
+                                        <p:strVal val="visible"/>
+                                      </p:to>
+                                    </p:set>
+                                    <p:animEffect transition="in" filter="fade">
+                                      <p:cBhvr>
+                                        <p:cTn id="14" dur="1000"/>
+                                        <p:tgtEl>
+                                          <p:spTgt spid="6"/>
+                                        </p:tgtEl>
+                                      </p:cBhvr>
+                                    </p:animEffect>
+                                    <p:anim calcmode="lin" valueType="num">
+                                      <p:cBhvr>
+                                        <p:cTn id="15" dur="1000" fill="hold"/>
+                                        <p:tgtEl>
+                                          <p:spTgt spid="6"/>
+                                        </p:tgtEl>
+                                        <p:attrNameLst>
+                                          <p:attrName>ppt_x</p:attrName>
+                                        </p:attrNameLst>
+                                      </p:cBhvr>
+                                      <p:tavLst>
+                                        <p:tav tm="0">
+                                          <p:val>
+                                            <p:strVal val="#ppt_x"/>
+                                          </p:val>
+                                        </p:tav>
+                                        <p:tav tm="100000">
+                                          <p:val>
+                                            <p:strVal val="#ppt_x"/>
+                                          </p:val>
+                                        </p:tav>
+                                      </p:tavLst>
+                                    </p:anim>
+                                    <p:anim calcmode="lin" valueType="num">
+                                      <p:cBhvr>
+                                        <p:cTn id="16" dur="1000" fill="hold"/>
+                                        <p:tgtEl>
+                                          <p:spTgt spid="6"/>
+                                        </p:tgtEl>
+                                        <p:attrNameLst>
+                                          <p:attrName>ppt_y</p:attrName>
+                                        </p:attrNameLst>
+                                      </p:cBhvr>
+                                      <p:tavLst>
+                                        <p:tav tm="0">
+                                          <p:val>
+                                            <p:strVal val="#ppt_y+.1"/>
+                                          </p:val>
+                                        </p:tav>
+                                        <p:tav tm="100000">
+                                          <p:val>
+                                            <p:strVal val="#ppt_y"/>
+                                          </p:val>
+                                        </p:tav>
+                                      </p:tavLst>
+                                    </p:anim>
+                                  </p:childTnLst>
+                                </p:cTn>
+                              </p:par>
+                            </p:childTnLst>
+                          </p:cTn>
+                        </p:par>
+                      </p:childTnLst>
+                    </p:cTn>
+                  </p:par>
+                </p:childTnLst>
+              </p:cTn>
+              <p:prevCondLst>
+                <p:cond evt="onPrev" delay="0">
+                  <p:tgtEl>
+                    <p:sldTgt/>
+                  </p:tgtEl>
+                </p:cond>
+              </p:prevCondLst>
+              <p:nextCondLst>
+                <p:cond evt="onNext" delay="0">
+                  <p:tgtEl>
+                    <p:sldTgt/>
+                  </p:tgtEl>
+                </p:cond>
+              </p:nextCondLst>
+            </p:seq>
+          </p:childTnLst>
+        </p:cTn>
+      </p:par>
+    </p:tnLst>
+  </p:timing>
 </p:sld>
 </file>
 
@@ -16277,31 +20035,47 @@
       </p:grpSp>
       <p:pic>
         <p:nvPicPr>
-          <p:cNvPr id="10" name="Hình ảnh 9">
+          <p:cNvPr id="1026" name="Picture 2" descr="Không có mô tả.">
             <a:extLst>
               <a:ext uri="{FF2B5EF4-FFF2-40B4-BE49-F238E27FC236}">
-                <a16:creationId xmlns:a16="http://schemas.microsoft.com/office/drawing/2014/main" id="{C2A2815E-A727-4323-962A-C25914A553E8}"/>
+                <a16:creationId xmlns:a16="http://schemas.microsoft.com/office/drawing/2014/main" id="{50510BFE-784A-4C65-919C-4D58251B93F5}"/>
               </a:ext>
             </a:extLst>
           </p:cNvPr>
           <p:cNvPicPr>
-            <a:picLocks noChangeAspect="1"/>
+            <a:picLocks noChangeAspect="1" noChangeArrowheads="1"/>
           </p:cNvPicPr>
           <p:nvPr/>
         </p:nvPicPr>
         <p:blipFill rotWithShape="1">
-          <a:blip r:embed="rId6"/>
-          <a:srcRect l="14179" r="17452" b="12253"/>
+          <a:blip r:embed="rId6">
+            <a:extLst>
+              <a:ext uri="{28A0092B-C50C-407E-A947-70E740481C1C}">
+                <a14:useLocalDpi xmlns:a14="http://schemas.microsoft.com/office/drawing/2010/main" val="0"/>
+              </a:ext>
+            </a:extLst>
+          </a:blip>
+          <a:srcRect t="10373"/>
           <a:stretch/>
         </p:blipFill>
-        <p:spPr>
+        <p:spPr bwMode="auto">
           <a:xfrm>
-            <a:off x="9417039" y="700387"/>
-            <a:ext cx="8279346" cy="6271913"/>
+            <a:off x="9007924" y="361160"/>
+            <a:ext cx="8328835" cy="5105400"/>
           </a:xfrm>
           <a:prstGeom prst="rect">
             <a:avLst/>
           </a:prstGeom>
+          <a:noFill/>
+          <a:extLst>
+            <a:ext uri="{909E8E84-426E-40DD-AFC4-6F175D3DCCD1}">
+              <a14:hiddenFill xmlns:a14="http://schemas.microsoft.com/office/drawing/2010/main">
+                <a:solidFill>
+                  <a:srgbClr val="FFFFFF"/>
+                </a:solidFill>
+              </a14:hiddenFill>
+            </a:ext>
+          </a:extLst>
         </p:spPr>
       </p:pic>
     </p:spTree>
@@ -16309,6 +20083,237 @@
   <p:clrMapOvr>
     <a:masterClrMapping/>
   </p:clrMapOvr>
+  <p:transition spd="slow">
+    <p:push/>
+  </p:transition>
+  <p:timing>
+    <p:tnLst>
+      <p:par>
+        <p:cTn id="1" dur="indefinite" restart="never" nodeType="tmRoot">
+          <p:childTnLst>
+            <p:seq concurrent="1" nextAc="seek">
+              <p:cTn id="2" dur="indefinite" nodeType="mainSeq">
+                <p:childTnLst>
+                  <p:par>
+                    <p:cTn id="3" fill="hold">
+                      <p:stCondLst>
+                        <p:cond delay="indefinite"/>
+                      </p:stCondLst>
+                      <p:childTnLst>
+                        <p:par>
+                          <p:cTn id="4" fill="hold">
+                            <p:stCondLst>
+                              <p:cond delay="0"/>
+                            </p:stCondLst>
+                            <p:childTnLst>
+                              <p:par>
+                                <p:cTn id="5" presetID="47" presetClass="entr" presetSubtype="0" fill="hold" nodeType="clickEffect">
+                                  <p:stCondLst>
+                                    <p:cond delay="0"/>
+                                  </p:stCondLst>
+                                  <p:childTnLst>
+                                    <p:set>
+                                      <p:cBhvr>
+                                        <p:cTn id="6" dur="1" fill="hold">
+                                          <p:stCondLst>
+                                            <p:cond delay="0"/>
+                                          </p:stCondLst>
+                                        </p:cTn>
+                                        <p:tgtEl>
+                                          <p:spTgt spid="1026"/>
+                                        </p:tgtEl>
+                                        <p:attrNameLst>
+                                          <p:attrName>style.visibility</p:attrName>
+                                        </p:attrNameLst>
+                                      </p:cBhvr>
+                                      <p:to>
+                                        <p:strVal val="visible"/>
+                                      </p:to>
+                                    </p:set>
+                                    <p:animEffect transition="in" filter="fade">
+                                      <p:cBhvr>
+                                        <p:cTn id="7" dur="1000"/>
+                                        <p:tgtEl>
+                                          <p:spTgt spid="1026"/>
+                                        </p:tgtEl>
+                                      </p:cBhvr>
+                                    </p:animEffect>
+                                    <p:anim calcmode="lin" valueType="num">
+                                      <p:cBhvr>
+                                        <p:cTn id="8" dur="1000" fill="hold"/>
+                                        <p:tgtEl>
+                                          <p:spTgt spid="1026"/>
+                                        </p:tgtEl>
+                                        <p:attrNameLst>
+                                          <p:attrName>ppt_x</p:attrName>
+                                        </p:attrNameLst>
+                                      </p:cBhvr>
+                                      <p:tavLst>
+                                        <p:tav tm="0">
+                                          <p:val>
+                                            <p:strVal val="#ppt_x"/>
+                                          </p:val>
+                                        </p:tav>
+                                        <p:tav tm="100000">
+                                          <p:val>
+                                            <p:strVal val="#ppt_x"/>
+                                          </p:val>
+                                        </p:tav>
+                                      </p:tavLst>
+                                    </p:anim>
+                                    <p:anim calcmode="lin" valueType="num">
+                                      <p:cBhvr>
+                                        <p:cTn id="9" dur="1000" fill="hold"/>
+                                        <p:tgtEl>
+                                          <p:spTgt spid="1026"/>
+                                        </p:tgtEl>
+                                        <p:attrNameLst>
+                                          <p:attrName>ppt_y</p:attrName>
+                                        </p:attrNameLst>
+                                      </p:cBhvr>
+                                      <p:tavLst>
+                                        <p:tav tm="0">
+                                          <p:val>
+                                            <p:strVal val="#ppt_y-.1"/>
+                                          </p:val>
+                                        </p:tav>
+                                        <p:tav tm="100000">
+                                          <p:val>
+                                            <p:strVal val="#ppt_y"/>
+                                          </p:val>
+                                        </p:tav>
+                                      </p:tavLst>
+                                    </p:anim>
+                                  </p:childTnLst>
+                                </p:cTn>
+                              </p:par>
+                            </p:childTnLst>
+                          </p:cTn>
+                        </p:par>
+                      </p:childTnLst>
+                    </p:cTn>
+                  </p:par>
+                  <p:par>
+                    <p:cTn id="10" fill="hold">
+                      <p:stCondLst>
+                        <p:cond delay="indefinite"/>
+                      </p:stCondLst>
+                      <p:childTnLst>
+                        <p:par>
+                          <p:cTn id="11" fill="hold">
+                            <p:stCondLst>
+                              <p:cond delay="0"/>
+                            </p:stCondLst>
+                            <p:childTnLst>
+                              <p:par>
+                                <p:cTn id="12" presetID="42" presetClass="entr" presetSubtype="0" fill="hold" nodeType="clickEffect">
+                                  <p:stCondLst>
+                                    <p:cond delay="0"/>
+                                  </p:stCondLst>
+                                  <p:childTnLst>
+                                    <p:set>
+                                      <p:cBhvr>
+                                        <p:cTn id="13" dur="1" fill="hold">
+                                          <p:stCondLst>
+                                            <p:cond delay="0"/>
+                                          </p:stCondLst>
+                                        </p:cTn>
+                                        <p:tgtEl>
+                                          <p:spTgt spid="6"/>
+                                        </p:tgtEl>
+                                        <p:attrNameLst>
+                                          <p:attrName>style.visibility</p:attrName>
+                                        </p:attrNameLst>
+                                      </p:cBhvr>
+                                      <p:to>
+                                        <p:strVal val="visible"/>
+                                      </p:to>
+                                    </p:set>
+                                    <p:animEffect transition="in" filter="fade">
+                                      <p:cBhvr>
+                                        <p:cTn id="14" dur="1000"/>
+                                        <p:tgtEl>
+                                          <p:spTgt spid="6"/>
+                                        </p:tgtEl>
+                                      </p:cBhvr>
+                                    </p:animEffect>
+                                    <p:anim calcmode="lin" valueType="num">
+                                      <p:cBhvr>
+                                        <p:cTn id="15" dur="1000" fill="hold"/>
+                                        <p:tgtEl>
+                                          <p:spTgt spid="6"/>
+                                        </p:tgtEl>
+                                        <p:attrNameLst>
+                                          <p:attrName>ppt_x</p:attrName>
+                                        </p:attrNameLst>
+                                      </p:cBhvr>
+                                      <p:tavLst>
+                                        <p:tav tm="0">
+                                          <p:val>
+                                            <p:strVal val="#ppt_x"/>
+                                          </p:val>
+                                        </p:tav>
+                                        <p:tav tm="100000">
+                                          <p:val>
+                                            <p:strVal val="#ppt_x"/>
+                                          </p:val>
+                                        </p:tav>
+                                      </p:tavLst>
+                                    </p:anim>
+                                    <p:anim calcmode="lin" valueType="num">
+                                      <p:cBhvr>
+                                        <p:cTn id="16" dur="1000" fill="hold"/>
+                                        <p:tgtEl>
+                                          <p:spTgt spid="6"/>
+                                        </p:tgtEl>
+                                        <p:attrNameLst>
+                                          <p:attrName>ppt_y</p:attrName>
+                                        </p:attrNameLst>
+                                      </p:cBhvr>
+                                      <p:tavLst>
+                                        <p:tav tm="0">
+                                          <p:val>
+                                            <p:strVal val="#ppt_y+.1"/>
+                                          </p:val>
+                                        </p:tav>
+                                        <p:tav tm="100000">
+                                          <p:val>
+                                            <p:strVal val="#ppt_y"/>
+                                          </p:val>
+                                        </p:tav>
+                                      </p:tavLst>
+                                    </p:anim>
+                                  </p:childTnLst>
+                                </p:cTn>
+                              </p:par>
+                            </p:childTnLst>
+                          </p:cTn>
+                        </p:par>
+                      </p:childTnLst>
+                    </p:cTn>
+                  </p:par>
+                </p:childTnLst>
+              </p:cTn>
+              <p:prevCondLst>
+                <p:cond evt="onPrev" delay="0">
+                  <p:tgtEl>
+                    <p:sldTgt/>
+                  </p:tgtEl>
+                </p:cond>
+              </p:prevCondLst>
+              <p:nextCondLst>
+                <p:cond evt="onNext" delay="0">
+                  <p:tgtEl>
+                    <p:sldTgt/>
+                  </p:tgtEl>
+                </p:cond>
+              </p:nextCondLst>
+            </p:seq>
+          </p:childTnLst>
+        </p:cTn>
+      </p:par>
+    </p:tnLst>
+  </p:timing>
 </p:sld>
 </file>
 
@@ -16546,7 +20551,7 @@
           <p:spPr>
             <a:xfrm>
               <a:off x="6096000" y="3162300"/>
-              <a:ext cx="11887200" cy="1795363"/>
+              <a:ext cx="11887200" cy="532750"/>
             </a:xfrm>
             <a:prstGeom prst="rect">
               <a:avLst/>
@@ -16682,6 +20687,237 @@
   <p:clrMapOvr>
     <a:masterClrMapping/>
   </p:clrMapOvr>
+  <p:transition spd="slow">
+    <p:push/>
+  </p:transition>
+  <p:timing>
+    <p:tnLst>
+      <p:par>
+        <p:cTn id="1" dur="indefinite" restart="never" nodeType="tmRoot">
+          <p:childTnLst>
+            <p:seq concurrent="1" nextAc="seek">
+              <p:cTn id="2" dur="indefinite" nodeType="mainSeq">
+                <p:childTnLst>
+                  <p:par>
+                    <p:cTn id="3" fill="hold">
+                      <p:stCondLst>
+                        <p:cond delay="indefinite"/>
+                      </p:stCondLst>
+                      <p:childTnLst>
+                        <p:par>
+                          <p:cTn id="4" fill="hold">
+                            <p:stCondLst>
+                              <p:cond delay="0"/>
+                            </p:stCondLst>
+                            <p:childTnLst>
+                              <p:par>
+                                <p:cTn id="5" presetID="47" presetClass="entr" presetSubtype="0" fill="hold" nodeType="clickEffect">
+                                  <p:stCondLst>
+                                    <p:cond delay="0"/>
+                                  </p:stCondLst>
+                                  <p:childTnLst>
+                                    <p:set>
+                                      <p:cBhvr>
+                                        <p:cTn id="6" dur="1" fill="hold">
+                                          <p:stCondLst>
+                                            <p:cond delay="0"/>
+                                          </p:stCondLst>
+                                        </p:cTn>
+                                        <p:tgtEl>
+                                          <p:spTgt spid="4098"/>
+                                        </p:tgtEl>
+                                        <p:attrNameLst>
+                                          <p:attrName>style.visibility</p:attrName>
+                                        </p:attrNameLst>
+                                      </p:cBhvr>
+                                      <p:to>
+                                        <p:strVal val="visible"/>
+                                      </p:to>
+                                    </p:set>
+                                    <p:animEffect transition="in" filter="fade">
+                                      <p:cBhvr>
+                                        <p:cTn id="7" dur="1000"/>
+                                        <p:tgtEl>
+                                          <p:spTgt spid="4098"/>
+                                        </p:tgtEl>
+                                      </p:cBhvr>
+                                    </p:animEffect>
+                                    <p:anim calcmode="lin" valueType="num">
+                                      <p:cBhvr>
+                                        <p:cTn id="8" dur="1000" fill="hold"/>
+                                        <p:tgtEl>
+                                          <p:spTgt spid="4098"/>
+                                        </p:tgtEl>
+                                        <p:attrNameLst>
+                                          <p:attrName>ppt_x</p:attrName>
+                                        </p:attrNameLst>
+                                      </p:cBhvr>
+                                      <p:tavLst>
+                                        <p:tav tm="0">
+                                          <p:val>
+                                            <p:strVal val="#ppt_x"/>
+                                          </p:val>
+                                        </p:tav>
+                                        <p:tav tm="100000">
+                                          <p:val>
+                                            <p:strVal val="#ppt_x"/>
+                                          </p:val>
+                                        </p:tav>
+                                      </p:tavLst>
+                                    </p:anim>
+                                    <p:anim calcmode="lin" valueType="num">
+                                      <p:cBhvr>
+                                        <p:cTn id="9" dur="1000" fill="hold"/>
+                                        <p:tgtEl>
+                                          <p:spTgt spid="4098"/>
+                                        </p:tgtEl>
+                                        <p:attrNameLst>
+                                          <p:attrName>ppt_y</p:attrName>
+                                        </p:attrNameLst>
+                                      </p:cBhvr>
+                                      <p:tavLst>
+                                        <p:tav tm="0">
+                                          <p:val>
+                                            <p:strVal val="#ppt_y-.1"/>
+                                          </p:val>
+                                        </p:tav>
+                                        <p:tav tm="100000">
+                                          <p:val>
+                                            <p:strVal val="#ppt_y"/>
+                                          </p:val>
+                                        </p:tav>
+                                      </p:tavLst>
+                                    </p:anim>
+                                  </p:childTnLst>
+                                </p:cTn>
+                              </p:par>
+                            </p:childTnLst>
+                          </p:cTn>
+                        </p:par>
+                      </p:childTnLst>
+                    </p:cTn>
+                  </p:par>
+                  <p:par>
+                    <p:cTn id="10" fill="hold">
+                      <p:stCondLst>
+                        <p:cond delay="indefinite"/>
+                      </p:stCondLst>
+                      <p:childTnLst>
+                        <p:par>
+                          <p:cTn id="11" fill="hold">
+                            <p:stCondLst>
+                              <p:cond delay="0"/>
+                            </p:stCondLst>
+                            <p:childTnLst>
+                              <p:par>
+                                <p:cTn id="12" presetID="42" presetClass="entr" presetSubtype="0" fill="hold" nodeType="clickEffect">
+                                  <p:stCondLst>
+                                    <p:cond delay="0"/>
+                                  </p:stCondLst>
+                                  <p:childTnLst>
+                                    <p:set>
+                                      <p:cBhvr>
+                                        <p:cTn id="13" dur="1" fill="hold">
+                                          <p:stCondLst>
+                                            <p:cond delay="0"/>
+                                          </p:stCondLst>
+                                        </p:cTn>
+                                        <p:tgtEl>
+                                          <p:spTgt spid="9"/>
+                                        </p:tgtEl>
+                                        <p:attrNameLst>
+                                          <p:attrName>style.visibility</p:attrName>
+                                        </p:attrNameLst>
+                                      </p:cBhvr>
+                                      <p:to>
+                                        <p:strVal val="visible"/>
+                                      </p:to>
+                                    </p:set>
+                                    <p:animEffect transition="in" filter="fade">
+                                      <p:cBhvr>
+                                        <p:cTn id="14" dur="1000"/>
+                                        <p:tgtEl>
+                                          <p:spTgt spid="9"/>
+                                        </p:tgtEl>
+                                      </p:cBhvr>
+                                    </p:animEffect>
+                                    <p:anim calcmode="lin" valueType="num">
+                                      <p:cBhvr>
+                                        <p:cTn id="15" dur="1000" fill="hold"/>
+                                        <p:tgtEl>
+                                          <p:spTgt spid="9"/>
+                                        </p:tgtEl>
+                                        <p:attrNameLst>
+                                          <p:attrName>ppt_x</p:attrName>
+                                        </p:attrNameLst>
+                                      </p:cBhvr>
+                                      <p:tavLst>
+                                        <p:tav tm="0">
+                                          <p:val>
+                                            <p:strVal val="#ppt_x"/>
+                                          </p:val>
+                                        </p:tav>
+                                        <p:tav tm="100000">
+                                          <p:val>
+                                            <p:strVal val="#ppt_x"/>
+                                          </p:val>
+                                        </p:tav>
+                                      </p:tavLst>
+                                    </p:anim>
+                                    <p:anim calcmode="lin" valueType="num">
+                                      <p:cBhvr>
+                                        <p:cTn id="16" dur="1000" fill="hold"/>
+                                        <p:tgtEl>
+                                          <p:spTgt spid="9"/>
+                                        </p:tgtEl>
+                                        <p:attrNameLst>
+                                          <p:attrName>ppt_y</p:attrName>
+                                        </p:attrNameLst>
+                                      </p:cBhvr>
+                                      <p:tavLst>
+                                        <p:tav tm="0">
+                                          <p:val>
+                                            <p:strVal val="#ppt_y+.1"/>
+                                          </p:val>
+                                        </p:tav>
+                                        <p:tav tm="100000">
+                                          <p:val>
+                                            <p:strVal val="#ppt_y"/>
+                                          </p:val>
+                                        </p:tav>
+                                      </p:tavLst>
+                                    </p:anim>
+                                  </p:childTnLst>
+                                </p:cTn>
+                              </p:par>
+                            </p:childTnLst>
+                          </p:cTn>
+                        </p:par>
+                      </p:childTnLst>
+                    </p:cTn>
+                  </p:par>
+                </p:childTnLst>
+              </p:cTn>
+              <p:prevCondLst>
+                <p:cond evt="onPrev" delay="0">
+                  <p:tgtEl>
+                    <p:sldTgt/>
+                  </p:tgtEl>
+                </p:cond>
+              </p:prevCondLst>
+              <p:nextCondLst>
+                <p:cond evt="onNext" delay="0">
+                  <p:tgtEl>
+                    <p:sldTgt/>
+                  </p:tgtEl>
+                </p:cond>
+              </p:nextCondLst>
+            </p:seq>
+          </p:childTnLst>
+        </p:cTn>
+      </p:par>
+    </p:tnLst>
+  </p:timing>
 </p:sld>
 </file>
 
@@ -16975,7 +21211,7 @@
         </p:blipFill>
         <p:spPr bwMode="auto">
           <a:xfrm>
-            <a:off x="7467600" y="6040479"/>
+            <a:off x="7543800" y="5285020"/>
             <a:ext cx="10296526" cy="3795194"/>
           </a:xfrm>
           <a:prstGeom prst="rect">
@@ -16998,6 +21234,237 @@
   <p:clrMapOvr>
     <a:masterClrMapping/>
   </p:clrMapOvr>
+  <p:transition spd="slow">
+    <p:push/>
+  </p:transition>
+  <p:timing>
+    <p:tnLst>
+      <p:par>
+        <p:cTn id="1" dur="indefinite" restart="never" nodeType="tmRoot">
+          <p:childTnLst>
+            <p:seq concurrent="1" nextAc="seek">
+              <p:cTn id="2" dur="indefinite" nodeType="mainSeq">
+                <p:childTnLst>
+                  <p:par>
+                    <p:cTn id="3" fill="hold">
+                      <p:stCondLst>
+                        <p:cond delay="indefinite"/>
+                      </p:stCondLst>
+                      <p:childTnLst>
+                        <p:par>
+                          <p:cTn id="4" fill="hold">
+                            <p:stCondLst>
+                              <p:cond delay="0"/>
+                            </p:stCondLst>
+                            <p:childTnLst>
+                              <p:par>
+                                <p:cTn id="5" presetID="47" presetClass="entr" presetSubtype="0" fill="hold" nodeType="clickEffect">
+                                  <p:stCondLst>
+                                    <p:cond delay="0"/>
+                                  </p:stCondLst>
+                                  <p:childTnLst>
+                                    <p:set>
+                                      <p:cBhvr>
+                                        <p:cTn id="6" dur="1" fill="hold">
+                                          <p:stCondLst>
+                                            <p:cond delay="0"/>
+                                          </p:stCondLst>
+                                        </p:cTn>
+                                        <p:tgtEl>
+                                          <p:spTgt spid="7"/>
+                                        </p:tgtEl>
+                                        <p:attrNameLst>
+                                          <p:attrName>style.visibility</p:attrName>
+                                        </p:attrNameLst>
+                                      </p:cBhvr>
+                                      <p:to>
+                                        <p:strVal val="visible"/>
+                                      </p:to>
+                                    </p:set>
+                                    <p:animEffect transition="in" filter="fade">
+                                      <p:cBhvr>
+                                        <p:cTn id="7" dur="1000"/>
+                                        <p:tgtEl>
+                                          <p:spTgt spid="7"/>
+                                        </p:tgtEl>
+                                      </p:cBhvr>
+                                    </p:animEffect>
+                                    <p:anim calcmode="lin" valueType="num">
+                                      <p:cBhvr>
+                                        <p:cTn id="8" dur="1000" fill="hold"/>
+                                        <p:tgtEl>
+                                          <p:spTgt spid="7"/>
+                                        </p:tgtEl>
+                                        <p:attrNameLst>
+                                          <p:attrName>ppt_x</p:attrName>
+                                        </p:attrNameLst>
+                                      </p:cBhvr>
+                                      <p:tavLst>
+                                        <p:tav tm="0">
+                                          <p:val>
+                                            <p:strVal val="#ppt_x"/>
+                                          </p:val>
+                                        </p:tav>
+                                        <p:tav tm="100000">
+                                          <p:val>
+                                            <p:strVal val="#ppt_x"/>
+                                          </p:val>
+                                        </p:tav>
+                                      </p:tavLst>
+                                    </p:anim>
+                                    <p:anim calcmode="lin" valueType="num">
+                                      <p:cBhvr>
+                                        <p:cTn id="9" dur="1000" fill="hold"/>
+                                        <p:tgtEl>
+                                          <p:spTgt spid="7"/>
+                                        </p:tgtEl>
+                                        <p:attrNameLst>
+                                          <p:attrName>ppt_y</p:attrName>
+                                        </p:attrNameLst>
+                                      </p:cBhvr>
+                                      <p:tavLst>
+                                        <p:tav tm="0">
+                                          <p:val>
+                                            <p:strVal val="#ppt_y-.1"/>
+                                          </p:val>
+                                        </p:tav>
+                                        <p:tav tm="100000">
+                                          <p:val>
+                                            <p:strVal val="#ppt_y"/>
+                                          </p:val>
+                                        </p:tav>
+                                      </p:tavLst>
+                                    </p:anim>
+                                  </p:childTnLst>
+                                </p:cTn>
+                              </p:par>
+                            </p:childTnLst>
+                          </p:cTn>
+                        </p:par>
+                      </p:childTnLst>
+                    </p:cTn>
+                  </p:par>
+                  <p:par>
+                    <p:cTn id="10" fill="hold">
+                      <p:stCondLst>
+                        <p:cond delay="indefinite"/>
+                      </p:stCondLst>
+                      <p:childTnLst>
+                        <p:par>
+                          <p:cTn id="11" fill="hold">
+                            <p:stCondLst>
+                              <p:cond delay="0"/>
+                            </p:stCondLst>
+                            <p:childTnLst>
+                              <p:par>
+                                <p:cTn id="12" presetID="42" presetClass="entr" presetSubtype="0" fill="hold" nodeType="clickEffect">
+                                  <p:stCondLst>
+                                    <p:cond delay="0"/>
+                                  </p:stCondLst>
+                                  <p:childTnLst>
+                                    <p:set>
+                                      <p:cBhvr>
+                                        <p:cTn id="13" dur="1" fill="hold">
+                                          <p:stCondLst>
+                                            <p:cond delay="0"/>
+                                          </p:stCondLst>
+                                        </p:cTn>
+                                        <p:tgtEl>
+                                          <p:spTgt spid="6148"/>
+                                        </p:tgtEl>
+                                        <p:attrNameLst>
+                                          <p:attrName>style.visibility</p:attrName>
+                                        </p:attrNameLst>
+                                      </p:cBhvr>
+                                      <p:to>
+                                        <p:strVal val="visible"/>
+                                      </p:to>
+                                    </p:set>
+                                    <p:animEffect transition="in" filter="fade">
+                                      <p:cBhvr>
+                                        <p:cTn id="14" dur="1000"/>
+                                        <p:tgtEl>
+                                          <p:spTgt spid="6148"/>
+                                        </p:tgtEl>
+                                      </p:cBhvr>
+                                    </p:animEffect>
+                                    <p:anim calcmode="lin" valueType="num">
+                                      <p:cBhvr>
+                                        <p:cTn id="15" dur="1000" fill="hold"/>
+                                        <p:tgtEl>
+                                          <p:spTgt spid="6148"/>
+                                        </p:tgtEl>
+                                        <p:attrNameLst>
+                                          <p:attrName>ppt_x</p:attrName>
+                                        </p:attrNameLst>
+                                      </p:cBhvr>
+                                      <p:tavLst>
+                                        <p:tav tm="0">
+                                          <p:val>
+                                            <p:strVal val="#ppt_x"/>
+                                          </p:val>
+                                        </p:tav>
+                                        <p:tav tm="100000">
+                                          <p:val>
+                                            <p:strVal val="#ppt_x"/>
+                                          </p:val>
+                                        </p:tav>
+                                      </p:tavLst>
+                                    </p:anim>
+                                    <p:anim calcmode="lin" valueType="num">
+                                      <p:cBhvr>
+                                        <p:cTn id="16" dur="1000" fill="hold"/>
+                                        <p:tgtEl>
+                                          <p:spTgt spid="6148"/>
+                                        </p:tgtEl>
+                                        <p:attrNameLst>
+                                          <p:attrName>ppt_y</p:attrName>
+                                        </p:attrNameLst>
+                                      </p:cBhvr>
+                                      <p:tavLst>
+                                        <p:tav tm="0">
+                                          <p:val>
+                                            <p:strVal val="#ppt_y+.1"/>
+                                          </p:val>
+                                        </p:tav>
+                                        <p:tav tm="100000">
+                                          <p:val>
+                                            <p:strVal val="#ppt_y"/>
+                                          </p:val>
+                                        </p:tav>
+                                      </p:tavLst>
+                                    </p:anim>
+                                  </p:childTnLst>
+                                </p:cTn>
+                              </p:par>
+                            </p:childTnLst>
+                          </p:cTn>
+                        </p:par>
+                      </p:childTnLst>
+                    </p:cTn>
+                  </p:par>
+                </p:childTnLst>
+              </p:cTn>
+              <p:prevCondLst>
+                <p:cond evt="onPrev" delay="0">
+                  <p:tgtEl>
+                    <p:sldTgt/>
+                  </p:tgtEl>
+                </p:cond>
+              </p:prevCondLst>
+              <p:nextCondLst>
+                <p:cond evt="onNext" delay="0">
+                  <p:tgtEl>
+                    <p:sldTgt/>
+                  </p:tgtEl>
+                </p:cond>
+              </p:nextCondLst>
+            </p:seq>
+          </p:childTnLst>
+        </p:cTn>
+      </p:par>
+    </p:tnLst>
+  </p:timing>
 </p:sld>
 </file>
 
@@ -17658,10 +22125,10 @@
       </p:grpSp>
       <p:pic>
         <p:nvPicPr>
-          <p:cNvPr id="5122" name="Hình ảnh 1">
+          <p:cNvPr id="3074" name="Picture 2">
             <a:extLst>
               <a:ext uri="{FF2B5EF4-FFF2-40B4-BE49-F238E27FC236}">
-                <a16:creationId xmlns:a16="http://schemas.microsoft.com/office/drawing/2014/main" id="{5E24FE3D-2255-430A-BDC0-945B1C4CEA47}"/>
+                <a16:creationId xmlns:a16="http://schemas.microsoft.com/office/drawing/2014/main" id="{F54CE818-E1AA-48EB-B83D-2B46342B31E9}"/>
               </a:ext>
             </a:extLst>
           </p:cNvPr>
@@ -17670,124 +22137,28 @@
           </p:cNvPicPr>
           <p:nvPr/>
         </p:nvPicPr>
-        <p:blipFill rotWithShape="1">
+        <p:blipFill>
           <a:blip r:embed="rId7">
             <a:extLst>
-              <a:ext uri="{BEBA8EAE-BF5A-486C-A8C5-ECC9F3942E4B}">
-                <a14:imgProps xmlns:a14="http://schemas.microsoft.com/office/drawing/2010/main">
-                  <a14:imgLayer r:embed="rId8">
-                    <a14:imgEffect>
-                      <a14:backgroundRemoval t="8811" b="85756" l="6930" r="94989">
-                        <a14:foregroundMark x1="6930" y1="41703" x2="24200" y2="44493"/>
-                        <a14:foregroundMark x1="24200" y1="44493" x2="30597" y2="43906"/>
-                        <a14:foregroundMark x1="40085" y1="10132" x2="50320" y2="16593"/>
-                        <a14:foregroundMark x1="39232" y1="8957" x2="49787" y2="11307"/>
-                        <a14:foregroundMark x1="49680" y1="11013" x2="59915" y2="11894"/>
-                        <a14:foregroundMark x1="47015" y1="9545" x2="63753" y2="11307"/>
-                        <a14:foregroundMark x1="87740" y1="48899" x2="89979" y2="54772"/>
-                        <a14:foregroundMark x1="87953" y1="46256" x2="87846" y2="55507"/>
-                        <a14:foregroundMark x1="48721" y1="71659" x2="54797" y2="71072"/>
-                        <a14:foregroundMark x1="54797" y1="71072" x2="57996" y2="77239"/>
-                        <a14:foregroundMark x1="57996" y1="77239" x2="51919" y2="73862"/>
-                        <a14:foregroundMark x1="51919" y1="73862" x2="51706" y2="73128"/>
-                        <a14:foregroundMark x1="18763" y1="69310" x2="18124" y2="75184"/>
-                        <a14:foregroundMark x1="19616" y1="70191" x2="24094" y2="74302"/>
-                        <a14:foregroundMark x1="24094" y1="74302" x2="18870" y2="76652"/>
-                        <a14:foregroundMark x1="23667" y1="68869" x2="16844" y2="67107"/>
-                        <a14:foregroundMark x1="16844" y1="67107" x2="10661" y2="72540"/>
-                        <a14:foregroundMark x1="10661" y1="72540" x2="19936" y2="78267"/>
-                        <a14:foregroundMark x1="27612" y1="69897" x2="21748" y2="78855"/>
-                        <a14:foregroundMark x1="21748" y1="78855" x2="15991" y2="76799"/>
-                        <a14:foregroundMark x1="15991" y1="76799" x2="15672" y2="75624"/>
-                        <a14:foregroundMark x1="32836" y1="74449" x2="39232" y2="76799"/>
-                        <a14:foregroundMark x1="52985" y1="59178" x2="52132" y2="70631"/>
-                        <a14:foregroundMark x1="50426" y1="85903" x2="47974" y2="76652"/>
-                        <a14:foregroundMark x1="88166" y1="45374" x2="88486" y2="56975"/>
-                        <a14:foregroundMark x1="49041" y1="44640" x2="63113" y2="49633"/>
-                        <a14:foregroundMark x1="35501" y1="48164" x2="46482" y2="49780"/>
-                        <a14:foregroundMark x1="68550" y1="41557" x2="78252" y2="44347"/>
-                        <a14:foregroundMark x1="71322" y1="50954" x2="78998" y2="49339"/>
-                        <a14:foregroundMark x1="11301" y1="66520" x2="25053" y2="67695"/>
-                        <a14:foregroundMark x1="25053" y1="67695" x2="28571" y2="75477"/>
-                        <a14:foregroundMark x1="28571" y1="75477" x2="23348" y2="79148"/>
-                        <a14:foregroundMark x1="23348" y1="79148" x2="12367" y2="77680"/>
-                        <a14:foregroundMark x1="12367" y1="77680" x2="12047" y2="67254"/>
-                        <a14:foregroundMark x1="42111" y1="68576" x2="64179" y2="72247"/>
-                        <a14:foregroundMark x1="33369" y1="48311" x2="40085" y2="48899"/>
-                        <a14:foregroundMark x1="39019" y1="51248" x2="39339" y2="47137"/>
-                        <a14:foregroundMark x1="67591" y1="52129" x2="77932" y2="52570"/>
-                        <a14:foregroundMark x1="67271" y1="46696" x2="78998" y2="48164"/>
-                        <a14:foregroundMark x1="78998" y1="48164" x2="80277" y2="48899"/>
-                        <a14:foregroundMark x1="80810" y1="40529" x2="89339" y2="41116"/>
-                        <a14:foregroundMark x1="89339" y1="41116" x2="94456" y2="48164"/>
-                        <a14:foregroundMark x1="94456" y1="48164" x2="94989" y2="55947"/>
-                        <a14:foregroundMark x1="94989" y1="55947" x2="89552" y2="59325"/>
-                        <a14:foregroundMark x1="89552" y1="59325" x2="84648" y2="57562"/>
-                        <a14:foregroundMark x1="84648" y1="57562" x2="79744" y2="41850"/>
-                        <a14:foregroundMark x1="79957" y1="51689" x2="81343" y2="57269"/>
-                        <a14:foregroundMark x1="80597" y1="58443" x2="87953" y2="58590"/>
-                        <a14:foregroundMark x1="40618" y1="10132" x2="61194" y2="9398"/>
-                        <a14:foregroundMark x1="61194" y1="9398" x2="66844" y2="12482"/>
-                        <a14:foregroundMark x1="66844" y1="12482" x2="66844" y2="12482"/>
-                        <a14:foregroundMark x1="55650" y1="68576" x2="64712" y2="69457"/>
-                        <a14:foregroundMark x1="64712" y1="69457" x2="65245" y2="69750"/>
-                        <a14:foregroundMark x1="41684" y1="69016" x2="41365" y2="72247"/>
-                        <a14:foregroundMark x1="19510" y1="66520" x2="29638" y2="67841"/>
-                        <a14:foregroundMark x1="29638" y1="67841" x2="29638" y2="77974"/>
-                        <a14:foregroundMark x1="29638" y1="77974" x2="12154" y2="79001"/>
-                        <a14:foregroundMark x1="12154" y1="79001" x2="11514" y2="66667"/>
-                        <a14:foregroundMark x1="50107" y1="31718" x2="55757" y2="36858"/>
-                        <a14:foregroundMark x1="55757" y1="36858" x2="48827" y2="36123"/>
-                        <a14:foregroundMark x1="48827" y1="36123" x2="49467" y2="32159"/>
-                        <a14:foregroundMark x1="50533" y1="56681" x2="56077" y2="59325"/>
-                        <a14:foregroundMark x1="56077" y1="59325" x2="54904" y2="67401"/>
-                        <a14:foregroundMark x1="54904" y1="67401" x2="49893" y2="62555"/>
-                        <a14:foregroundMark x1="49893" y1="62555" x2="51386" y2="54772"/>
-                        <a14:foregroundMark x1="32836" y1="44347" x2="38060" y2="44934"/>
-                        <a14:foregroundMark x1="38060" y1="44934" x2="39659" y2="52423"/>
-                        <a14:foregroundMark x1="39659" y1="52423" x2="33049" y2="50367"/>
-                        <a14:foregroundMark x1="33049" y1="50367" x2="31557" y2="45228"/>
-                        <a14:foregroundMark x1="36674" y1="44347" x2="42964" y2="45962"/>
-                        <a14:foregroundMark x1="56930" y1="30837" x2="56503" y2="39648"/>
-                        <a14:foregroundMark x1="56503" y1="39648" x2="56290" y2="40382"/>
-                        <a14:foregroundMark x1="29957" y1="72100" x2="41578" y2="72540"/>
-                        <a14:foregroundMark x1="29638" y1="76652" x2="41684" y2="77386"/>
-                        <a14:foregroundMark x1="41684" y1="77386" x2="43177" y2="77239"/>
-                        <a14:foregroundMark x1="63859" y1="41263" x2="74947" y2="41116"/>
-                        <a14:foregroundMark x1="74947" y1="41116" x2="81770" y2="41850"/>
-                        <a14:foregroundMark x1="81770" y1="41850" x2="82196" y2="41703"/>
-                        <a14:foregroundMark x1="64392" y1="53744" x2="80597" y2="54185"/>
-                        <a14:backgroundMark x1="21215" y1="34214" x2="28891" y2="36417"/>
-                        <a14:backgroundMark x1="9915" y1="27019" x2="18230" y2="26579"/>
-                        <a14:backgroundMark x1="18230" y1="26579" x2="31023" y2="30103"/>
-                      </a14:backgroundRemoval>
-                    </a14:imgEffect>
-                  </a14:imgLayer>
-                </a14:imgProps>
-              </a:ext>
               <a:ext uri="{28A0092B-C50C-407E-A947-70E740481C1C}">
                 <a14:useLocalDpi xmlns:a14="http://schemas.microsoft.com/office/drawing/2010/main" val="0"/>
               </a:ext>
             </a:extLst>
           </a:blip>
-          <a:srcRect l="5636" t="7796" r="4183" b="8675"/>
-          <a:stretch/>
+          <a:srcRect/>
+          <a:stretch>
+            <a:fillRect/>
+          </a:stretch>
         </p:blipFill>
         <p:spPr bwMode="auto">
           <a:xfrm>
-            <a:off x="36125" y="869061"/>
-            <a:ext cx="13189777" cy="8903750"/>
+            <a:off x="78070" y="514189"/>
+            <a:ext cx="13214032" cy="9581221"/>
           </a:xfrm>
           <a:prstGeom prst="rect">
             <a:avLst/>
           </a:prstGeom>
           <a:noFill/>
-          <a:ln>
-            <a:noFill/>
-          </a:ln>
-          <a:effectLst>
-            <a:softEdge rad="0"/>
-          </a:effectLst>
           <a:extLst>
             <a:ext uri="{909E8E84-426E-40DD-AFC4-6F175D3DCCD1}">
               <a14:hiddenFill xmlns:a14="http://schemas.microsoft.com/office/drawing/2010/main">
@@ -17796,24 +22167,376 @@
                 </a:solidFill>
               </a14:hiddenFill>
             </a:ext>
-            <a:ext uri="{91240B29-F687-4F45-9708-019B960494DF}">
-              <a14:hiddenLine xmlns:a14="http://schemas.microsoft.com/office/drawing/2010/main" w="9525">
-                <a:solidFill>
-                  <a:srgbClr val="000000"/>
-                </a:solidFill>
-                <a:miter lim="800000"/>
-                <a:headEnd/>
-                <a:tailEnd/>
-              </a14:hiddenLine>
-            </a:ext>
           </a:extLst>
         </p:spPr>
       </p:pic>
+      <p:sp>
+        <p:nvSpPr>
+          <p:cNvPr id="22" name="Hình chữ nhật: Góc Tròn 21">
+            <a:extLst>
+              <a:ext uri="{FF2B5EF4-FFF2-40B4-BE49-F238E27FC236}">
+                <a16:creationId xmlns:a16="http://schemas.microsoft.com/office/drawing/2014/main" id="{3C3E3E12-4C0F-4C11-BE67-253D1E7F26B4}"/>
+              </a:ext>
+            </a:extLst>
+          </p:cNvPr>
+          <p:cNvSpPr/>
+          <p:nvPr/>
+        </p:nvSpPr>
+        <p:spPr>
+          <a:xfrm>
+            <a:off x="5257800" y="974000"/>
+            <a:ext cx="3505200" cy="2354000"/>
+          </a:xfrm>
+          <a:prstGeom prst="roundRect">
+            <a:avLst/>
+          </a:prstGeom>
+          <a:noFill/>
+          <a:ln w="76200" cap="flat" cmpd="sng" algn="ctr">
+            <a:solidFill>
+              <a:schemeClr val="accent6"/>
+            </a:solidFill>
+            <a:prstDash val="solid"/>
+            <a:round/>
+            <a:headEnd type="none" w="med" len="med"/>
+            <a:tailEnd type="none" w="med" len="med"/>
+          </a:ln>
+        </p:spPr>
+        <p:style>
+          <a:lnRef idx="0">
+            <a:scrgbClr r="0" g="0" b="0"/>
+          </a:lnRef>
+          <a:fillRef idx="0">
+            <a:scrgbClr r="0" g="0" b="0"/>
+          </a:fillRef>
+          <a:effectRef idx="0">
+            <a:scrgbClr r="0" g="0" b="0"/>
+          </a:effectRef>
+          <a:fontRef idx="minor">
+            <a:schemeClr val="accent6"/>
+          </a:fontRef>
+        </p:style>
+        <p:txBody>
+          <a:bodyPr rtlCol="0" anchor="ctr"/>
+          <a:lstStyle/>
+          <a:p>
+            <a:pPr algn="ctr"/>
+            <a:endParaRPr lang="en-US"/>
+          </a:p>
+        </p:txBody>
+      </p:sp>
     </p:spTree>
   </p:cSld>
   <p:clrMapOvr>
     <a:masterClrMapping/>
   </p:clrMapOvr>
+  <p:transition spd="slow">
+    <p:push/>
+  </p:transition>
+  <p:timing>
+    <p:tnLst>
+      <p:par>
+        <p:cTn id="1" dur="indefinite" restart="never" nodeType="tmRoot">
+          <p:childTnLst>
+            <p:seq concurrent="1" nextAc="seek">
+              <p:cTn id="2" dur="indefinite" nodeType="mainSeq">
+                <p:childTnLst>
+                  <p:par>
+                    <p:cTn id="3" fill="hold">
+                      <p:stCondLst>
+                        <p:cond delay="indefinite"/>
+                      </p:stCondLst>
+                      <p:childTnLst>
+                        <p:par>
+                          <p:cTn id="4" fill="hold">
+                            <p:stCondLst>
+                              <p:cond delay="0"/>
+                            </p:stCondLst>
+                            <p:childTnLst>
+                              <p:par>
+                                <p:cTn id="5" presetID="47" presetClass="entr" presetSubtype="0" fill="hold" nodeType="clickEffect">
+                                  <p:stCondLst>
+                                    <p:cond delay="0"/>
+                                  </p:stCondLst>
+                                  <p:childTnLst>
+                                    <p:set>
+                                      <p:cBhvr>
+                                        <p:cTn id="6" dur="1" fill="hold">
+                                          <p:stCondLst>
+                                            <p:cond delay="0"/>
+                                          </p:stCondLst>
+                                        </p:cTn>
+                                        <p:tgtEl>
+                                          <p:spTgt spid="10"/>
+                                        </p:tgtEl>
+                                        <p:attrNameLst>
+                                          <p:attrName>style.visibility</p:attrName>
+                                        </p:attrNameLst>
+                                      </p:cBhvr>
+                                      <p:to>
+                                        <p:strVal val="visible"/>
+                                      </p:to>
+                                    </p:set>
+                                    <p:animEffect transition="in" filter="fade">
+                                      <p:cBhvr>
+                                        <p:cTn id="7" dur="1000"/>
+                                        <p:tgtEl>
+                                          <p:spTgt spid="10"/>
+                                        </p:tgtEl>
+                                      </p:cBhvr>
+                                    </p:animEffect>
+                                    <p:anim calcmode="lin" valueType="num">
+                                      <p:cBhvr>
+                                        <p:cTn id="8" dur="1000" fill="hold"/>
+                                        <p:tgtEl>
+                                          <p:spTgt spid="10"/>
+                                        </p:tgtEl>
+                                        <p:attrNameLst>
+                                          <p:attrName>ppt_x</p:attrName>
+                                        </p:attrNameLst>
+                                      </p:cBhvr>
+                                      <p:tavLst>
+                                        <p:tav tm="0">
+                                          <p:val>
+                                            <p:strVal val="#ppt_x"/>
+                                          </p:val>
+                                        </p:tav>
+                                        <p:tav tm="100000">
+                                          <p:val>
+                                            <p:strVal val="#ppt_x"/>
+                                          </p:val>
+                                        </p:tav>
+                                      </p:tavLst>
+                                    </p:anim>
+                                    <p:anim calcmode="lin" valueType="num">
+                                      <p:cBhvr>
+                                        <p:cTn id="9" dur="1000" fill="hold"/>
+                                        <p:tgtEl>
+                                          <p:spTgt spid="10"/>
+                                        </p:tgtEl>
+                                        <p:attrNameLst>
+                                          <p:attrName>ppt_y</p:attrName>
+                                        </p:attrNameLst>
+                                      </p:cBhvr>
+                                      <p:tavLst>
+                                        <p:tav tm="0">
+                                          <p:val>
+                                            <p:strVal val="#ppt_y-.1"/>
+                                          </p:val>
+                                        </p:tav>
+                                        <p:tav tm="100000">
+                                          <p:val>
+                                            <p:strVal val="#ppt_y"/>
+                                          </p:val>
+                                        </p:tav>
+                                      </p:tavLst>
+                                    </p:anim>
+                                  </p:childTnLst>
+                                </p:cTn>
+                              </p:par>
+                            </p:childTnLst>
+                          </p:cTn>
+                        </p:par>
+                      </p:childTnLst>
+                    </p:cTn>
+                  </p:par>
+                  <p:par>
+                    <p:cTn id="10" fill="hold">
+                      <p:stCondLst>
+                        <p:cond delay="indefinite"/>
+                      </p:stCondLst>
+                      <p:childTnLst>
+                        <p:par>
+                          <p:cTn id="11" fill="hold">
+                            <p:stCondLst>
+                              <p:cond delay="0"/>
+                            </p:stCondLst>
+                            <p:childTnLst>
+                              <p:par>
+                                <p:cTn id="12" presetID="2" presetClass="entr" presetSubtype="8" fill="hold" nodeType="clickEffect">
+                                  <p:stCondLst>
+                                    <p:cond delay="0"/>
+                                  </p:stCondLst>
+                                  <p:childTnLst>
+                                    <p:set>
+                                      <p:cBhvr>
+                                        <p:cTn id="13" dur="1" fill="hold">
+                                          <p:stCondLst>
+                                            <p:cond delay="0"/>
+                                          </p:stCondLst>
+                                        </p:cTn>
+                                        <p:tgtEl>
+                                          <p:spTgt spid="3074"/>
+                                        </p:tgtEl>
+                                        <p:attrNameLst>
+                                          <p:attrName>style.visibility</p:attrName>
+                                        </p:attrNameLst>
+                                      </p:cBhvr>
+                                      <p:to>
+                                        <p:strVal val="visible"/>
+                                      </p:to>
+                                    </p:set>
+                                    <p:anim calcmode="lin" valueType="num">
+                                      <p:cBhvr additive="base">
+                                        <p:cTn id="14" dur="1000" fill="hold"/>
+                                        <p:tgtEl>
+                                          <p:spTgt spid="3074"/>
+                                        </p:tgtEl>
+                                        <p:attrNameLst>
+                                          <p:attrName>ppt_x</p:attrName>
+                                        </p:attrNameLst>
+                                      </p:cBhvr>
+                                      <p:tavLst>
+                                        <p:tav tm="0">
+                                          <p:val>
+                                            <p:strVal val="0-#ppt_w/2"/>
+                                          </p:val>
+                                        </p:tav>
+                                        <p:tav tm="100000">
+                                          <p:val>
+                                            <p:strVal val="#ppt_x"/>
+                                          </p:val>
+                                        </p:tav>
+                                      </p:tavLst>
+                                    </p:anim>
+                                    <p:anim calcmode="lin" valueType="num">
+                                      <p:cBhvr additive="base">
+                                        <p:cTn id="15" dur="1000" fill="hold"/>
+                                        <p:tgtEl>
+                                          <p:spTgt spid="3074"/>
+                                        </p:tgtEl>
+                                        <p:attrNameLst>
+                                          <p:attrName>ppt_y</p:attrName>
+                                        </p:attrNameLst>
+                                      </p:cBhvr>
+                                      <p:tavLst>
+                                        <p:tav tm="0">
+                                          <p:val>
+                                            <p:strVal val="#ppt_y"/>
+                                          </p:val>
+                                        </p:tav>
+                                        <p:tav tm="100000">
+                                          <p:val>
+                                            <p:strVal val="#ppt_y"/>
+                                          </p:val>
+                                        </p:tav>
+                                      </p:tavLst>
+                                    </p:anim>
+                                  </p:childTnLst>
+                                </p:cTn>
+                              </p:par>
+                            </p:childTnLst>
+                          </p:cTn>
+                        </p:par>
+                        <p:par>
+                          <p:cTn id="16" fill="hold">
+                            <p:stCondLst>
+                              <p:cond delay="1000"/>
+                            </p:stCondLst>
+                            <p:childTnLst>
+                              <p:par>
+                                <p:cTn id="17" presetID="2" presetClass="entr" presetSubtype="8" fill="hold" grpId="0" nodeType="afterEffect">
+                                  <p:stCondLst>
+                                    <p:cond delay="0"/>
+                                  </p:stCondLst>
+                                  <p:childTnLst>
+                                    <p:set>
+                                      <p:cBhvr>
+                                        <p:cTn id="18" dur="1" fill="hold">
+                                          <p:stCondLst>
+                                            <p:cond delay="0"/>
+                                          </p:stCondLst>
+                                        </p:cTn>
+                                        <p:tgtEl>
+                                          <p:spTgt spid="22"/>
+                                        </p:tgtEl>
+                                        <p:attrNameLst>
+                                          <p:attrName>style.visibility</p:attrName>
+                                        </p:attrNameLst>
+                                      </p:cBhvr>
+                                      <p:to>
+                                        <p:strVal val="visible"/>
+                                      </p:to>
+                                    </p:set>
+                                    <p:anim calcmode="lin" valueType="num">
+                                      <p:cBhvr additive="base">
+                                        <p:cTn id="19" dur="500" fill="hold"/>
+                                        <p:tgtEl>
+                                          <p:spTgt spid="22"/>
+                                        </p:tgtEl>
+                                        <p:attrNameLst>
+                                          <p:attrName>ppt_x</p:attrName>
+                                        </p:attrNameLst>
+                                      </p:cBhvr>
+                                      <p:tavLst>
+                                        <p:tav tm="0">
+                                          <p:val>
+                                            <p:strVal val="0-#ppt_w/2"/>
+                                          </p:val>
+                                        </p:tav>
+                                        <p:tav tm="100000">
+                                          <p:val>
+                                            <p:strVal val="#ppt_x"/>
+                                          </p:val>
+                                        </p:tav>
+                                      </p:tavLst>
+                                    </p:anim>
+                                    <p:anim calcmode="lin" valueType="num">
+                                      <p:cBhvr additive="base">
+                                        <p:cTn id="20" dur="500" fill="hold"/>
+                                        <p:tgtEl>
+                                          <p:spTgt spid="22"/>
+                                        </p:tgtEl>
+                                        <p:attrNameLst>
+                                          <p:attrName>ppt_y</p:attrName>
+                                        </p:attrNameLst>
+                                      </p:cBhvr>
+                                      <p:tavLst>
+                                        <p:tav tm="0">
+                                          <p:val>
+                                            <p:strVal val="#ppt_y"/>
+                                          </p:val>
+                                        </p:tav>
+                                        <p:tav tm="100000">
+                                          <p:val>
+                                            <p:strVal val="#ppt_y"/>
+                                          </p:val>
+                                        </p:tav>
+                                      </p:tavLst>
+                                    </p:anim>
+                                  </p:childTnLst>
+                                </p:cTn>
+                              </p:par>
+                            </p:childTnLst>
+                          </p:cTn>
+                        </p:par>
+                      </p:childTnLst>
+                    </p:cTn>
+                  </p:par>
+                </p:childTnLst>
+              </p:cTn>
+              <p:prevCondLst>
+                <p:cond evt="onPrev" delay="0">
+                  <p:tgtEl>
+                    <p:sldTgt/>
+                  </p:tgtEl>
+                </p:cond>
+              </p:prevCondLst>
+              <p:nextCondLst>
+                <p:cond evt="onNext" delay="0">
+                  <p:tgtEl>
+                    <p:sldTgt/>
+                  </p:tgtEl>
+                </p:cond>
+              </p:nextCondLst>
+            </p:seq>
+          </p:childTnLst>
+        </p:cTn>
+      </p:par>
+    </p:tnLst>
+    <p:bldLst>
+      <p:bldP spid="22" grpId="0" animBg="1"/>
+    </p:bldLst>
+  </p:timing>
 </p:sld>
 </file>
 
@@ -17844,7 +22567,7 @@
       </p:grpSpPr>
       <p:pic>
         <p:nvPicPr>
-          <p:cNvPr id="2" name="Picture 2" hidden="1"/>
+          <p:cNvPr id="2" name="Picture 2"/>
           <p:cNvPicPr>
             <a:picLocks noChangeAspect="1"/>
           </p:cNvPicPr>
@@ -17879,7 +22602,7 @@
       </p:pic>
       <p:pic>
         <p:nvPicPr>
-          <p:cNvPr id="3" name="Picture 3" hidden="1"/>
+          <p:cNvPr id="3" name="Picture 3"/>
           <p:cNvPicPr>
             <a:picLocks noChangeAspect="1"/>
           </p:cNvPicPr>
@@ -17914,7 +22637,7 @@
       </p:pic>
       <p:pic>
         <p:nvPicPr>
-          <p:cNvPr id="4" name="Picture 4" hidden="1"/>
+          <p:cNvPr id="4" name="Picture 4"/>
           <p:cNvPicPr>
             <a:picLocks noChangeAspect="1"/>
           </p:cNvPicPr>
@@ -17949,7 +22672,7 @@
       </p:pic>
       <p:pic>
         <p:nvPicPr>
-          <p:cNvPr id="5" name="Picture 5" hidden="1"/>
+          <p:cNvPr id="5" name="Picture 5"/>
           <p:cNvPicPr>
             <a:picLocks noChangeAspect="1"/>
           </p:cNvPicPr>
@@ -18284,7 +23007,7 @@
                   </a:solidFill>
                   <a:latin typeface="Abadi" panose="020B0604020104020204" pitchFamily="34" charset="0"/>
                 </a:rPr>
-                <a:t>“Cho mình xin giá của sản phẩm”</a:t>
+                <a:t>“Cho mình đặt hàng”</a:t>
               </a:r>
             </a:p>
           </p:txBody>
@@ -18330,7 +23053,7 @@
                   </a:solidFill>
                   <a:latin typeface="Abadi" panose="020B0604020104020204" pitchFamily="34" charset="0"/>
                 </a:rPr>
-                <a:t>Intent: </a:t>
+                <a:t>Intent: order </a:t>
               </a:r>
             </a:p>
             <a:p>
@@ -18346,7 +23069,7 @@
                   </a:solidFill>
                   <a:latin typeface="Abadi" panose="020B0604020104020204" pitchFamily="34" charset="0"/>
                 </a:rPr>
-                <a:t>-   Entity: </a:t>
+                <a:t>-   Entity: order</a:t>
               </a:r>
             </a:p>
           </p:txBody>
@@ -18479,10 +23202,10 @@
       </p:grpSp>
       <p:pic>
         <p:nvPicPr>
-          <p:cNvPr id="2050" name="Picture 2">
+          <p:cNvPr id="5122" name="Hình ảnh 1">
             <a:extLst>
               <a:ext uri="{FF2B5EF4-FFF2-40B4-BE49-F238E27FC236}">
-                <a16:creationId xmlns:a16="http://schemas.microsoft.com/office/drawing/2014/main" id="{328A1B5F-A6F0-4DE3-91AC-F8C8F62C4DCE}"/>
+                <a16:creationId xmlns:a16="http://schemas.microsoft.com/office/drawing/2014/main" id="{7D957CC4-D97C-4E7F-A041-C332C2FF7941}"/>
               </a:ext>
             </a:extLst>
           </p:cNvPr>
@@ -18499,15 +23222,15 @@
               </a:ext>
             </a:extLst>
           </a:blip>
-          <a:srcRect t="-2618" b="38333"/>
+          <a:srcRect b="19815"/>
           <a:stretch>
             <a:fillRect/>
           </a:stretch>
         </p:blipFill>
         <p:spPr bwMode="auto">
           <a:xfrm>
-            <a:off x="10820400" y="4708307"/>
-            <a:ext cx="4980166" cy="5015612"/>
+            <a:off x="10649901" y="4794069"/>
+            <a:ext cx="5454414" cy="4874108"/>
           </a:xfrm>
           <a:prstGeom prst="rect">
             <a:avLst/>
@@ -18542,6 +23265,9 @@
   <p:clrMapOvr>
     <a:masterClrMapping/>
   </p:clrMapOvr>
+  <p:transition spd="slow">
+    <p:push/>
+  </p:transition>
 </p:sld>
 </file>
 
@@ -19121,4 +23847,201 @@
     </a:ext>
   </a:extLst>
 </a:theme>
+</file>
+
+<file path=customXml/item1.xml><?xml version="1.0" encoding="utf-8"?>
+<ct:contentTypeSchema xmlns:ct="http://schemas.microsoft.com/office/2006/metadata/contentType" xmlns:ma="http://schemas.microsoft.com/office/2006/metadata/properties/metaAttributes" ct:_="" ma:_="" ma:contentTypeName="Tài liệu" ma:contentTypeID="0x0101009F0BFEA1EBD7E048A5AAE987DDF04153" ma:contentTypeVersion="8" ma:contentTypeDescription="Tạo tài liệu mới." ma:contentTypeScope="" ma:versionID="d0d10b2a9edb198b9d9358200349bb37">
+  <xsd:schema xmlns:xsd="http://www.w3.org/2001/XMLSchema" xmlns:xs="http://www.w3.org/2001/XMLSchema" xmlns:p="http://schemas.microsoft.com/office/2006/metadata/properties" xmlns:ns2="2e3b6ab0-f5d4-45ba-a4c9-3e0d5e127a81" targetNamespace="http://schemas.microsoft.com/office/2006/metadata/properties" ma:root="true" ma:fieldsID="cd3cce446b5daace87199c777f54734d" ns2:_="">
+    <xsd:import namespace="2e3b6ab0-f5d4-45ba-a4c9-3e0d5e127a81"/>
+    <xsd:element name="properties">
+      <xsd:complexType>
+        <xsd:sequence>
+          <xsd:element name="documentManagement">
+            <xsd:complexType>
+              <xsd:all>
+                <xsd:element ref="ns2:MediaServiceMetadata" minOccurs="0"/>
+                <xsd:element ref="ns2:MediaServiceFastMetadata" minOccurs="0"/>
+                <xsd:element ref="ns2:MediaServiceDateTaken" minOccurs="0"/>
+                <xsd:element ref="ns2:MediaServiceAutoTags" minOccurs="0"/>
+                <xsd:element ref="ns2:MediaServiceOCR" minOccurs="0"/>
+                <xsd:element ref="ns2:MediaServiceGenerationTime" minOccurs="0"/>
+                <xsd:element ref="ns2:MediaServiceEventHashCode" minOccurs="0"/>
+                <xsd:element ref="ns2:MediaLengthInSeconds" minOccurs="0"/>
+              </xsd:all>
+            </xsd:complexType>
+          </xsd:element>
+        </xsd:sequence>
+      </xsd:complexType>
+    </xsd:element>
+  </xsd:schema>
+  <xsd:schema xmlns:xsd="http://www.w3.org/2001/XMLSchema" xmlns:xs="http://www.w3.org/2001/XMLSchema" xmlns:dms="http://schemas.microsoft.com/office/2006/documentManagement/types" xmlns:pc="http://schemas.microsoft.com/office/infopath/2007/PartnerControls" targetNamespace="2e3b6ab0-f5d4-45ba-a4c9-3e0d5e127a81" elementFormDefault="qualified">
+    <xsd:import namespace="http://schemas.microsoft.com/office/2006/documentManagement/types"/>
+    <xsd:import namespace="http://schemas.microsoft.com/office/infopath/2007/PartnerControls"/>
+    <xsd:element name="MediaServiceMetadata" ma:index="8" nillable="true" ma:displayName="MediaServiceMetadata" ma:hidden="true" ma:internalName="MediaServiceMetadata" ma:readOnly="true">
+      <xsd:simpleType>
+        <xsd:restriction base="dms:Note"/>
+      </xsd:simpleType>
+    </xsd:element>
+    <xsd:element name="MediaServiceFastMetadata" ma:index="9" nillable="true" ma:displayName="MediaServiceFastMetadata" ma:hidden="true" ma:internalName="MediaServiceFastMetadata" ma:readOnly="true">
+      <xsd:simpleType>
+        <xsd:restriction base="dms:Note"/>
+      </xsd:simpleType>
+    </xsd:element>
+    <xsd:element name="MediaServiceDateTaken" ma:index="10" nillable="true" ma:displayName="MediaServiceDateTaken" ma:hidden="true" ma:internalName="MediaServiceDateTaken" ma:readOnly="true">
+      <xsd:simpleType>
+        <xsd:restriction base="dms:Text"/>
+      </xsd:simpleType>
+    </xsd:element>
+    <xsd:element name="MediaServiceAutoTags" ma:index="11" nillable="true" ma:displayName="Tags" ma:internalName="MediaServiceAutoTags" ma:readOnly="true">
+      <xsd:simpleType>
+        <xsd:restriction base="dms:Text"/>
+      </xsd:simpleType>
+    </xsd:element>
+    <xsd:element name="MediaServiceOCR" ma:index="12" nillable="true" ma:displayName="Extracted Text" ma:internalName="MediaServiceOCR" ma:readOnly="true">
+      <xsd:simpleType>
+        <xsd:restriction base="dms:Note">
+          <xsd:maxLength value="255"/>
+        </xsd:restriction>
+      </xsd:simpleType>
+    </xsd:element>
+    <xsd:element name="MediaServiceGenerationTime" ma:index="13" nillable="true" ma:displayName="MediaServiceGenerationTime" ma:hidden="true" ma:internalName="MediaServiceGenerationTime" ma:readOnly="true">
+      <xsd:simpleType>
+        <xsd:restriction base="dms:Text"/>
+      </xsd:simpleType>
+    </xsd:element>
+    <xsd:element name="MediaServiceEventHashCode" ma:index="14" nillable="true" ma:displayName="MediaServiceEventHashCode" ma:hidden="true" ma:internalName="MediaServiceEventHashCode" ma:readOnly="true">
+      <xsd:simpleType>
+        <xsd:restriction base="dms:Text"/>
+      </xsd:simpleType>
+    </xsd:element>
+    <xsd:element name="MediaLengthInSeconds" ma:index="15" nillable="true" ma:displayName="Length (seconds)" ma:internalName="MediaLengthInSeconds" ma:readOnly="true">
+      <xsd:simpleType>
+        <xsd:restriction base="dms:Unknown"/>
+      </xsd:simpleType>
+    </xsd:element>
+  </xsd:schema>
+  <xsd:schema xmlns="http://schemas.openxmlformats.org/package/2006/metadata/core-properties" xmlns:xsd="http://www.w3.org/2001/XMLSchema" xmlns:xsi="http://www.w3.org/2001/XMLSchema-instance" xmlns:dc="http://purl.org/dc/elements/1.1/" xmlns:dcterms="http://purl.org/dc/terms/" xmlns:odoc="http://schemas.microsoft.com/internal/obd" targetNamespace="http://schemas.openxmlformats.org/package/2006/metadata/core-properties" elementFormDefault="qualified" attributeFormDefault="unqualified" blockDefault="#all">
+    <xsd:import namespace="http://purl.org/dc/elements/1.1/" schemaLocation="http://dublincore.org/schemas/xmls/qdc/2003/04/02/dc.xsd"/>
+    <xsd:import namespace="http://purl.org/dc/terms/" schemaLocation="http://dublincore.org/schemas/xmls/qdc/2003/04/02/dcterms.xsd"/>
+    <xsd:element name="coreProperties" type="CT_coreProperties"/>
+    <xsd:complexType name="CT_coreProperties">
+      <xsd:all>
+        <xsd:element ref="dc:creator" minOccurs="0" maxOccurs="1"/>
+        <xsd:element ref="dcterms:created" minOccurs="0" maxOccurs="1"/>
+        <xsd:element ref="dc:identifier" minOccurs="0" maxOccurs="1"/>
+        <xsd:element name="contentType" minOccurs="0" maxOccurs="1" type="xsd:string" ma:index="0" ma:displayName="Loại Nội dung"/>
+        <xsd:element ref="dc:title" minOccurs="0" maxOccurs="1" ma:index="4" ma:displayName="Tiêu đề"/>
+        <xsd:element ref="dc:subject" minOccurs="0" maxOccurs="1"/>
+        <xsd:element ref="dc:description" minOccurs="0" maxOccurs="1"/>
+        <xsd:element name="keywords" minOccurs="0" maxOccurs="1" type="xsd:string"/>
+        <xsd:element ref="dc:language" minOccurs="0" maxOccurs="1"/>
+        <xsd:element name="category" minOccurs="0" maxOccurs="1" type="xsd:string"/>
+        <xsd:element name="version" minOccurs="0" maxOccurs="1" type="xsd:string"/>
+        <xsd:element name="revision" minOccurs="0" maxOccurs="1" type="xsd:string">
+          <xsd:annotation>
+            <xsd:documentation>
+                        This value indicates the number of saves or revisions. The application is responsible for updating this value after each revision.
+                    </xsd:documentation>
+          </xsd:annotation>
+        </xsd:element>
+        <xsd:element name="lastModifiedBy" minOccurs="0" maxOccurs="1" type="xsd:string"/>
+        <xsd:element ref="dcterms:modified" minOccurs="0" maxOccurs="1"/>
+        <xsd:element name="contentStatus" minOccurs="0" maxOccurs="1" type="xsd:string"/>
+      </xsd:all>
+    </xsd:complexType>
+  </xsd:schema>
+  <xs:schema xmlns:pc="http://schemas.microsoft.com/office/infopath/2007/PartnerControls" xmlns:xs="http://www.w3.org/2001/XMLSchema" targetNamespace="http://schemas.microsoft.com/office/infopath/2007/PartnerControls" elementFormDefault="qualified" attributeFormDefault="unqualified">
+    <xs:element name="Person">
+      <xs:complexType>
+        <xs:sequence>
+          <xs:element ref="pc:DisplayName" minOccurs="0"/>
+          <xs:element ref="pc:AccountId" minOccurs="0"/>
+          <xs:element ref="pc:AccountType" minOccurs="0"/>
+        </xs:sequence>
+      </xs:complexType>
+    </xs:element>
+    <xs:element name="DisplayName" type="xs:string"/>
+    <xs:element name="AccountId" type="xs:string"/>
+    <xs:element name="AccountType" type="xs:string"/>
+    <xs:element name="BDCAssociatedEntity">
+      <xs:complexType>
+        <xs:sequence>
+          <xs:element ref="pc:BDCEntity" minOccurs="0" maxOccurs="unbounded"/>
+        </xs:sequence>
+        <xs:attribute ref="pc:EntityNamespace"/>
+        <xs:attribute ref="pc:EntityName"/>
+        <xs:attribute ref="pc:SystemInstanceName"/>
+        <xs:attribute ref="pc:AssociationName"/>
+      </xs:complexType>
+    </xs:element>
+    <xs:attribute name="EntityNamespace" type="xs:string"/>
+    <xs:attribute name="EntityName" type="xs:string"/>
+    <xs:attribute name="SystemInstanceName" type="xs:string"/>
+    <xs:attribute name="AssociationName" type="xs:string"/>
+    <xs:element name="BDCEntity">
+      <xs:complexType>
+        <xs:sequence>
+          <xs:element ref="pc:EntityDisplayName" minOccurs="0"/>
+          <xs:element ref="pc:EntityInstanceReference" minOccurs="0"/>
+          <xs:element ref="pc:EntityId1" minOccurs="0"/>
+          <xs:element ref="pc:EntityId2" minOccurs="0"/>
+          <xs:element ref="pc:EntityId3" minOccurs="0"/>
+          <xs:element ref="pc:EntityId4" minOccurs="0"/>
+          <xs:element ref="pc:EntityId5" minOccurs="0"/>
+        </xs:sequence>
+      </xs:complexType>
+    </xs:element>
+    <xs:element name="EntityDisplayName" type="xs:string"/>
+    <xs:element name="EntityInstanceReference" type="xs:string"/>
+    <xs:element name="EntityId1" type="xs:string"/>
+    <xs:element name="EntityId2" type="xs:string"/>
+    <xs:element name="EntityId3" type="xs:string"/>
+    <xs:element name="EntityId4" type="xs:string"/>
+    <xs:element name="EntityId5" type="xs:string"/>
+    <xs:element name="Terms">
+      <xs:complexType>
+        <xs:sequence>
+          <xs:element ref="pc:TermInfo" minOccurs="0" maxOccurs="unbounded"/>
+        </xs:sequence>
+      </xs:complexType>
+    </xs:element>
+    <xs:element name="TermInfo">
+      <xs:complexType>
+        <xs:sequence>
+          <xs:element ref="pc:TermName" minOccurs="0"/>
+          <xs:element ref="pc:TermId" minOccurs="0"/>
+        </xs:sequence>
+      </xs:complexType>
+    </xs:element>
+    <xs:element name="TermName" type="xs:string"/>
+    <xs:element name="TermId" type="xs:string"/>
+  </xs:schema>
+</ct:contentTypeSchema>
+</file>
+
+<file path=customXml/item2.xml><?xml version="1.0" encoding="utf-8"?>
+<?mso-contentType ?>
+<FormTemplates xmlns="http://schemas.microsoft.com/sharepoint/v3/contenttype/forms">
+  <Display>DocumentLibraryForm</Display>
+  <Edit>DocumentLibraryForm</Edit>
+  <New>DocumentLibraryForm</New>
+</FormTemplates>
+</file>
+
+<file path=customXml/item3.xml><?xml version="1.0" encoding="utf-8"?>
+<p:properties xmlns:p="http://schemas.microsoft.com/office/2006/metadata/properties" xmlns:xsi="http://www.w3.org/2001/XMLSchema-instance" xmlns:pc="http://schemas.microsoft.com/office/infopath/2007/PartnerControls">
+  <documentManagement/>
+</p:properties>
+</file>
+
+<file path=customXml/itemProps1.xml><?xml version="1.0" encoding="utf-8"?>
+<ds:datastoreItem xmlns:ds="http://schemas.openxmlformats.org/officeDocument/2006/customXml" ds:itemID="{8741449B-EE91-4BFB-BEA6-2CC73FFC64E7}"/>
+</file>
+
+<file path=customXml/itemProps2.xml><?xml version="1.0" encoding="utf-8"?>
+<ds:datastoreItem xmlns:ds="http://schemas.openxmlformats.org/officeDocument/2006/customXml" ds:itemID="{EE589514-879E-415B-836B-A8D988640E6B}"/>
+</file>
+
+<file path=customXml/itemProps3.xml><?xml version="1.0" encoding="utf-8"?>
+<ds:datastoreItem xmlns:ds="http://schemas.openxmlformats.org/officeDocument/2006/customXml" ds:itemID="{24D1266D-C0B8-43CB-BFED-379CDCEF35D1}"/>
 </file>